--- a/ResultadosGerais/GEOsREAIS_v2.pptx
+++ b/ResultadosGerais/GEOsREAIS_v2.pptx
@@ -5,19 +5,22 @@
     <p:sldMasterId id="2147483648" r:id="rId1"/>
   </p:sldMasterIdLst>
   <p:notesMasterIdLst>
-    <p:notesMasterId r:id="rId10"/>
+    <p:notesMasterId r:id="rId13"/>
   </p:notesMasterIdLst>
   <p:handoutMasterIdLst>
-    <p:handoutMasterId r:id="rId11"/>
+    <p:handoutMasterId r:id="rId14"/>
   </p:handoutMasterIdLst>
   <p:sldIdLst>
     <p:sldId id="256" r:id="rId3"/>
-    <p:sldId id="327" r:id="rId4"/>
-    <p:sldId id="352" r:id="rId5"/>
-    <p:sldId id="366" r:id="rId6"/>
-    <p:sldId id="365" r:id="rId7"/>
-    <p:sldId id="363" r:id="rId8"/>
-    <p:sldId id="364" r:id="rId9"/>
+    <p:sldId id="370" r:id="rId4"/>
+    <p:sldId id="376" r:id="rId5"/>
+    <p:sldId id="377" r:id="rId6"/>
+    <p:sldId id="379" r:id="rId7"/>
+    <p:sldId id="327" r:id="rId8"/>
+    <p:sldId id="352" r:id="rId9"/>
+    <p:sldId id="366" r:id="rId10"/>
+    <p:sldId id="365" r:id="rId11"/>
+    <p:sldId id="364" r:id="rId12"/>
   </p:sldIdLst>
   <p:sldSz cx="12192000" cy="6858000"/>
   <p:notesSz cx="7103745" cy="10234295"/>
@@ -4033,7 +4036,3021 @@
 </p:sld>
 </file>
 
+<file path=ppt/slides/slide10.xml><?xml version="1.0" encoding="utf-8"?>
+<p:sld xmlns:a="http://schemas.openxmlformats.org/drawingml/2006/main" xmlns:r="http://schemas.openxmlformats.org/officeDocument/2006/relationships" xmlns:p="http://schemas.openxmlformats.org/presentationml/2006/main">
+  <p:cSld>
+    <p:spTree>
+      <p:nvGrpSpPr>
+        <p:cNvPr id="1" name=""/>
+        <p:cNvGrpSpPr/>
+        <p:nvPr/>
+      </p:nvGrpSpPr>
+      <p:grpSpPr/>
+      <p:pic>
+        <p:nvPicPr>
+          <p:cNvPr id="10" name="Picture 9"/>
+          <p:cNvPicPr>
+            <a:picLocks noChangeAspect="true"/>
+          </p:cNvPicPr>
+          <p:nvPr/>
+        </p:nvPicPr>
+        <p:blipFill>
+          <a:blip r:embed="rId1"/>
+          <a:srcRect b="5928"/>
+          <a:stretch>
+            <a:fillRect/>
+          </a:stretch>
+        </p:blipFill>
+        <p:spPr>
+          <a:xfrm>
+            <a:off x="635" y="-19685"/>
+            <a:ext cx="723900" cy="6872605"/>
+          </a:xfrm>
+          <a:prstGeom prst="rect">
+            <a:avLst/>
+          </a:prstGeom>
+        </p:spPr>
+      </p:pic>
+      <p:sp>
+        <p:nvSpPr>
+          <p:cNvPr id="84" name="Google Shape;84;p2"/>
+          <p:cNvSpPr txBox="true">
+            <a:spLocks noGrp="true"/>
+          </p:cNvSpPr>
+          <p:nvPr>
+            <p:ph type="title"/>
+          </p:nvPr>
+        </p:nvSpPr>
+        <p:spPr>
+          <a:xfrm>
+            <a:off x="3546475" y="-19685"/>
+            <a:ext cx="5100320" cy="1051560"/>
+          </a:xfrm>
+          <a:prstGeom prst="rect">
+            <a:avLst/>
+          </a:prstGeom>
+          <a:noFill/>
+          <a:ln>
+            <a:noFill/>
+          </a:ln>
+        </p:spPr>
+        <p:txBody>
+          <a:bodyPr spcFirstLastPara="1" wrap="square" lIns="103150" tIns="51575" rIns="103150" bIns="51575" anchor="ctr" anchorCtr="false">
+            <a:noAutofit/>
+          </a:bodyPr>
+          <a:p>
+            <a:pPr algn="ctr"/>
+            <a:r>
+              <a:rPr lang="pt-PT" altLang="pt-BR" sz="2800"/>
+              <a:t>GEOreal2</a:t>
+            </a:r>
+            <a:endParaRPr lang="pt-PT" altLang="pt-BR" sz="2800" baseline="-25000">
+              <a:solidFill>
+                <a:schemeClr val="tx1"/>
+              </a:solidFill>
+              <a:uFillTx/>
+              <a:latin typeface="Arial" panose="020B0604020202020204"/>
+              <a:ea typeface="Arial" panose="020B0604020202020204"/>
+              <a:cs typeface="Arial" panose="020B0604020202020204"/>
+              <a:sym typeface="Arial" panose="020B0604020202020204"/>
+            </a:endParaRPr>
+          </a:p>
+        </p:txBody>
+      </p:sp>
+      <p:sp>
+        <p:nvSpPr>
+          <p:cNvPr id="3" name="Google Shape;84;p2"/>
+          <p:cNvSpPr txBox="true">
+            <a:spLocks noGrp="true"/>
+          </p:cNvSpPr>
+          <p:nvPr/>
+        </p:nvSpPr>
+        <p:spPr>
+          <a:xfrm>
+            <a:off x="1024890" y="1687830"/>
+            <a:ext cx="4664710" cy="4789805"/>
+          </a:xfrm>
+          <a:prstGeom prst="rect">
+            <a:avLst/>
+          </a:prstGeom>
+          <a:noFill/>
+          <a:ln>
+            <a:noFill/>
+          </a:ln>
+        </p:spPr>
+        <p:txBody>
+          <a:bodyPr vert="horz" wrap="square" lIns="103150" tIns="51575" rIns="103150" bIns="51575" rtlCol="0" anchor="ctr" anchorCtr="false">
+            <a:noAutofit/>
+          </a:bodyPr>
+          <a:lstStyle>
+            <a:lvl1pPr algn="ctr" defTabSz="914400" rtl="0" eaLnBrk="1" latinLnBrk="0" hangingPunct="1">
+              <a:lnSpc>
+                <a:spcPct val="130000"/>
+              </a:lnSpc>
+              <a:spcBef>
+                <a:spcPct val="0"/>
+              </a:spcBef>
+              <a:buNone/>
+              <a:defRPr sz="6000" kern="1200">
+                <a:solidFill>
+                  <a:schemeClr val="tx1"/>
+                </a:solidFill>
+                <a:effectLst>
+                  <a:outerShdw blurRad="38100" dist="38100" dir="2700000" algn="tl">
+                    <a:srgbClr val="000000">
+                      <a:alpha val="43137"/>
+                    </a:srgbClr>
+                  </a:outerShdw>
+                </a:effectLst>
+                <a:latin typeface="+mj-lt"/>
+                <a:ea typeface="+mj-ea"/>
+                <a:cs typeface="+mj-cs"/>
+              </a:defRPr>
+            </a:lvl1pPr>
+          </a:lstStyle>
+          <a:p>
+            <a:pPr marL="571500" indent="-571500" algn="l">
+              <a:lnSpc>
+                <a:spcPct val="200000"/>
+              </a:lnSpc>
+              <a:buFont typeface="Arial" panose="020B0604020202020204" pitchFamily="34" charset="0"/>
+              <a:buChar char="•"/>
+            </a:pPr>
+            <a:endParaRPr lang="pt-PT" altLang="en-US" sz="1400">
+              <a:solidFill>
+                <a:schemeClr val="tx1"/>
+              </a:solidFill>
+              <a:uFillTx/>
+              <a:latin typeface="DejaVu Math TeX Gyre" panose="02000503000000000000" charset="0"/>
+              <a:ea typeface="Arial" panose="020B0604020202020204"/>
+              <a:cs typeface="DejaVu Math TeX Gyre" panose="02000503000000000000" charset="0"/>
+              <a:sym typeface="Arial" panose="020B0604020202020204"/>
+            </a:endParaRPr>
+          </a:p>
+          <a:p>
+            <a:pPr marL="571500" indent="-571500" algn="l">
+              <a:lnSpc>
+                <a:spcPct val="200000"/>
+              </a:lnSpc>
+              <a:buFont typeface="Arial" panose="020B0604020202020204" pitchFamily="34" charset="0"/>
+              <a:buChar char="•"/>
+            </a:pPr>
+            <a:r>
+              <a:rPr lang="pt-PT" altLang="en-US" sz="1400">
+                <a:solidFill>
+                  <a:schemeClr val="tx1"/>
+                </a:solidFill>
+                <a:uFillTx/>
+                <a:latin typeface="DejaVu Math TeX Gyre" panose="02000503000000000000" charset="0"/>
+                <a:ea typeface="Arial" panose="020B0604020202020204"/>
+                <a:cs typeface="DejaVu Math TeX Gyre" panose="02000503000000000000" charset="0"/>
+                <a:sym typeface="Arial" panose="020B0604020202020204"/>
+              </a:rPr>
+              <a:t>GRIEWANGK</a:t>
+            </a:r>
+            <a:endParaRPr lang="pt-PT" altLang="en-US" sz="1400">
+              <a:solidFill>
+                <a:schemeClr val="tx1"/>
+              </a:solidFill>
+              <a:uFillTx/>
+              <a:latin typeface="DejaVu Math TeX Gyre" panose="02000503000000000000" charset="0"/>
+              <a:ea typeface="Arial" panose="020B0604020202020204"/>
+              <a:cs typeface="DejaVu Math TeX Gyre" panose="02000503000000000000" charset="0"/>
+              <a:sym typeface="Arial" panose="020B0604020202020204"/>
+            </a:endParaRPr>
+          </a:p>
+          <a:p>
+            <a:pPr marL="1028700" lvl="1" indent="-571500" algn="l">
+              <a:lnSpc>
+                <a:spcPct val="200000"/>
+              </a:lnSpc>
+              <a:buFont typeface="Arial" panose="020B0604020202020204" pitchFamily="34" charset="0"/>
+              <a:buChar char="•"/>
+            </a:pPr>
+            <a:r>
+              <a:rPr lang="pt-PT" altLang="en-US" sz="1400">
+                <a:solidFill>
+                  <a:schemeClr val="tx1"/>
+                </a:solidFill>
+                <a:uFillTx/>
+                <a:latin typeface="DejaVu Math TeX Gyre" panose="02000503000000000000" charset="0"/>
+                <a:ea typeface="Arial" panose="020B0604020202020204"/>
+                <a:cs typeface="DejaVu Math TeX Gyre" panose="02000503000000000000" charset="0"/>
+                <a:sym typeface="Arial" panose="020B0604020202020204"/>
+              </a:rPr>
+              <a:t>s = 1  |  P = 8 | std1 = 1 | tau = 1,5</a:t>
+            </a:r>
+            <a:endParaRPr lang="pt-PT" altLang="en-US" sz="1400">
+              <a:solidFill>
+                <a:schemeClr val="tx1"/>
+              </a:solidFill>
+              <a:uFillTx/>
+              <a:latin typeface="DejaVu Math TeX Gyre" panose="02000503000000000000" charset="0"/>
+              <a:ea typeface="Arial" panose="020B0604020202020204"/>
+              <a:cs typeface="DejaVu Math TeX Gyre" panose="02000503000000000000" charset="0"/>
+              <a:sym typeface="Arial" panose="020B0604020202020204"/>
+            </a:endParaRPr>
+          </a:p>
+          <a:p>
+            <a:pPr marL="571500" indent="-571500" algn="l">
+              <a:lnSpc>
+                <a:spcPct val="200000"/>
+              </a:lnSpc>
+              <a:buFont typeface="Arial" panose="020B0604020202020204" pitchFamily="34" charset="0"/>
+              <a:buChar char="•"/>
+            </a:pPr>
+            <a:r>
+              <a:rPr lang="pt-PT" altLang="en-US" sz="1400">
+                <a:solidFill>
+                  <a:schemeClr val="tx1"/>
+                </a:solidFill>
+                <a:uFillTx/>
+                <a:latin typeface="DejaVu Math TeX Gyre" panose="02000503000000000000" charset="0"/>
+                <a:ea typeface="Arial" panose="020B0604020202020204"/>
+                <a:cs typeface="DejaVu Math TeX Gyre" panose="02000503000000000000" charset="0"/>
+                <a:sym typeface="Arial" panose="020B0604020202020204"/>
+              </a:rPr>
+              <a:t>RASTRINGIN</a:t>
+            </a:r>
+            <a:endParaRPr lang="pt-PT" altLang="en-US" sz="1400">
+              <a:solidFill>
+                <a:schemeClr val="tx1"/>
+              </a:solidFill>
+              <a:uFillTx/>
+              <a:latin typeface="DejaVu Math TeX Gyre" panose="02000503000000000000" charset="0"/>
+              <a:ea typeface="Arial" panose="020B0604020202020204"/>
+              <a:cs typeface="DejaVu Math TeX Gyre" panose="02000503000000000000" charset="0"/>
+              <a:sym typeface="Arial" panose="020B0604020202020204"/>
+            </a:endParaRPr>
+          </a:p>
+          <a:p>
+            <a:pPr marL="1028700" lvl="1" indent="-571500" algn="l">
+              <a:lnSpc>
+                <a:spcPct val="200000"/>
+              </a:lnSpc>
+              <a:buFont typeface="Arial" panose="020B0604020202020204" pitchFamily="34" charset="0"/>
+              <a:buChar char="•"/>
+            </a:pPr>
+            <a:r>
+              <a:rPr lang="pt-PT" altLang="en-US" sz="1400">
+                <a:uFillTx/>
+                <a:latin typeface="DejaVu Math TeX Gyre" panose="02000503000000000000" charset="0"/>
+                <a:ea typeface="Arial" panose="020B0604020202020204"/>
+                <a:cs typeface="DejaVu Math TeX Gyre" panose="02000503000000000000" charset="0"/>
+                <a:sym typeface="Arial" panose="020B0604020202020204"/>
+              </a:rPr>
+              <a:t>s = 1  |  </a:t>
+            </a:r>
+            <a:r>
+              <a:rPr lang="pt-PT" altLang="en-US" sz="1400">
+                <a:solidFill>
+                  <a:schemeClr val="tx1"/>
+                </a:solidFill>
+                <a:uFillTx/>
+                <a:latin typeface="DejaVu Math TeX Gyre" panose="02000503000000000000" charset="0"/>
+                <a:ea typeface="Arial" panose="020B0604020202020204"/>
+                <a:cs typeface="DejaVu Math TeX Gyre" panose="02000503000000000000" charset="0"/>
+                <a:sym typeface="Arial" panose="020B0604020202020204"/>
+              </a:rPr>
+              <a:t>P = 8 | std1 = 1 | tau = 5</a:t>
+            </a:r>
+            <a:endParaRPr lang="pt-PT" altLang="en-US" sz="1400">
+              <a:solidFill>
+                <a:schemeClr val="tx1"/>
+              </a:solidFill>
+              <a:uFillTx/>
+              <a:latin typeface="DejaVu Math TeX Gyre" panose="02000503000000000000" charset="0"/>
+              <a:ea typeface="Arial" panose="020B0604020202020204"/>
+              <a:cs typeface="DejaVu Math TeX Gyre" panose="02000503000000000000" charset="0"/>
+              <a:sym typeface="Arial" panose="020B0604020202020204"/>
+            </a:endParaRPr>
+          </a:p>
+          <a:p>
+            <a:pPr marL="571500" indent="-571500" algn="l">
+              <a:lnSpc>
+                <a:spcPct val="200000"/>
+              </a:lnSpc>
+              <a:buFont typeface="Arial" panose="020B0604020202020204" pitchFamily="34" charset="0"/>
+              <a:buChar char="•"/>
+            </a:pPr>
+            <a:r>
+              <a:rPr lang="pt-PT" altLang="en-US" sz="1400">
+                <a:solidFill>
+                  <a:schemeClr val="tx1"/>
+                </a:solidFill>
+                <a:uFillTx/>
+                <a:latin typeface="DejaVu Math TeX Gyre" panose="02000503000000000000" charset="0"/>
+                <a:ea typeface="Arial" panose="020B0604020202020204"/>
+                <a:cs typeface="DejaVu Math TeX Gyre" panose="02000503000000000000" charset="0"/>
+                <a:sym typeface="Arial" panose="020B0604020202020204"/>
+              </a:rPr>
+              <a:t>ROSENBROCK</a:t>
+            </a:r>
+            <a:endParaRPr lang="pt-PT" altLang="en-US" sz="1400">
+              <a:solidFill>
+                <a:schemeClr val="tx1"/>
+              </a:solidFill>
+              <a:uFillTx/>
+              <a:latin typeface="DejaVu Math TeX Gyre" panose="02000503000000000000" charset="0"/>
+              <a:ea typeface="Arial" panose="020B0604020202020204"/>
+              <a:cs typeface="DejaVu Math TeX Gyre" panose="02000503000000000000" charset="0"/>
+              <a:sym typeface="Arial" panose="020B0604020202020204"/>
+            </a:endParaRPr>
+          </a:p>
+          <a:p>
+            <a:pPr marL="1028700" lvl="1" indent="-571500" algn="l">
+              <a:lnSpc>
+                <a:spcPct val="200000"/>
+              </a:lnSpc>
+              <a:buFont typeface="Arial" panose="020B0604020202020204" pitchFamily="34" charset="0"/>
+              <a:buChar char="•"/>
+            </a:pPr>
+            <a:r>
+              <a:rPr lang="pt-PT" altLang="en-US" sz="1400">
+                <a:uFillTx/>
+                <a:latin typeface="DejaVu Math TeX Gyre" panose="02000503000000000000" charset="0"/>
+                <a:ea typeface="Arial" panose="020B0604020202020204"/>
+                <a:cs typeface="DejaVu Math TeX Gyre" panose="02000503000000000000" charset="0"/>
+                <a:sym typeface="Arial" panose="020B0604020202020204"/>
+              </a:rPr>
+              <a:t>s = 1  |  </a:t>
+            </a:r>
+            <a:r>
+              <a:rPr lang="pt-PT" altLang="en-US" sz="1400">
+                <a:solidFill>
+                  <a:schemeClr val="tx1"/>
+                </a:solidFill>
+                <a:uFillTx/>
+                <a:latin typeface="DejaVu Math TeX Gyre" panose="02000503000000000000" charset="0"/>
+                <a:ea typeface="Arial" panose="020B0604020202020204"/>
+                <a:cs typeface="DejaVu Math TeX Gyre" panose="02000503000000000000" charset="0"/>
+                <a:sym typeface="Arial" panose="020B0604020202020204"/>
+              </a:rPr>
+              <a:t>P = 8 | std1 = 4 | tau = 3</a:t>
+            </a:r>
+            <a:endParaRPr lang="pt-PT" altLang="en-US" sz="1400">
+              <a:solidFill>
+                <a:schemeClr val="tx1"/>
+              </a:solidFill>
+              <a:uFillTx/>
+              <a:latin typeface="DejaVu Math TeX Gyre" panose="02000503000000000000" charset="0"/>
+              <a:ea typeface="Arial" panose="020B0604020202020204"/>
+              <a:cs typeface="DejaVu Math TeX Gyre" panose="02000503000000000000" charset="0"/>
+              <a:sym typeface="Arial" panose="020B0604020202020204"/>
+            </a:endParaRPr>
+          </a:p>
+          <a:p>
+            <a:pPr marL="571500" indent="-571500" algn="l">
+              <a:lnSpc>
+                <a:spcPct val="200000"/>
+              </a:lnSpc>
+              <a:buFont typeface="Arial" panose="020B0604020202020204" pitchFamily="34" charset="0"/>
+              <a:buChar char="•"/>
+            </a:pPr>
+            <a:r>
+              <a:rPr lang="pt-PT" altLang="en-US" sz="1400">
+                <a:solidFill>
+                  <a:schemeClr val="tx1"/>
+                </a:solidFill>
+                <a:uFillTx/>
+                <a:latin typeface="DejaVu Math TeX Gyre" panose="02000503000000000000" charset="0"/>
+                <a:ea typeface="Arial" panose="020B0604020202020204"/>
+                <a:cs typeface="DejaVu Math TeX Gyre" panose="02000503000000000000" charset="0"/>
+                <a:sym typeface="Arial" panose="020B0604020202020204"/>
+              </a:rPr>
+              <a:t>SCHWEFEL</a:t>
+            </a:r>
+            <a:endParaRPr lang="pt-PT" altLang="en-US" sz="1400">
+              <a:solidFill>
+                <a:schemeClr val="tx1"/>
+              </a:solidFill>
+              <a:uFillTx/>
+              <a:latin typeface="DejaVu Math TeX Gyre" panose="02000503000000000000" charset="0"/>
+              <a:ea typeface="Arial" panose="020B0604020202020204"/>
+              <a:cs typeface="DejaVu Math TeX Gyre" panose="02000503000000000000" charset="0"/>
+              <a:sym typeface="Arial" panose="020B0604020202020204"/>
+            </a:endParaRPr>
+          </a:p>
+          <a:p>
+            <a:pPr marL="1028700" lvl="1" indent="-571500" algn="l">
+              <a:lnSpc>
+                <a:spcPct val="200000"/>
+              </a:lnSpc>
+              <a:buFont typeface="Arial" panose="020B0604020202020204" pitchFamily="34" charset="0"/>
+              <a:buChar char="•"/>
+            </a:pPr>
+            <a:r>
+              <a:rPr lang="pt-PT" altLang="en-US" sz="1400">
+                <a:uFillTx/>
+                <a:latin typeface="DejaVu Math TeX Gyre" panose="02000503000000000000" charset="0"/>
+                <a:ea typeface="Arial" panose="020B0604020202020204"/>
+                <a:cs typeface="DejaVu Math TeX Gyre" panose="02000503000000000000" charset="0"/>
+                <a:sym typeface="Arial" panose="020B0604020202020204"/>
+              </a:rPr>
+              <a:t>s = 2  |  </a:t>
+            </a:r>
+            <a:r>
+              <a:rPr lang="pt-PT" altLang="en-US" sz="1400">
+                <a:solidFill>
+                  <a:schemeClr val="tx1"/>
+                </a:solidFill>
+                <a:uFillTx/>
+                <a:latin typeface="DejaVu Math TeX Gyre" panose="02000503000000000000" charset="0"/>
+                <a:ea typeface="Arial" panose="020B0604020202020204"/>
+                <a:cs typeface="DejaVu Math TeX Gyre" panose="02000503000000000000" charset="0"/>
+                <a:sym typeface="Arial" panose="020B0604020202020204"/>
+              </a:rPr>
+              <a:t>P = 16 | std1 = 4 | tau = 4,5</a:t>
+            </a:r>
+            <a:endParaRPr lang="pt-PT" altLang="en-US" sz="1400">
+              <a:solidFill>
+                <a:schemeClr val="tx1"/>
+              </a:solidFill>
+              <a:uFillTx/>
+              <a:latin typeface="DejaVu Math TeX Gyre" panose="02000503000000000000" charset="0"/>
+              <a:ea typeface="Arial" panose="020B0604020202020204"/>
+              <a:cs typeface="DejaVu Math TeX Gyre" panose="02000503000000000000" charset="0"/>
+              <a:sym typeface="Arial" panose="020B0604020202020204"/>
+            </a:endParaRPr>
+          </a:p>
+          <a:p>
+            <a:pPr marL="571500" indent="-571500" algn="l">
+              <a:lnSpc>
+                <a:spcPct val="200000"/>
+              </a:lnSpc>
+              <a:buFont typeface="Arial" panose="020B0604020202020204" pitchFamily="34" charset="0"/>
+              <a:buChar char="•"/>
+            </a:pPr>
+            <a:r>
+              <a:rPr lang="pt-PT" altLang="en-US" sz="1400">
+                <a:solidFill>
+                  <a:schemeClr val="tx1"/>
+                </a:solidFill>
+                <a:uFillTx/>
+                <a:latin typeface="DejaVu Math TeX Gyre" panose="02000503000000000000" charset="0"/>
+                <a:ea typeface="Arial" panose="020B0604020202020204"/>
+                <a:cs typeface="DejaVu Math TeX Gyre" panose="02000503000000000000" charset="0"/>
+                <a:sym typeface="Arial" panose="020B0604020202020204"/>
+              </a:rPr>
+              <a:t>ACKLEY</a:t>
+            </a:r>
+            <a:endParaRPr lang="pt-PT" altLang="en-US" sz="1400">
+              <a:solidFill>
+                <a:schemeClr val="tx1"/>
+              </a:solidFill>
+              <a:uFillTx/>
+              <a:latin typeface="DejaVu Math TeX Gyre" panose="02000503000000000000" charset="0"/>
+              <a:ea typeface="Arial" panose="020B0604020202020204"/>
+              <a:cs typeface="DejaVu Math TeX Gyre" panose="02000503000000000000" charset="0"/>
+              <a:sym typeface="Arial" panose="020B0604020202020204"/>
+            </a:endParaRPr>
+          </a:p>
+          <a:p>
+            <a:pPr marL="1028700" lvl="1" indent="-571500" algn="l">
+              <a:lnSpc>
+                <a:spcPct val="200000"/>
+              </a:lnSpc>
+              <a:buFont typeface="Arial" panose="020B0604020202020204" pitchFamily="34" charset="0"/>
+              <a:buChar char="•"/>
+            </a:pPr>
+            <a:r>
+              <a:rPr lang="pt-PT" altLang="en-US" sz="1400">
+                <a:solidFill>
+                  <a:schemeClr val="tx1"/>
+                </a:solidFill>
+                <a:uFillTx/>
+                <a:latin typeface="DejaVu Math TeX Gyre" panose="02000503000000000000" charset="0"/>
+                <a:ea typeface="Arial" panose="020B0604020202020204"/>
+                <a:cs typeface="DejaVu Math TeX Gyre" panose="02000503000000000000" charset="0"/>
+                <a:sym typeface="Arial" panose="020B0604020202020204"/>
+              </a:rPr>
+              <a:t>s = 1  |  P = 8 | std1 = 1 | tau = 6</a:t>
+            </a:r>
+            <a:endParaRPr lang="pt-PT" altLang="en-US" sz="1400">
+              <a:solidFill>
+                <a:schemeClr val="tx1"/>
+              </a:solidFill>
+              <a:uFillTx/>
+              <a:latin typeface="DejaVu Math TeX Gyre" panose="02000503000000000000" charset="0"/>
+              <a:ea typeface="Arial" panose="020B0604020202020204"/>
+              <a:cs typeface="DejaVu Math TeX Gyre" panose="02000503000000000000" charset="0"/>
+              <a:sym typeface="Arial" panose="020B0604020202020204"/>
+            </a:endParaRPr>
+          </a:p>
+          <a:p>
+            <a:pPr indent="0" algn="l">
+              <a:lnSpc>
+                <a:spcPct val="200000"/>
+              </a:lnSpc>
+              <a:buFont typeface="Arial" panose="020B0604020202020204" pitchFamily="34" charset="0"/>
+            </a:pPr>
+            <a:endParaRPr lang="pt-PT" altLang="en-US" sz="1400">
+              <a:solidFill>
+                <a:schemeClr val="tx1"/>
+              </a:solidFill>
+              <a:uFillTx/>
+              <a:latin typeface="DejaVu Math TeX Gyre" panose="02000503000000000000" charset="0"/>
+              <a:ea typeface="Arial" panose="020B0604020202020204"/>
+              <a:cs typeface="DejaVu Math TeX Gyre" panose="02000503000000000000" charset="0"/>
+              <a:sym typeface="Arial" panose="020B0604020202020204"/>
+            </a:endParaRPr>
+          </a:p>
+        </p:txBody>
+      </p:sp>
+      <p:sp>
+        <p:nvSpPr>
+          <p:cNvPr id="2" name="Google Shape;84;p2"/>
+          <p:cNvSpPr txBox="true">
+            <a:spLocks noGrp="true"/>
+          </p:cNvSpPr>
+          <p:nvPr/>
+        </p:nvSpPr>
+        <p:spPr>
+          <a:xfrm>
+            <a:off x="6424295" y="1687830"/>
+            <a:ext cx="4505960" cy="4789805"/>
+          </a:xfrm>
+          <a:prstGeom prst="rect">
+            <a:avLst/>
+          </a:prstGeom>
+          <a:noFill/>
+          <a:ln>
+            <a:noFill/>
+          </a:ln>
+        </p:spPr>
+        <p:txBody>
+          <a:bodyPr vert="horz" wrap="square" lIns="103150" tIns="51575" rIns="103150" bIns="51575" rtlCol="0" anchor="ctr" anchorCtr="false">
+            <a:noAutofit/>
+          </a:bodyPr>
+          <a:lstStyle>
+            <a:lvl1pPr algn="ctr" defTabSz="914400" rtl="0" eaLnBrk="1" latinLnBrk="0" hangingPunct="1">
+              <a:lnSpc>
+                <a:spcPct val="130000"/>
+              </a:lnSpc>
+              <a:spcBef>
+                <a:spcPct val="0"/>
+              </a:spcBef>
+              <a:buNone/>
+              <a:defRPr sz="6000" kern="1200">
+                <a:solidFill>
+                  <a:schemeClr val="tx1"/>
+                </a:solidFill>
+                <a:effectLst>
+                  <a:outerShdw blurRad="38100" dist="38100" dir="2700000" algn="tl">
+                    <a:srgbClr val="000000">
+                      <a:alpha val="43137"/>
+                    </a:srgbClr>
+                  </a:outerShdw>
+                </a:effectLst>
+                <a:latin typeface="+mj-lt"/>
+                <a:ea typeface="+mj-ea"/>
+                <a:cs typeface="+mj-cs"/>
+              </a:defRPr>
+            </a:lvl1pPr>
+          </a:lstStyle>
+          <a:p>
+            <a:pPr marL="571500" indent="-571500" algn="l">
+              <a:lnSpc>
+                <a:spcPct val="200000"/>
+              </a:lnSpc>
+              <a:buFont typeface="Arial" panose="020B0604020202020204" pitchFamily="34" charset="0"/>
+              <a:buChar char="•"/>
+            </a:pPr>
+            <a:endParaRPr lang="pt-PT" altLang="en-US" sz="1400">
+              <a:solidFill>
+                <a:schemeClr val="tx1"/>
+              </a:solidFill>
+              <a:uFillTx/>
+              <a:latin typeface="DejaVu Math TeX Gyre" panose="02000503000000000000" charset="0"/>
+              <a:ea typeface="Arial" panose="020B0604020202020204"/>
+              <a:cs typeface="DejaVu Math TeX Gyre" panose="02000503000000000000" charset="0"/>
+              <a:sym typeface="Arial" panose="020B0604020202020204"/>
+            </a:endParaRPr>
+          </a:p>
+          <a:p>
+            <a:pPr marL="571500" indent="-571500" algn="l">
+              <a:lnSpc>
+                <a:spcPct val="200000"/>
+              </a:lnSpc>
+              <a:buFont typeface="Arial" panose="020B0604020202020204" pitchFamily="34" charset="0"/>
+              <a:buChar char="•"/>
+            </a:pPr>
+            <a:r>
+              <a:rPr lang="pt-PT" altLang="en-US" sz="1400">
+                <a:solidFill>
+                  <a:schemeClr val="tx1"/>
+                </a:solidFill>
+                <a:uFillTx/>
+                <a:latin typeface="DejaVu Math TeX Gyre" panose="02000503000000000000" charset="0"/>
+                <a:ea typeface="Arial" panose="020B0604020202020204"/>
+                <a:cs typeface="DejaVu Math TeX Gyre" panose="02000503000000000000" charset="0"/>
+                <a:sym typeface="Arial" panose="020B0604020202020204"/>
+              </a:rPr>
+              <a:t>GRIEWANGK</a:t>
+            </a:r>
+            <a:endParaRPr lang="pt-PT" altLang="en-US" sz="1400">
+              <a:solidFill>
+                <a:schemeClr val="tx1"/>
+              </a:solidFill>
+              <a:uFillTx/>
+              <a:latin typeface="DejaVu Math TeX Gyre" panose="02000503000000000000" charset="0"/>
+              <a:ea typeface="Arial" panose="020B0604020202020204"/>
+              <a:cs typeface="DejaVu Math TeX Gyre" panose="02000503000000000000" charset="0"/>
+              <a:sym typeface="Arial" panose="020B0604020202020204"/>
+            </a:endParaRPr>
+          </a:p>
+          <a:p>
+            <a:pPr marL="1028700" lvl="1" indent="-571500" algn="l">
+              <a:lnSpc>
+                <a:spcPct val="200000"/>
+              </a:lnSpc>
+              <a:buFont typeface="Arial" panose="020B0604020202020204" pitchFamily="34" charset="0"/>
+              <a:buChar char="•"/>
+            </a:pPr>
+            <a:r>
+              <a:rPr lang="pt-PT" altLang="en-US" sz="1400">
+                <a:solidFill>
+                  <a:schemeClr val="tx1"/>
+                </a:solidFill>
+                <a:uFillTx/>
+                <a:latin typeface="DejaVu Math TeX Gyre" panose="02000503000000000000" charset="0"/>
+                <a:ea typeface="Arial" panose="020B0604020202020204"/>
+                <a:cs typeface="DejaVu Math TeX Gyre" panose="02000503000000000000" charset="0"/>
+                <a:sym typeface="Arial" panose="020B0604020202020204"/>
+              </a:rPr>
+              <a:t>P = 16 | std1 = 8 | tau = 1.75</a:t>
+            </a:r>
+            <a:endParaRPr lang="pt-PT" altLang="en-US" sz="1400">
+              <a:solidFill>
+                <a:schemeClr val="tx1"/>
+              </a:solidFill>
+              <a:uFillTx/>
+              <a:latin typeface="DejaVu Math TeX Gyre" panose="02000503000000000000" charset="0"/>
+              <a:ea typeface="Arial" panose="020B0604020202020204"/>
+              <a:cs typeface="DejaVu Math TeX Gyre" panose="02000503000000000000" charset="0"/>
+              <a:sym typeface="Arial" panose="020B0604020202020204"/>
+            </a:endParaRPr>
+          </a:p>
+          <a:p>
+            <a:pPr marL="571500" indent="-571500" algn="l">
+              <a:lnSpc>
+                <a:spcPct val="200000"/>
+              </a:lnSpc>
+              <a:buFont typeface="Arial" panose="020B0604020202020204" pitchFamily="34" charset="0"/>
+              <a:buChar char="•"/>
+            </a:pPr>
+            <a:r>
+              <a:rPr lang="pt-PT" altLang="en-US" sz="1400">
+                <a:solidFill>
+                  <a:schemeClr val="tx1"/>
+                </a:solidFill>
+                <a:uFillTx/>
+                <a:latin typeface="DejaVu Math TeX Gyre" panose="02000503000000000000" charset="0"/>
+                <a:ea typeface="Arial" panose="020B0604020202020204"/>
+                <a:cs typeface="DejaVu Math TeX Gyre" panose="02000503000000000000" charset="0"/>
+                <a:sym typeface="Arial" panose="020B0604020202020204"/>
+              </a:rPr>
+              <a:t>RASTRINGIN</a:t>
+            </a:r>
+            <a:endParaRPr lang="pt-PT" altLang="en-US" sz="1400">
+              <a:solidFill>
+                <a:schemeClr val="tx1"/>
+              </a:solidFill>
+              <a:uFillTx/>
+              <a:latin typeface="DejaVu Math TeX Gyre" panose="02000503000000000000" charset="0"/>
+              <a:ea typeface="Arial" panose="020B0604020202020204"/>
+              <a:cs typeface="DejaVu Math TeX Gyre" panose="02000503000000000000" charset="0"/>
+              <a:sym typeface="Arial" panose="020B0604020202020204"/>
+            </a:endParaRPr>
+          </a:p>
+          <a:p>
+            <a:pPr marL="1028700" lvl="1" indent="-571500" algn="l">
+              <a:lnSpc>
+                <a:spcPct val="200000"/>
+              </a:lnSpc>
+              <a:buFont typeface="Arial" panose="020B0604020202020204" pitchFamily="34" charset="0"/>
+              <a:buChar char="•"/>
+            </a:pPr>
+            <a:r>
+              <a:rPr lang="pt-PT" altLang="en-US" sz="1400">
+                <a:solidFill>
+                  <a:schemeClr val="tx1"/>
+                </a:solidFill>
+                <a:uFillTx/>
+                <a:latin typeface="DejaVu Math TeX Gyre" panose="02000503000000000000" charset="0"/>
+                <a:ea typeface="Arial" panose="020B0604020202020204"/>
+                <a:cs typeface="DejaVu Math TeX Gyre" panose="02000503000000000000" charset="0"/>
+                <a:sym typeface="Arial" panose="020B0604020202020204"/>
+              </a:rPr>
+              <a:t>P = 8 | std1 = 8 | tau = 2.25</a:t>
+            </a:r>
+            <a:endParaRPr lang="pt-PT" altLang="en-US" sz="1400">
+              <a:solidFill>
+                <a:schemeClr val="tx1"/>
+              </a:solidFill>
+              <a:uFillTx/>
+              <a:latin typeface="DejaVu Math TeX Gyre" panose="02000503000000000000" charset="0"/>
+              <a:ea typeface="Arial" panose="020B0604020202020204"/>
+              <a:cs typeface="DejaVu Math TeX Gyre" panose="02000503000000000000" charset="0"/>
+              <a:sym typeface="Arial" panose="020B0604020202020204"/>
+            </a:endParaRPr>
+          </a:p>
+          <a:p>
+            <a:pPr marL="571500" indent="-571500" algn="l">
+              <a:lnSpc>
+                <a:spcPct val="200000"/>
+              </a:lnSpc>
+              <a:buFont typeface="Arial" panose="020B0604020202020204" pitchFamily="34" charset="0"/>
+              <a:buChar char="•"/>
+            </a:pPr>
+            <a:r>
+              <a:rPr lang="pt-PT" altLang="en-US" sz="1400">
+                <a:solidFill>
+                  <a:schemeClr val="tx1"/>
+                </a:solidFill>
+                <a:uFillTx/>
+                <a:latin typeface="DejaVu Math TeX Gyre" panose="02000503000000000000" charset="0"/>
+                <a:ea typeface="Arial" panose="020B0604020202020204"/>
+                <a:cs typeface="DejaVu Math TeX Gyre" panose="02000503000000000000" charset="0"/>
+                <a:sym typeface="Arial" panose="020B0604020202020204"/>
+              </a:rPr>
+              <a:t>ROSENBROCK</a:t>
+            </a:r>
+            <a:endParaRPr lang="pt-PT" altLang="en-US" sz="1400">
+              <a:solidFill>
+                <a:schemeClr val="tx1"/>
+              </a:solidFill>
+              <a:uFillTx/>
+              <a:latin typeface="DejaVu Math TeX Gyre" panose="02000503000000000000" charset="0"/>
+              <a:ea typeface="Arial" panose="020B0604020202020204"/>
+              <a:cs typeface="DejaVu Math TeX Gyre" panose="02000503000000000000" charset="0"/>
+              <a:sym typeface="Arial" panose="020B0604020202020204"/>
+            </a:endParaRPr>
+          </a:p>
+          <a:p>
+            <a:pPr marL="1028700" lvl="1" indent="-571500" algn="l">
+              <a:lnSpc>
+                <a:spcPct val="200000"/>
+              </a:lnSpc>
+              <a:buFont typeface="Arial" panose="020B0604020202020204" pitchFamily="34" charset="0"/>
+              <a:buChar char="•"/>
+            </a:pPr>
+            <a:r>
+              <a:rPr lang="pt-PT" altLang="en-US" sz="1400">
+                <a:solidFill>
+                  <a:schemeClr val="tx1"/>
+                </a:solidFill>
+                <a:uFillTx/>
+                <a:latin typeface="DejaVu Math TeX Gyre" panose="02000503000000000000" charset="0"/>
+                <a:ea typeface="Arial" panose="020B0604020202020204"/>
+                <a:cs typeface="DejaVu Math TeX Gyre" panose="02000503000000000000" charset="0"/>
+                <a:sym typeface="Arial" panose="020B0604020202020204"/>
+              </a:rPr>
+              <a:t>-</a:t>
+            </a:r>
+            <a:endParaRPr lang="pt-PT" altLang="en-US" sz="1400">
+              <a:solidFill>
+                <a:schemeClr val="tx1"/>
+              </a:solidFill>
+              <a:uFillTx/>
+              <a:latin typeface="DejaVu Math TeX Gyre" panose="02000503000000000000" charset="0"/>
+              <a:ea typeface="Arial" panose="020B0604020202020204"/>
+              <a:cs typeface="DejaVu Math TeX Gyre" panose="02000503000000000000" charset="0"/>
+              <a:sym typeface="Arial" panose="020B0604020202020204"/>
+            </a:endParaRPr>
+          </a:p>
+          <a:p>
+            <a:pPr marL="571500" indent="-571500" algn="l">
+              <a:lnSpc>
+                <a:spcPct val="200000"/>
+              </a:lnSpc>
+              <a:buFont typeface="Arial" panose="020B0604020202020204" pitchFamily="34" charset="0"/>
+              <a:buChar char="•"/>
+            </a:pPr>
+            <a:r>
+              <a:rPr lang="pt-PT" altLang="en-US" sz="1400">
+                <a:solidFill>
+                  <a:schemeClr val="tx1"/>
+                </a:solidFill>
+                <a:uFillTx/>
+                <a:latin typeface="DejaVu Math TeX Gyre" panose="02000503000000000000" charset="0"/>
+                <a:ea typeface="Arial" panose="020B0604020202020204"/>
+                <a:cs typeface="DejaVu Math TeX Gyre" panose="02000503000000000000" charset="0"/>
+                <a:sym typeface="Arial" panose="020B0604020202020204"/>
+              </a:rPr>
+              <a:t>SCHWEFEL</a:t>
+            </a:r>
+            <a:endParaRPr lang="pt-PT" altLang="en-US" sz="1400">
+              <a:solidFill>
+                <a:schemeClr val="tx1"/>
+              </a:solidFill>
+              <a:uFillTx/>
+              <a:latin typeface="DejaVu Math TeX Gyre" panose="02000503000000000000" charset="0"/>
+              <a:ea typeface="Arial" panose="020B0604020202020204"/>
+              <a:cs typeface="DejaVu Math TeX Gyre" panose="02000503000000000000" charset="0"/>
+              <a:sym typeface="Arial" panose="020B0604020202020204"/>
+            </a:endParaRPr>
+          </a:p>
+          <a:p>
+            <a:pPr marL="1028700" lvl="1" indent="-571500" algn="l">
+              <a:lnSpc>
+                <a:spcPct val="200000"/>
+              </a:lnSpc>
+              <a:buFont typeface="Arial" panose="020B0604020202020204" pitchFamily="34" charset="0"/>
+              <a:buChar char="•"/>
+            </a:pPr>
+            <a:r>
+              <a:rPr lang="pt-PT" altLang="en-US" sz="1400">
+                <a:solidFill>
+                  <a:schemeClr val="tx1"/>
+                </a:solidFill>
+                <a:uFillTx/>
+                <a:latin typeface="DejaVu Math TeX Gyre" panose="02000503000000000000" charset="0"/>
+                <a:ea typeface="Arial" panose="020B0604020202020204"/>
+                <a:cs typeface="DejaVu Math TeX Gyre" panose="02000503000000000000" charset="0"/>
+                <a:sym typeface="Arial" panose="020B0604020202020204"/>
+              </a:rPr>
+              <a:t>P = 16 | std1 = 8 | tau = 9</a:t>
+            </a:r>
+            <a:endParaRPr lang="pt-PT" altLang="en-US" sz="1400">
+              <a:solidFill>
+                <a:schemeClr val="tx1"/>
+              </a:solidFill>
+              <a:uFillTx/>
+              <a:latin typeface="DejaVu Math TeX Gyre" panose="02000503000000000000" charset="0"/>
+              <a:ea typeface="Arial" panose="020B0604020202020204"/>
+              <a:cs typeface="DejaVu Math TeX Gyre" panose="02000503000000000000" charset="0"/>
+              <a:sym typeface="Arial" panose="020B0604020202020204"/>
+            </a:endParaRPr>
+          </a:p>
+          <a:p>
+            <a:pPr marL="571500" indent="-571500" algn="l">
+              <a:lnSpc>
+                <a:spcPct val="200000"/>
+              </a:lnSpc>
+              <a:buFont typeface="Arial" panose="020B0604020202020204" pitchFamily="34" charset="0"/>
+              <a:buChar char="•"/>
+            </a:pPr>
+            <a:r>
+              <a:rPr lang="pt-PT" altLang="en-US" sz="1400">
+                <a:solidFill>
+                  <a:schemeClr val="tx1"/>
+                </a:solidFill>
+                <a:uFillTx/>
+                <a:latin typeface="DejaVu Math TeX Gyre" panose="02000503000000000000" charset="0"/>
+                <a:ea typeface="Arial" panose="020B0604020202020204"/>
+                <a:cs typeface="DejaVu Math TeX Gyre" panose="02000503000000000000" charset="0"/>
+                <a:sym typeface="Arial" panose="020B0604020202020204"/>
+              </a:rPr>
+              <a:t>ACKLEY</a:t>
+            </a:r>
+            <a:endParaRPr lang="pt-PT" altLang="en-US" sz="1400">
+              <a:solidFill>
+                <a:schemeClr val="tx1"/>
+              </a:solidFill>
+              <a:uFillTx/>
+              <a:latin typeface="DejaVu Math TeX Gyre" panose="02000503000000000000" charset="0"/>
+              <a:ea typeface="Arial" panose="020B0604020202020204"/>
+              <a:cs typeface="DejaVu Math TeX Gyre" panose="02000503000000000000" charset="0"/>
+              <a:sym typeface="Arial" panose="020B0604020202020204"/>
+            </a:endParaRPr>
+          </a:p>
+          <a:p>
+            <a:pPr marL="1028700" lvl="1" indent="-571500" algn="l">
+              <a:lnSpc>
+                <a:spcPct val="200000"/>
+              </a:lnSpc>
+              <a:buFont typeface="Arial" panose="020B0604020202020204" pitchFamily="34" charset="0"/>
+              <a:buChar char="•"/>
+            </a:pPr>
+            <a:r>
+              <a:rPr lang="pt-PT" altLang="en-US" sz="1400">
+                <a:solidFill>
+                  <a:schemeClr val="tx1"/>
+                </a:solidFill>
+                <a:uFillTx/>
+                <a:latin typeface="DejaVu Math TeX Gyre" panose="02000503000000000000" charset="0"/>
+                <a:ea typeface="Arial" panose="020B0604020202020204"/>
+                <a:cs typeface="DejaVu Math TeX Gyre" panose="02000503000000000000" charset="0"/>
+                <a:sym typeface="Arial" panose="020B0604020202020204"/>
+              </a:rPr>
+              <a:t>-</a:t>
+            </a:r>
+            <a:endParaRPr lang="pt-PT" altLang="en-US" sz="1400">
+              <a:solidFill>
+                <a:srgbClr val="FF0000"/>
+              </a:solidFill>
+              <a:uFillTx/>
+              <a:latin typeface="DejaVu Math TeX Gyre" panose="02000503000000000000" charset="0"/>
+              <a:ea typeface="Arial" panose="020B0604020202020204"/>
+              <a:cs typeface="DejaVu Math TeX Gyre" panose="02000503000000000000" charset="0"/>
+              <a:sym typeface="Arial" panose="020B0604020202020204"/>
+            </a:endParaRPr>
+          </a:p>
+          <a:p>
+            <a:pPr indent="0" algn="l">
+              <a:lnSpc>
+                <a:spcPct val="200000"/>
+              </a:lnSpc>
+              <a:buFont typeface="Arial" panose="020B0604020202020204" pitchFamily="34" charset="0"/>
+            </a:pPr>
+            <a:endParaRPr lang="pt-PT" altLang="en-US" sz="1400">
+              <a:solidFill>
+                <a:srgbClr val="FF0000"/>
+              </a:solidFill>
+              <a:uFillTx/>
+              <a:latin typeface="DejaVu Math TeX Gyre" panose="02000503000000000000" charset="0"/>
+              <a:ea typeface="Arial" panose="020B0604020202020204"/>
+              <a:cs typeface="DejaVu Math TeX Gyre" panose="02000503000000000000" charset="0"/>
+              <a:sym typeface="Arial" panose="020B0604020202020204"/>
+            </a:endParaRPr>
+          </a:p>
+        </p:txBody>
+      </p:sp>
+      <p:sp>
+        <p:nvSpPr>
+          <p:cNvPr id="4" name="Google Shape;84;p2"/>
+          <p:cNvSpPr txBox="true">
+            <a:spLocks noGrp="true"/>
+          </p:cNvSpPr>
+          <p:nvPr/>
+        </p:nvSpPr>
+        <p:spPr>
+          <a:xfrm>
+            <a:off x="1934845" y="1031875"/>
+            <a:ext cx="8015605" cy="786130"/>
+          </a:xfrm>
+          <a:prstGeom prst="rect">
+            <a:avLst/>
+          </a:prstGeom>
+          <a:noFill/>
+          <a:ln>
+            <a:noFill/>
+          </a:ln>
+        </p:spPr>
+        <p:txBody>
+          <a:bodyPr vert="horz" wrap="square" lIns="103150" tIns="51575" rIns="103150" bIns="51575" rtlCol="0" anchor="ctr" anchorCtr="false">
+            <a:noAutofit/>
+          </a:bodyPr>
+          <a:lstStyle>
+            <a:lvl1pPr algn="ctr" defTabSz="914400" rtl="0" eaLnBrk="1" latinLnBrk="0" hangingPunct="1">
+              <a:lnSpc>
+                <a:spcPct val="130000"/>
+              </a:lnSpc>
+              <a:spcBef>
+                <a:spcPct val="0"/>
+              </a:spcBef>
+              <a:buNone/>
+              <a:defRPr sz="6000" kern="1200">
+                <a:solidFill>
+                  <a:schemeClr val="tx1"/>
+                </a:solidFill>
+                <a:effectLst>
+                  <a:outerShdw blurRad="38100" dist="38100" dir="2700000" algn="tl">
+                    <a:srgbClr val="000000">
+                      <a:alpha val="43137"/>
+                    </a:srgbClr>
+                  </a:outerShdw>
+                </a:effectLst>
+                <a:latin typeface="+mj-lt"/>
+                <a:ea typeface="+mj-ea"/>
+                <a:cs typeface="+mj-cs"/>
+              </a:defRPr>
+            </a:lvl1pPr>
+          </a:lstStyle>
+          <a:p>
+            <a:pPr indent="0" algn="l">
+              <a:lnSpc>
+                <a:spcPct val="200000"/>
+              </a:lnSpc>
+              <a:buFont typeface="Arial" panose="020B0604020202020204" pitchFamily="34" charset="0"/>
+            </a:pPr>
+            <a:r>
+              <a:rPr lang="pt-PT" altLang="en-US" sz="1600" b="1">
+                <a:solidFill>
+                  <a:schemeClr val="tx1"/>
+                </a:solidFill>
+                <a:uFillTx/>
+                <a:latin typeface="DejaVu Math TeX Gyre" panose="02000503000000000000" charset="0"/>
+                <a:ea typeface="Arial" panose="020B0604020202020204"/>
+                <a:cs typeface="DejaVu Math TeX Gyre" panose="02000503000000000000" charset="0"/>
+                <a:sym typeface="Arial" panose="020B0604020202020204"/>
+              </a:rPr>
+              <a:t>TUNING NOVO                                                           TUNING IGOR (s = 2)</a:t>
+            </a:r>
+            <a:endParaRPr lang="pt-PT" altLang="en-US" sz="1600" b="1">
+              <a:solidFill>
+                <a:schemeClr val="tx1"/>
+              </a:solidFill>
+              <a:uFillTx/>
+              <a:latin typeface="DejaVu Math TeX Gyre" panose="02000503000000000000" charset="0"/>
+              <a:ea typeface="Arial" panose="020B0604020202020204"/>
+              <a:cs typeface="DejaVu Math TeX Gyre" panose="02000503000000000000" charset="0"/>
+              <a:sym typeface="Arial" panose="020B0604020202020204"/>
+            </a:endParaRPr>
+          </a:p>
+        </p:txBody>
+      </p:sp>
+    </p:spTree>
+  </p:cSld>
+  <p:clrMapOvr>
+    <a:masterClrMapping/>
+  </p:clrMapOvr>
+</p:sld>
+</file>
+
 <file path=ppt/slides/slide2.xml><?xml version="1.0" encoding="utf-8"?>
+<p:sld xmlns:a="http://schemas.openxmlformats.org/drawingml/2006/main" xmlns:r="http://schemas.openxmlformats.org/officeDocument/2006/relationships" xmlns:p="http://schemas.openxmlformats.org/presentationml/2006/main">
+  <p:cSld>
+    <p:spTree>
+      <p:nvGrpSpPr>
+        <p:cNvPr id="1" name=""/>
+        <p:cNvGrpSpPr/>
+        <p:nvPr/>
+      </p:nvGrpSpPr>
+      <p:grpSpPr/>
+      <p:pic>
+        <p:nvPicPr>
+          <p:cNvPr id="26" name="Picture 1"/>
+          <p:cNvPicPr>
+            <a:picLocks noChangeAspect="true"/>
+          </p:cNvPicPr>
+          <p:nvPr/>
+        </p:nvPicPr>
+        <p:blipFill>
+          <a:blip r:embed="rId1"/>
+          <a:stretch>
+            <a:fillRect/>
+          </a:stretch>
+        </p:blipFill>
+        <p:spPr>
+          <a:xfrm>
+            <a:off x="897255" y="3973830"/>
+            <a:ext cx="4099560" cy="1604010"/>
+          </a:xfrm>
+          <a:prstGeom prst="rect">
+            <a:avLst/>
+          </a:prstGeom>
+          <a:noFill/>
+          <a:ln>
+            <a:noFill/>
+          </a:ln>
+        </p:spPr>
+      </p:pic>
+      <p:pic>
+        <p:nvPicPr>
+          <p:cNvPr id="25" name="Picture 24"/>
+          <p:cNvPicPr>
+            <a:picLocks noChangeAspect="true"/>
+          </p:cNvPicPr>
+          <p:nvPr/>
+        </p:nvPicPr>
+        <p:blipFill>
+          <a:blip r:embed="rId2"/>
+          <a:stretch>
+            <a:fillRect/>
+          </a:stretch>
+        </p:blipFill>
+        <p:spPr>
+          <a:xfrm>
+            <a:off x="5372100" y="93980"/>
+            <a:ext cx="5358765" cy="6705600"/>
+          </a:xfrm>
+          <a:prstGeom prst="rect">
+            <a:avLst/>
+          </a:prstGeom>
+        </p:spPr>
+      </p:pic>
+      <p:pic>
+        <p:nvPicPr>
+          <p:cNvPr id="10" name="Picture 9"/>
+          <p:cNvPicPr>
+            <a:picLocks noChangeAspect="true"/>
+          </p:cNvPicPr>
+          <p:nvPr/>
+        </p:nvPicPr>
+        <p:blipFill>
+          <a:blip r:embed="rId3"/>
+          <a:srcRect b="5928"/>
+          <a:stretch>
+            <a:fillRect/>
+          </a:stretch>
+        </p:blipFill>
+        <p:spPr>
+          <a:xfrm>
+            <a:off x="635" y="-19685"/>
+            <a:ext cx="723900" cy="6872605"/>
+          </a:xfrm>
+          <a:prstGeom prst="rect">
+            <a:avLst/>
+          </a:prstGeom>
+        </p:spPr>
+      </p:pic>
+      <p:sp>
+        <p:nvSpPr>
+          <p:cNvPr id="84" name="Google Shape;84;p2"/>
+          <p:cNvSpPr txBox="true">
+            <a:spLocks noGrp="true"/>
+          </p:cNvSpPr>
+          <p:nvPr>
+            <p:ph type="title"/>
+          </p:nvPr>
+        </p:nvSpPr>
+        <p:spPr>
+          <a:xfrm>
+            <a:off x="1210945" y="371475"/>
+            <a:ext cx="3044190" cy="2595245"/>
+          </a:xfrm>
+          <a:prstGeom prst="rect">
+            <a:avLst/>
+          </a:prstGeom>
+          <a:noFill/>
+          <a:ln>
+            <a:noFill/>
+          </a:ln>
+        </p:spPr>
+        <p:txBody>
+          <a:bodyPr spcFirstLastPara="1" wrap="square" lIns="103150" tIns="51575" rIns="103150" bIns="51575" anchor="ctr" anchorCtr="false">
+            <a:noAutofit/>
+          </a:bodyPr>
+          <a:p>
+            <a:pPr algn="ctr"/>
+            <a:r>
+              <a:rPr lang="pt-PT" altLang="pt-BR" sz="2800"/>
+              <a:t>GEO </a:t>
+            </a:r>
+            <a:br>
+              <a:rPr lang="pt-PT" altLang="pt-BR" sz="2800"/>
+            </a:br>
+            <a:r>
+              <a:rPr lang="pt-PT" altLang="pt-BR" sz="2800"/>
+              <a:t>e </a:t>
+            </a:r>
+            <a:br>
+              <a:rPr lang="pt-PT" altLang="pt-BR" sz="2800"/>
+            </a:br>
+            <a:r>
+              <a:rPr lang="pt-PT" altLang="pt-BR" sz="2800"/>
+              <a:t>GEO</a:t>
+            </a:r>
+            <a:r>
+              <a:rPr lang="pt-PT" altLang="pt-BR" sz="2800" baseline="-25000">
+                <a:solidFill>
+                  <a:schemeClr val="tx1"/>
+                </a:solidFill>
+                <a:uFillTx/>
+              </a:rPr>
+              <a:t>var</a:t>
+            </a:r>
+            <a:endParaRPr lang="pt-PT" altLang="pt-BR" sz="2800" baseline="-25000">
+              <a:solidFill>
+                <a:schemeClr val="tx1"/>
+              </a:solidFill>
+              <a:uFillTx/>
+              <a:latin typeface="Arial" panose="020B0604020202020204"/>
+              <a:ea typeface="Arial" panose="020B0604020202020204"/>
+              <a:cs typeface="Arial" panose="020B0604020202020204"/>
+              <a:sym typeface="Arial" panose="020B0604020202020204"/>
+            </a:endParaRPr>
+          </a:p>
+        </p:txBody>
+      </p:sp>
+    </p:spTree>
+  </p:cSld>
+  <p:clrMapOvr>
+    <a:masterClrMapping/>
+  </p:clrMapOvr>
+</p:sld>
+</file>
+
+<file path=ppt/slides/slide3.xml><?xml version="1.0" encoding="utf-8"?>
+<p:sld xmlns:a="http://schemas.openxmlformats.org/drawingml/2006/main" xmlns:r="http://schemas.openxmlformats.org/officeDocument/2006/relationships" xmlns:p="http://schemas.openxmlformats.org/presentationml/2006/main">
+  <p:cSld>
+    <p:spTree>
+      <p:nvGrpSpPr>
+        <p:cNvPr id="1" name=""/>
+        <p:cNvGrpSpPr/>
+        <p:nvPr/>
+      </p:nvGrpSpPr>
+      <p:grpSpPr/>
+      <p:pic>
+        <p:nvPicPr>
+          <p:cNvPr id="25" name="Picture 24"/>
+          <p:cNvPicPr>
+            <a:picLocks noChangeAspect="true"/>
+          </p:cNvPicPr>
+          <p:nvPr/>
+        </p:nvPicPr>
+        <p:blipFill>
+          <a:blip r:embed="rId1"/>
+          <a:stretch>
+            <a:fillRect/>
+          </a:stretch>
+        </p:blipFill>
+        <p:spPr>
+          <a:xfrm>
+            <a:off x="3976370" y="1167130"/>
+            <a:ext cx="4433570" cy="5547995"/>
+          </a:xfrm>
+          <a:prstGeom prst="rect">
+            <a:avLst/>
+          </a:prstGeom>
+        </p:spPr>
+      </p:pic>
+      <p:pic>
+        <p:nvPicPr>
+          <p:cNvPr id="10" name="Picture 9"/>
+          <p:cNvPicPr>
+            <a:picLocks noChangeAspect="true"/>
+          </p:cNvPicPr>
+          <p:nvPr/>
+        </p:nvPicPr>
+        <p:blipFill>
+          <a:blip r:embed="rId2"/>
+          <a:srcRect b="5928"/>
+          <a:stretch>
+            <a:fillRect/>
+          </a:stretch>
+        </p:blipFill>
+        <p:spPr>
+          <a:xfrm>
+            <a:off x="635" y="-19685"/>
+            <a:ext cx="723900" cy="6872605"/>
+          </a:xfrm>
+          <a:prstGeom prst="rect">
+            <a:avLst/>
+          </a:prstGeom>
+        </p:spPr>
+      </p:pic>
+      <p:sp>
+        <p:nvSpPr>
+          <p:cNvPr id="84" name="Google Shape;84;p2"/>
+          <p:cNvSpPr txBox="true">
+            <a:spLocks noGrp="true"/>
+          </p:cNvSpPr>
+          <p:nvPr>
+            <p:ph type="title"/>
+          </p:nvPr>
+        </p:nvSpPr>
+        <p:spPr>
+          <a:xfrm>
+            <a:off x="3546475" y="-19685"/>
+            <a:ext cx="5100320" cy="1051560"/>
+          </a:xfrm>
+          <a:prstGeom prst="rect">
+            <a:avLst/>
+          </a:prstGeom>
+          <a:noFill/>
+          <a:ln>
+            <a:noFill/>
+          </a:ln>
+        </p:spPr>
+        <p:txBody>
+          <a:bodyPr spcFirstLastPara="1" wrap="square" lIns="103150" tIns="51575" rIns="103150" bIns="51575" anchor="ctr" anchorCtr="false">
+            <a:noAutofit/>
+          </a:bodyPr>
+          <a:p>
+            <a:pPr algn="ctr"/>
+            <a:r>
+              <a:rPr lang="pt-PT" altLang="pt-BR" sz="2800"/>
+              <a:t>Parâmetros Livres:</a:t>
+            </a:r>
+            <a:endParaRPr lang="pt-PT" altLang="pt-BR" sz="2800" baseline="-25000">
+              <a:solidFill>
+                <a:schemeClr val="tx1"/>
+              </a:solidFill>
+              <a:uFillTx/>
+              <a:latin typeface="Arial" panose="020B0604020202020204"/>
+              <a:ea typeface="Arial" panose="020B0604020202020204"/>
+              <a:cs typeface="Arial" panose="020B0604020202020204"/>
+              <a:sym typeface="Arial" panose="020B0604020202020204"/>
+            </a:endParaRPr>
+          </a:p>
+        </p:txBody>
+      </p:sp>
+      <mc:AlternateContent xmlns:mc="http://schemas.openxmlformats.org/markup-compatibility/2006">
+        <mc:Choice xmlns:a14="http://schemas.microsoft.com/office/drawing/2010/main" Requires="a14">
+          <p:sp>
+            <p:nvSpPr>
+              <p:cNvPr id="2" name="Google Shape;84;p2"/>
+              <p:cNvSpPr txBox="true">
+                <a:spLocks noGrp="true"/>
+              </p:cNvSpPr>
+              <p:nvPr/>
+            </p:nvSpPr>
+            <p:spPr>
+              <a:xfrm>
+                <a:off x="1594485" y="2621915"/>
+                <a:ext cx="1951990" cy="3215640"/>
+              </a:xfrm>
+              <a:prstGeom prst="rect">
+                <a:avLst/>
+              </a:prstGeom>
+              <a:noFill/>
+              <a:ln>
+                <a:noFill/>
+              </a:ln>
+            </p:spPr>
+            <p:txBody>
+              <a:bodyPr vert="horz" wrap="square" lIns="103150" tIns="51575" rIns="103150" bIns="51575" rtlCol="0" anchor="ctr" anchorCtr="false">
+                <a:noAutofit/>
+              </a:bodyPr>
+              <a:lstStyle>
+                <a:lvl1pPr algn="ctr" defTabSz="914400" rtl="0" eaLnBrk="1" latinLnBrk="0" hangingPunct="1">
+                  <a:lnSpc>
+                    <a:spcPct val="130000"/>
+                  </a:lnSpc>
+                  <a:spcBef>
+                    <a:spcPct val="0"/>
+                  </a:spcBef>
+                  <a:buNone/>
+                  <a:defRPr sz="6000" kern="1200">
+                    <a:solidFill>
+                      <a:schemeClr val="tx1"/>
+                    </a:solidFill>
+                    <a:effectLst>
+                      <a:outerShdw blurRad="38100" dist="38100" dir="2700000" algn="tl">
+                        <a:srgbClr val="000000">
+                          <a:alpha val="43137"/>
+                        </a:srgbClr>
+                      </a:outerShdw>
+                    </a:effectLst>
+                    <a:latin typeface="+mj-lt"/>
+                    <a:ea typeface="+mj-ea"/>
+                    <a:cs typeface="+mj-cs"/>
+                  </a:defRPr>
+                </a:lvl1pPr>
+              </a:lstStyle>
+              <a:p>
+                <a:pPr marL="571500" indent="-571500" algn="l">
+                  <a:lnSpc>
+                    <a:spcPct val="200000"/>
+                  </a:lnSpc>
+                  <a:buFont typeface="Arial" panose="020B0604020202020204" pitchFamily="34" charset="0"/>
+                  <a:buChar char="•"/>
+                </a:pPr>
+                <a14:m>
+                  <m:oMath xmlns:m="http://schemas.openxmlformats.org/officeDocument/2006/math">
+                    <m:r>
+                      <a:rPr lang="en-US" altLang="pt-PT" sz="2400" i="1">
+                        <a:solidFill>
+                          <a:schemeClr val="tx1"/>
+                        </a:solidFill>
+                        <a:uFillTx/>
+                        <a:latin typeface="DejaVu Math TeX Gyre" panose="02000503000000000000" charset="0"/>
+                        <a:ea typeface="Arial" panose="020B0604020202020204"/>
+                        <a:cs typeface="DejaVu Math TeX Gyre" panose="02000503000000000000" charset="0"/>
+                        <a:sym typeface="Arial" panose="020B0604020202020204"/>
+                      </a:rPr>
+                      <m:t>𝜏</m:t>
+                    </m:r>
+                  </m:oMath>
+                </a14:m>
+                <a:endParaRPr lang="en-US" altLang="pt-PT" sz="2400" i="1">
+                  <a:solidFill>
+                    <a:schemeClr val="tx1"/>
+                  </a:solidFill>
+                  <a:uFillTx/>
+                  <a:latin typeface="DejaVu Math TeX Gyre" panose="02000503000000000000" charset="0"/>
+                  <a:ea typeface="MS Mincho" charset="0"/>
+                  <a:cs typeface="DejaVu Math TeX Gyre" panose="02000503000000000000" charset="0"/>
+                  <a:sym typeface="Arial" panose="020B0604020202020204"/>
+                </a:endParaRPr>
+              </a:p>
+            </p:txBody>
+          </p:sp>
+        </mc:Choice>
+        <mc:Fallback>
+          <p:sp>
+            <p:nvSpPr>
+              <p:cNvPr id="2" name="Google Shape;84;p2"/>
+              <p:cNvSpPr txBox="true">
+                <a:spLocks noRot="true" noChangeAspect="true" noMove="true" noResize="true" noEditPoints="true" noAdjustHandles="true" noChangeArrowheads="true" noChangeShapeType="true" noTextEdit="true"/>
+              </p:cNvSpPr>
+              <p:nvPr/>
+            </p:nvSpPr>
+            <p:spPr>
+              <a:xfrm>
+                <a:off x="1594485" y="2621915"/>
+                <a:ext cx="1951990" cy="3215640"/>
+              </a:xfrm>
+              <a:prstGeom prst="rect">
+                <a:avLst/>
+              </a:prstGeom>
+              <a:blipFill rotWithShape="true">
+                <a:blip r:embed="rId3"/>
+                <a:stretch>
+                  <a:fillRect/>
+                </a:stretch>
+              </a:blipFill>
+              <a:ln>
+                <a:noFill/>
+              </a:ln>
+            </p:spPr>
+            <p:txBody>
+              <a:bodyPr/>
+              <a:lstStyle/>
+              <a:p>
+                <a:r>
+                  <a:rPr lang="en-US" altLang="en-US">
+                    <a:noFill/>
+                  </a:rPr>
+                  <a:t> </a:t>
+                </a:r>
+              </a:p>
+            </p:txBody>
+          </p:sp>
+        </mc:Fallback>
+      </mc:AlternateContent>
+      <mc:AlternateContent xmlns:mc="http://schemas.openxmlformats.org/markup-compatibility/2006">
+        <mc:Choice xmlns:a14="http://schemas.microsoft.com/office/drawing/2010/main" Requires="a14">
+          <p:sp>
+            <p:nvSpPr>
+              <p:cNvPr id="3" name="Google Shape;84;p2"/>
+              <p:cNvSpPr txBox="true">
+                <a:spLocks noGrp="true"/>
+              </p:cNvSpPr>
+              <p:nvPr/>
+            </p:nvSpPr>
+            <p:spPr>
+              <a:xfrm>
+                <a:off x="9095105" y="2693670"/>
+                <a:ext cx="2252980" cy="2984500"/>
+              </a:xfrm>
+              <a:prstGeom prst="rect">
+                <a:avLst/>
+              </a:prstGeom>
+              <a:noFill/>
+              <a:ln>
+                <a:noFill/>
+              </a:ln>
+            </p:spPr>
+            <p:txBody>
+              <a:bodyPr vert="horz" wrap="square" lIns="103150" tIns="51575" rIns="103150" bIns="51575" rtlCol="0" anchor="ctr" anchorCtr="false">
+                <a:noAutofit/>
+              </a:bodyPr>
+              <a:lstStyle>
+                <a:lvl1pPr algn="ctr" defTabSz="914400" rtl="0" eaLnBrk="1" latinLnBrk="0" hangingPunct="1">
+                  <a:lnSpc>
+                    <a:spcPct val="130000"/>
+                  </a:lnSpc>
+                  <a:spcBef>
+                    <a:spcPct val="0"/>
+                  </a:spcBef>
+                  <a:buNone/>
+                  <a:defRPr sz="6000" kern="1200">
+                    <a:solidFill>
+                      <a:schemeClr val="tx1"/>
+                    </a:solidFill>
+                    <a:effectLst>
+                      <a:outerShdw blurRad="38100" dist="38100" dir="2700000" algn="tl">
+                        <a:srgbClr val="000000">
+                          <a:alpha val="43137"/>
+                        </a:srgbClr>
+                      </a:outerShdw>
+                    </a:effectLst>
+                    <a:latin typeface="+mj-lt"/>
+                    <a:ea typeface="+mj-ea"/>
+                    <a:cs typeface="+mj-cs"/>
+                  </a:defRPr>
+                </a:lvl1pPr>
+              </a:lstStyle>
+              <a:p>
+                <a:pPr marL="571500" indent="-571500" algn="l">
+                  <a:lnSpc>
+                    <a:spcPct val="200000"/>
+                  </a:lnSpc>
+                  <a:buFont typeface="Arial" panose="020B0604020202020204" pitchFamily="34" charset="0"/>
+                  <a:buChar char="•"/>
+                </a:pPr>
+                <a14:m>
+                  <m:oMath xmlns:m="http://schemas.openxmlformats.org/officeDocument/2006/math">
+                    <m:r>
+                      <a:rPr lang="en-US" altLang="pt-PT" sz="2400" i="1">
+                        <a:solidFill>
+                          <a:schemeClr val="tx1"/>
+                        </a:solidFill>
+                        <a:uFillTx/>
+                        <a:latin typeface="DejaVu Math TeX Gyre" panose="02000503000000000000" charset="0"/>
+                        <a:ea typeface="Arial" panose="020B0604020202020204"/>
+                        <a:cs typeface="DejaVu Math TeX Gyre" panose="02000503000000000000" charset="0"/>
+                        <a:sym typeface="Arial" panose="020B0604020202020204"/>
+                      </a:rPr>
+                      <m:t>𝜏</m:t>
+                    </m:r>
+                  </m:oMath>
+                </a14:m>
+                <a:endParaRPr lang="pt-PT" altLang="en-US" sz="2400" i="1">
+                  <a:solidFill>
+                    <a:schemeClr val="tx1"/>
+                  </a:solidFill>
+                  <a:uFillTx/>
+                  <a:latin typeface="DejaVu Math TeX Gyre" panose="02000503000000000000" charset="0"/>
+                  <a:ea typeface="MS Mincho" charset="0"/>
+                  <a:cs typeface="DejaVu Math TeX Gyre" panose="02000503000000000000" charset="0"/>
+                  <a:sym typeface="Arial" panose="020B0604020202020204"/>
+                </a:endParaRPr>
+              </a:p>
+            </p:txBody>
+          </p:sp>
+        </mc:Choice>
+        <mc:Fallback>
+          <p:sp>
+            <p:nvSpPr>
+              <p:cNvPr id="3" name="Google Shape;84;p2"/>
+              <p:cNvSpPr txBox="true">
+                <a:spLocks noRot="true" noChangeAspect="true" noMove="true" noResize="true" noEditPoints="true" noAdjustHandles="true" noChangeArrowheads="true" noChangeShapeType="true" noTextEdit="true"/>
+              </p:cNvSpPr>
+              <p:nvPr/>
+            </p:nvSpPr>
+            <p:spPr>
+              <a:xfrm>
+                <a:off x="9095105" y="2693670"/>
+                <a:ext cx="2252980" cy="2984500"/>
+              </a:xfrm>
+              <a:prstGeom prst="rect">
+                <a:avLst/>
+              </a:prstGeom>
+              <a:blipFill rotWithShape="true">
+                <a:blip r:embed="rId4"/>
+                <a:stretch>
+                  <a:fillRect/>
+                </a:stretch>
+              </a:blipFill>
+              <a:ln>
+                <a:noFill/>
+              </a:ln>
+            </p:spPr>
+            <p:txBody>
+              <a:bodyPr/>
+              <a:lstStyle/>
+              <a:p>
+                <a:r>
+                  <a:rPr lang="en-US" altLang="en-US">
+                    <a:noFill/>
+                  </a:rPr>
+                  <a:t> </a:t>
+                </a:r>
+              </a:p>
+            </p:txBody>
+          </p:sp>
+        </mc:Fallback>
+      </mc:AlternateContent>
+      <p:sp>
+        <p:nvSpPr>
+          <p:cNvPr id="4" name="Google Shape;84;p2"/>
+          <p:cNvSpPr txBox="true">
+            <a:spLocks noGrp="true"/>
+          </p:cNvSpPr>
+          <p:nvPr/>
+        </p:nvSpPr>
+        <p:spPr>
+          <a:xfrm>
+            <a:off x="1031875" y="1828165"/>
+            <a:ext cx="2514600" cy="793750"/>
+          </a:xfrm>
+          <a:prstGeom prst="rect">
+            <a:avLst/>
+          </a:prstGeom>
+          <a:noFill/>
+          <a:ln>
+            <a:noFill/>
+          </a:ln>
+        </p:spPr>
+        <p:txBody>
+          <a:bodyPr vert="horz" wrap="square" lIns="103150" tIns="51575" rIns="103150" bIns="51575" rtlCol="0" anchor="ctr" anchorCtr="false">
+            <a:noAutofit/>
+          </a:bodyPr>
+          <a:lstStyle>
+            <a:lvl1pPr algn="ctr" defTabSz="914400" rtl="0" eaLnBrk="1" latinLnBrk="0" hangingPunct="1">
+              <a:lnSpc>
+                <a:spcPct val="130000"/>
+              </a:lnSpc>
+              <a:spcBef>
+                <a:spcPct val="0"/>
+              </a:spcBef>
+              <a:buNone/>
+              <a:defRPr sz="6000" kern="1200">
+                <a:solidFill>
+                  <a:schemeClr val="tx1"/>
+                </a:solidFill>
+                <a:effectLst>
+                  <a:outerShdw blurRad="38100" dist="38100" dir="2700000" algn="tl">
+                    <a:srgbClr val="000000">
+                      <a:alpha val="43137"/>
+                    </a:srgbClr>
+                  </a:outerShdw>
+                </a:effectLst>
+                <a:latin typeface="+mj-lt"/>
+                <a:ea typeface="+mj-ea"/>
+                <a:cs typeface="+mj-cs"/>
+              </a:defRPr>
+            </a:lvl1pPr>
+          </a:lstStyle>
+          <a:p>
+            <a:pPr indent="0" algn="ctr">
+              <a:lnSpc>
+                <a:spcPct val="200000"/>
+              </a:lnSpc>
+              <a:buFont typeface="Arial" panose="020B0604020202020204" pitchFamily="34" charset="0"/>
+            </a:pPr>
+            <a:r>
+              <a:rPr lang="pt-PT" altLang="en-US" sz="2400">
+                <a:solidFill>
+                  <a:schemeClr val="tx1"/>
+                </a:solidFill>
+                <a:uFillTx/>
+                <a:latin typeface="DejaVu Math TeX Gyre" panose="02000503000000000000" charset="0"/>
+                <a:ea typeface="MS Mincho" charset="0"/>
+                <a:cs typeface="DejaVu Math TeX Gyre" panose="02000503000000000000" charset="0"/>
+                <a:sym typeface="Arial" panose="020B0604020202020204"/>
+              </a:rPr>
+              <a:t>GEO</a:t>
+            </a:r>
+            <a:endParaRPr lang="pt-PT" altLang="en-US" sz="2400">
+              <a:solidFill>
+                <a:schemeClr val="tx1"/>
+              </a:solidFill>
+              <a:uFillTx/>
+              <a:latin typeface="DejaVu Math TeX Gyre" panose="02000503000000000000" charset="0"/>
+              <a:ea typeface="MS Mincho" charset="0"/>
+              <a:cs typeface="DejaVu Math TeX Gyre" panose="02000503000000000000" charset="0"/>
+              <a:sym typeface="Arial" panose="020B0604020202020204"/>
+            </a:endParaRPr>
+          </a:p>
+        </p:txBody>
+      </p:sp>
+      <p:sp>
+        <p:nvSpPr>
+          <p:cNvPr id="5" name="Google Shape;84;p2"/>
+          <p:cNvSpPr txBox="true">
+            <a:spLocks noGrp="true"/>
+          </p:cNvSpPr>
+          <p:nvPr/>
+        </p:nvSpPr>
+        <p:spPr>
+          <a:xfrm>
+            <a:off x="8833485" y="1828165"/>
+            <a:ext cx="2514600" cy="793750"/>
+          </a:xfrm>
+          <a:prstGeom prst="rect">
+            <a:avLst/>
+          </a:prstGeom>
+          <a:noFill/>
+          <a:ln>
+            <a:noFill/>
+          </a:ln>
+        </p:spPr>
+        <p:txBody>
+          <a:bodyPr vert="horz" wrap="square" lIns="103150" tIns="51575" rIns="103150" bIns="51575" rtlCol="0" anchor="ctr" anchorCtr="false">
+            <a:noAutofit/>
+          </a:bodyPr>
+          <a:lstStyle>
+            <a:lvl1pPr algn="ctr" defTabSz="914400" rtl="0" eaLnBrk="1" latinLnBrk="0" hangingPunct="1">
+              <a:lnSpc>
+                <a:spcPct val="130000"/>
+              </a:lnSpc>
+              <a:spcBef>
+                <a:spcPct val="0"/>
+              </a:spcBef>
+              <a:buNone/>
+              <a:defRPr sz="6000" kern="1200">
+                <a:solidFill>
+                  <a:schemeClr val="tx1"/>
+                </a:solidFill>
+                <a:effectLst>
+                  <a:outerShdw blurRad="38100" dist="38100" dir="2700000" algn="tl">
+                    <a:srgbClr val="000000">
+                      <a:alpha val="43137"/>
+                    </a:srgbClr>
+                  </a:outerShdw>
+                </a:effectLst>
+                <a:latin typeface="+mj-lt"/>
+                <a:ea typeface="+mj-ea"/>
+                <a:cs typeface="+mj-cs"/>
+              </a:defRPr>
+            </a:lvl1pPr>
+          </a:lstStyle>
+          <a:p>
+            <a:pPr indent="0" algn="ctr">
+              <a:lnSpc>
+                <a:spcPct val="200000"/>
+              </a:lnSpc>
+              <a:buFont typeface="Arial" panose="020B0604020202020204" pitchFamily="34" charset="0"/>
+            </a:pPr>
+            <a:r>
+              <a:rPr lang="pt-PT" altLang="en-US" sz="2400">
+                <a:solidFill>
+                  <a:schemeClr val="tx1"/>
+                </a:solidFill>
+                <a:uFillTx/>
+                <a:latin typeface="DejaVu Math TeX Gyre" panose="02000503000000000000" charset="0"/>
+                <a:ea typeface="MS Mincho" charset="0"/>
+                <a:cs typeface="DejaVu Math TeX Gyre" panose="02000503000000000000" charset="0"/>
+                <a:sym typeface="Arial" panose="020B0604020202020204"/>
+              </a:rPr>
+              <a:t>GEO</a:t>
+            </a:r>
+            <a:r>
+              <a:rPr lang="pt-PT" altLang="en-US" sz="2400" baseline="-25000">
+                <a:solidFill>
+                  <a:schemeClr val="tx1"/>
+                </a:solidFill>
+                <a:uFillTx/>
+                <a:latin typeface="DejaVu Math TeX Gyre" panose="02000503000000000000" charset="0"/>
+                <a:ea typeface="MS Mincho" charset="0"/>
+                <a:cs typeface="DejaVu Math TeX Gyre" panose="02000503000000000000" charset="0"/>
+                <a:sym typeface="Arial" panose="020B0604020202020204"/>
+              </a:rPr>
+              <a:t>var</a:t>
+            </a:r>
+            <a:endParaRPr lang="pt-PT" altLang="en-US" sz="2400" baseline="-25000">
+              <a:solidFill>
+                <a:schemeClr val="tx1"/>
+              </a:solidFill>
+              <a:uFillTx/>
+              <a:latin typeface="DejaVu Math TeX Gyre" panose="02000503000000000000" charset="0"/>
+              <a:ea typeface="MS Mincho" charset="0"/>
+              <a:cs typeface="DejaVu Math TeX Gyre" panose="02000503000000000000" charset="0"/>
+              <a:sym typeface="Arial" panose="020B0604020202020204"/>
+            </a:endParaRPr>
+          </a:p>
+        </p:txBody>
+      </p:sp>
+    </p:spTree>
+  </p:cSld>
+  <p:clrMapOvr>
+    <a:masterClrMapping/>
+  </p:clrMapOvr>
+</p:sld>
+</file>
+
+<file path=ppt/slides/slide4.xml><?xml version="1.0" encoding="utf-8"?>
+<p:sld xmlns:a="http://schemas.openxmlformats.org/drawingml/2006/main" xmlns:r="http://schemas.openxmlformats.org/officeDocument/2006/relationships" xmlns:p="http://schemas.openxmlformats.org/presentationml/2006/main">
+  <p:cSld>
+    <p:spTree>
+      <p:nvGrpSpPr>
+        <p:cNvPr id="1" name=""/>
+        <p:cNvGrpSpPr/>
+        <p:nvPr/>
+      </p:nvGrpSpPr>
+      <p:grpSpPr/>
+      <p:pic>
+        <p:nvPicPr>
+          <p:cNvPr id="10" name="Picture 9"/>
+          <p:cNvPicPr>
+            <a:picLocks noChangeAspect="true"/>
+          </p:cNvPicPr>
+          <p:nvPr/>
+        </p:nvPicPr>
+        <p:blipFill>
+          <a:blip r:embed="rId1"/>
+          <a:srcRect b="5928"/>
+          <a:stretch>
+            <a:fillRect/>
+          </a:stretch>
+        </p:blipFill>
+        <p:spPr>
+          <a:xfrm>
+            <a:off x="635" y="-19685"/>
+            <a:ext cx="723900" cy="6872605"/>
+          </a:xfrm>
+          <a:prstGeom prst="rect">
+            <a:avLst/>
+          </a:prstGeom>
+        </p:spPr>
+      </p:pic>
+      <p:sp>
+        <p:nvSpPr>
+          <p:cNvPr id="84" name="Google Shape;84;p2"/>
+          <p:cNvSpPr txBox="true">
+            <a:spLocks noGrp="true"/>
+          </p:cNvSpPr>
+          <p:nvPr>
+            <p:ph type="title"/>
+          </p:nvPr>
+        </p:nvSpPr>
+        <p:spPr>
+          <a:xfrm>
+            <a:off x="3546475" y="-19685"/>
+            <a:ext cx="6355715" cy="1051560"/>
+          </a:xfrm>
+          <a:prstGeom prst="rect">
+            <a:avLst/>
+          </a:prstGeom>
+          <a:noFill/>
+          <a:ln>
+            <a:noFill/>
+          </a:ln>
+        </p:spPr>
+        <p:txBody>
+          <a:bodyPr spcFirstLastPara="1" wrap="square" lIns="103150" tIns="51575" rIns="103150" bIns="51575" anchor="ctr" anchorCtr="false">
+            <a:noAutofit/>
+          </a:bodyPr>
+          <a:p>
+            <a:pPr algn="ctr"/>
+            <a:r>
+              <a:rPr lang="pt-PT" altLang="pt-BR" sz="2800"/>
+              <a:t>Tuning dos Parâmetros Livres</a:t>
+            </a:r>
+            <a:endParaRPr lang="pt-PT" altLang="pt-BR" sz="2800" baseline="-25000">
+              <a:solidFill>
+                <a:schemeClr val="tx1"/>
+              </a:solidFill>
+              <a:uFillTx/>
+              <a:latin typeface="Arial" panose="020B0604020202020204"/>
+              <a:ea typeface="Arial" panose="020B0604020202020204"/>
+              <a:cs typeface="Arial" panose="020B0604020202020204"/>
+              <a:sym typeface="Arial" panose="020B0604020202020204"/>
+            </a:endParaRPr>
+          </a:p>
+        </p:txBody>
+      </p:sp>
+      <mc:AlternateContent xmlns:mc="http://schemas.openxmlformats.org/markup-compatibility/2006">
+        <mc:Choice xmlns:a14="http://schemas.microsoft.com/office/drawing/2010/main" Requires="a14">
+          <p:sp>
+            <p:nvSpPr>
+              <p:cNvPr id="3" name="Google Shape;84;p2"/>
+              <p:cNvSpPr txBox="true">
+                <a:spLocks noGrp="true"/>
+              </p:cNvSpPr>
+              <p:nvPr/>
+            </p:nvSpPr>
+            <p:spPr>
+              <a:xfrm>
+                <a:off x="981710" y="1021715"/>
+                <a:ext cx="8706485" cy="4789805"/>
+              </a:xfrm>
+              <a:prstGeom prst="rect">
+                <a:avLst/>
+              </a:prstGeom>
+              <a:noFill/>
+              <a:ln>
+                <a:noFill/>
+              </a:ln>
+            </p:spPr>
+            <p:txBody>
+              <a:bodyPr vert="horz" wrap="square" lIns="103150" tIns="51575" rIns="103150" bIns="51575" rtlCol="0" anchor="ctr" anchorCtr="false">
+                <a:noAutofit/>
+              </a:bodyPr>
+              <a:lstStyle>
+                <a:lvl1pPr algn="ctr" defTabSz="914400" rtl="0" eaLnBrk="1" latinLnBrk="0" hangingPunct="1">
+                  <a:lnSpc>
+                    <a:spcPct val="130000"/>
+                  </a:lnSpc>
+                  <a:spcBef>
+                    <a:spcPct val="0"/>
+                  </a:spcBef>
+                  <a:buNone/>
+                  <a:defRPr sz="6000" kern="1200">
+                    <a:solidFill>
+                      <a:schemeClr val="tx1"/>
+                    </a:solidFill>
+                    <a:effectLst>
+                      <a:outerShdw blurRad="38100" dist="38100" dir="2700000" algn="tl">
+                        <a:srgbClr val="000000">
+                          <a:alpha val="43137"/>
+                        </a:srgbClr>
+                      </a:outerShdw>
+                    </a:effectLst>
+                    <a:latin typeface="+mj-lt"/>
+                    <a:ea typeface="+mj-ea"/>
+                    <a:cs typeface="+mj-cs"/>
+                  </a:defRPr>
+                </a:lvl1pPr>
+              </a:lstStyle>
+              <a:p>
+                <a:pPr marL="571500" indent="-571500" algn="l">
+                  <a:lnSpc>
+                    <a:spcPct val="150000"/>
+                  </a:lnSpc>
+                  <a:buFont typeface="Arial" panose="020B0604020202020204" pitchFamily="34" charset="0"/>
+                  <a:buChar char="•"/>
+                </a:pPr>
+                <a:r>
+                  <a:rPr lang="pt-PT" altLang="en-US" sz="2400">
+                    <a:solidFill>
+                      <a:schemeClr val="tx1"/>
+                    </a:solidFill>
+                    <a:uFillTx/>
+                    <a:latin typeface="DejaVu Math TeX Gyre" panose="02000503000000000000" charset="0"/>
+                    <a:ea typeface="Arial" panose="020B0604020202020204"/>
+                    <a:cs typeface="DejaVu Math TeX Gyre" panose="02000503000000000000" charset="0"/>
+                    <a:sym typeface="Arial" panose="020B0604020202020204"/>
+                  </a:rPr>
+                  <a:t>GEO e GEOvar:</a:t>
+                </a:r>
+                <a:endParaRPr lang="pt-PT" altLang="en-US" sz="2400">
+                  <a:solidFill>
+                    <a:schemeClr val="tx1"/>
+                  </a:solidFill>
+                  <a:uFillTx/>
+                  <a:latin typeface="DejaVu Math TeX Gyre" panose="02000503000000000000" charset="0"/>
+                  <a:ea typeface="Arial" panose="020B0604020202020204"/>
+                  <a:cs typeface="DejaVu Math TeX Gyre" panose="02000503000000000000" charset="0"/>
+                  <a:sym typeface="Arial" panose="020B0604020202020204"/>
+                </a:endParaRPr>
+              </a:p>
+              <a:p>
+                <a:pPr indent="0" algn="l">
+                  <a:lnSpc>
+                    <a:spcPct val="150000"/>
+                  </a:lnSpc>
+                  <a:buFont typeface="Arial" panose="020B0604020202020204" pitchFamily="34" charset="0"/>
+                </a:pPr>
+                <a:endParaRPr lang="en-US" altLang="pt-PT" sz="2400" i="1">
+                  <a:solidFill>
+                    <a:schemeClr val="tx1"/>
+                  </a:solidFill>
+                  <a:uFillTx/>
+                  <a:latin typeface="DejaVu Math TeX Gyre" panose="02000503000000000000" charset="0"/>
+                  <a:ea typeface="Arial" panose="020B0604020202020204"/>
+                  <a:cs typeface="DejaVu Math TeX Gyre" panose="02000503000000000000" charset="0"/>
+                  <a:sym typeface="Arial" panose="020B0604020202020204"/>
+                </a:endParaRPr>
+              </a:p>
+              <a:p>
+                <a:pPr marL="1028700" lvl="1" indent="-571500" algn="l">
+                  <a:lnSpc>
+                    <a:spcPct val="150000"/>
+                  </a:lnSpc>
+                  <a:buFont typeface="Arial" panose="020B0604020202020204" pitchFamily="34" charset="0"/>
+                  <a:buChar char="•"/>
+                </a:pPr>
+                <a14:m>
+                  <m:oMath xmlns:m="http://schemas.openxmlformats.org/officeDocument/2006/math">
+                    <m:r>
+                      <a:rPr lang="en-US" altLang="pt-PT" sz="2000" i="1">
+                        <a:solidFill>
+                          <a:schemeClr val="tx1"/>
+                        </a:solidFill>
+                        <a:uFillTx/>
+                        <a:latin typeface="DejaVu Math TeX Gyre" panose="02000503000000000000" charset="0"/>
+                        <a:ea typeface="Arial" panose="020B0604020202020204"/>
+                        <a:cs typeface="DejaVu Math TeX Gyre" panose="02000503000000000000" charset="0"/>
+                        <a:sym typeface="Arial" panose="020B0604020202020204"/>
+                      </a:rPr>
+                      <m:t>𝜏</m:t>
+                    </m:r>
+                  </m:oMath>
+                </a14:m>
+                <a:r>
+                  <a:rPr lang="pt-PT" altLang="en-US" sz="2000">
+                    <a:solidFill>
+                      <a:schemeClr val="tx1"/>
+                    </a:solidFill>
+                    <a:uFillTx/>
+                    <a:latin typeface="DejaVu Math TeX Gyre" panose="02000503000000000000" charset="0"/>
+                    <a:ea typeface="Arial" panose="020B0604020202020204"/>
+                    <a:cs typeface="DejaVu Math TeX Gyre" panose="02000503000000000000" charset="0"/>
+                    <a:sym typeface="Arial" panose="020B0604020202020204"/>
+                  </a:rPr>
+                  <a:t>: {0.5, 1.0, 1.5, 2.0, 2.5, 3.0, 3.5, 4.0, 4.5, 5.0, 5.5, 6.0, 6.5, 7.0, 7.5, 8.0}</a:t>
+                </a:r>
+                <a:endParaRPr lang="pt-PT" altLang="en-US" sz="2000">
+                  <a:solidFill>
+                    <a:schemeClr val="tx1"/>
+                  </a:solidFill>
+                  <a:uFillTx/>
+                  <a:latin typeface="DejaVu Math TeX Gyre" panose="02000503000000000000" charset="0"/>
+                  <a:ea typeface="MS Mincho" charset="0"/>
+                  <a:cs typeface="DejaVu Math TeX Gyre" panose="02000503000000000000" charset="0"/>
+                  <a:sym typeface="Arial" panose="020B0604020202020204"/>
+                </a:endParaRPr>
+              </a:p>
+            </p:txBody>
+          </p:sp>
+        </mc:Choice>
+        <mc:Fallback>
+          <p:sp>
+            <p:nvSpPr>
+              <p:cNvPr id="3" name="Google Shape;84;p2"/>
+              <p:cNvSpPr txBox="true">
+                <a:spLocks noRot="true" noChangeAspect="true" noMove="true" noResize="true" noEditPoints="true" noAdjustHandles="true" noChangeArrowheads="true" noChangeShapeType="true" noTextEdit="true"/>
+              </p:cNvSpPr>
+              <p:nvPr/>
+            </p:nvSpPr>
+            <p:spPr>
+              <a:xfrm>
+                <a:off x="981710" y="1021715"/>
+                <a:ext cx="8706485" cy="4789805"/>
+              </a:xfrm>
+              <a:prstGeom prst="rect">
+                <a:avLst/>
+              </a:prstGeom>
+              <a:blipFill rotWithShape="true">
+                <a:blip r:embed="rId2"/>
+                <a:stretch>
+                  <a:fillRect/>
+                </a:stretch>
+              </a:blipFill>
+              <a:ln>
+                <a:noFill/>
+              </a:ln>
+            </p:spPr>
+            <p:txBody>
+              <a:bodyPr/>
+              <a:lstStyle/>
+              <a:p>
+                <a:r>
+                  <a:rPr lang="en-US" altLang="en-US">
+                    <a:noFill/>
+                  </a:rPr>
+                  <a:t> </a:t>
+                </a:r>
+              </a:p>
+            </p:txBody>
+          </p:sp>
+        </mc:Fallback>
+      </mc:AlternateContent>
+    </p:spTree>
+  </p:cSld>
+  <p:clrMapOvr>
+    <a:masterClrMapping/>
+  </p:clrMapOvr>
+</p:sld>
+</file>
+
+<file path=ppt/slides/slide5.xml><?xml version="1.0" encoding="utf-8"?>
+<p:sld xmlns:a="http://schemas.openxmlformats.org/drawingml/2006/main" xmlns:r="http://schemas.openxmlformats.org/officeDocument/2006/relationships" xmlns:p="http://schemas.openxmlformats.org/presentationml/2006/main">
+  <p:cSld>
+    <p:spTree>
+      <p:nvGrpSpPr>
+        <p:cNvPr id="1" name=""/>
+        <p:cNvGrpSpPr/>
+        <p:nvPr/>
+      </p:nvGrpSpPr>
+      <p:grpSpPr/>
+      <p:pic>
+        <p:nvPicPr>
+          <p:cNvPr id="10" name="Picture 9"/>
+          <p:cNvPicPr>
+            <a:picLocks noChangeAspect="true"/>
+          </p:cNvPicPr>
+          <p:nvPr/>
+        </p:nvPicPr>
+        <p:blipFill>
+          <a:blip r:embed="rId1"/>
+          <a:srcRect b="5928"/>
+          <a:stretch>
+            <a:fillRect/>
+          </a:stretch>
+        </p:blipFill>
+        <p:spPr>
+          <a:xfrm>
+            <a:off x="635" y="-19685"/>
+            <a:ext cx="723900" cy="6872605"/>
+          </a:xfrm>
+          <a:prstGeom prst="rect">
+            <a:avLst/>
+          </a:prstGeom>
+        </p:spPr>
+      </p:pic>
+      <p:sp>
+        <p:nvSpPr>
+          <p:cNvPr id="84" name="Google Shape;84;p2"/>
+          <p:cNvSpPr txBox="true">
+            <a:spLocks noGrp="true"/>
+          </p:cNvSpPr>
+          <p:nvPr>
+            <p:ph type="title"/>
+          </p:nvPr>
+        </p:nvSpPr>
+        <p:spPr>
+          <a:xfrm>
+            <a:off x="3546475" y="-19685"/>
+            <a:ext cx="5100320" cy="1051560"/>
+          </a:xfrm>
+          <a:prstGeom prst="rect">
+            <a:avLst/>
+          </a:prstGeom>
+          <a:noFill/>
+          <a:ln>
+            <a:noFill/>
+          </a:ln>
+        </p:spPr>
+        <p:txBody>
+          <a:bodyPr spcFirstLastPara="1" wrap="square" lIns="103150" tIns="51575" rIns="103150" bIns="51575" anchor="ctr" anchorCtr="false">
+            <a:noAutofit/>
+          </a:bodyPr>
+          <a:p>
+            <a:pPr algn="ctr"/>
+            <a:r>
+              <a:rPr lang="pt-PT" altLang="pt-BR" sz="2800"/>
+              <a:t>Tuning - GEO e GEOvar </a:t>
+            </a:r>
+            <a:endParaRPr lang="pt-PT" altLang="pt-BR" sz="2800" baseline="-25000">
+              <a:solidFill>
+                <a:schemeClr val="tx1"/>
+              </a:solidFill>
+              <a:uFillTx/>
+              <a:latin typeface="Arial" panose="020B0604020202020204"/>
+              <a:ea typeface="Arial" panose="020B0604020202020204"/>
+              <a:cs typeface="Arial" panose="020B0604020202020204"/>
+              <a:sym typeface="Arial" panose="020B0604020202020204"/>
+            </a:endParaRPr>
+          </a:p>
+        </p:txBody>
+      </p:sp>
+      <p:sp>
+        <p:nvSpPr>
+          <p:cNvPr id="3" name="Google Shape;84;p2"/>
+          <p:cNvSpPr txBox="true">
+            <a:spLocks noGrp="true"/>
+          </p:cNvSpPr>
+          <p:nvPr/>
+        </p:nvSpPr>
+        <p:spPr>
+          <a:xfrm>
+            <a:off x="1024890" y="1687830"/>
+            <a:ext cx="4505960" cy="4789805"/>
+          </a:xfrm>
+          <a:prstGeom prst="rect">
+            <a:avLst/>
+          </a:prstGeom>
+          <a:noFill/>
+          <a:ln>
+            <a:noFill/>
+          </a:ln>
+        </p:spPr>
+        <p:txBody>
+          <a:bodyPr vert="horz" wrap="square" lIns="103150" tIns="51575" rIns="103150" bIns="51575" rtlCol="0" anchor="ctr" anchorCtr="false">
+            <a:noAutofit/>
+          </a:bodyPr>
+          <a:lstStyle>
+            <a:lvl1pPr algn="ctr" defTabSz="914400" rtl="0" eaLnBrk="1" latinLnBrk="0" hangingPunct="1">
+              <a:lnSpc>
+                <a:spcPct val="130000"/>
+              </a:lnSpc>
+              <a:spcBef>
+                <a:spcPct val="0"/>
+              </a:spcBef>
+              <a:buNone/>
+              <a:defRPr sz="6000" kern="1200">
+                <a:solidFill>
+                  <a:schemeClr val="tx1"/>
+                </a:solidFill>
+                <a:effectLst>
+                  <a:outerShdw blurRad="38100" dist="38100" dir="2700000" algn="tl">
+                    <a:srgbClr val="000000">
+                      <a:alpha val="43137"/>
+                    </a:srgbClr>
+                  </a:outerShdw>
+                </a:effectLst>
+                <a:latin typeface="+mj-lt"/>
+                <a:ea typeface="+mj-ea"/>
+                <a:cs typeface="+mj-cs"/>
+              </a:defRPr>
+            </a:lvl1pPr>
+          </a:lstStyle>
+          <a:p>
+            <a:pPr marL="571500" indent="-571500" algn="l">
+              <a:lnSpc>
+                <a:spcPct val="200000"/>
+              </a:lnSpc>
+              <a:buFont typeface="Arial" panose="020B0604020202020204" pitchFamily="34" charset="0"/>
+              <a:buChar char="•"/>
+            </a:pPr>
+            <a:endParaRPr lang="pt-PT" altLang="en-US" sz="1400">
+              <a:solidFill>
+                <a:schemeClr val="tx1"/>
+              </a:solidFill>
+              <a:uFillTx/>
+              <a:latin typeface="DejaVu Math TeX Gyre" panose="02000503000000000000" charset="0"/>
+              <a:ea typeface="Arial" panose="020B0604020202020204"/>
+              <a:cs typeface="DejaVu Math TeX Gyre" panose="02000503000000000000" charset="0"/>
+              <a:sym typeface="Arial" panose="020B0604020202020204"/>
+            </a:endParaRPr>
+          </a:p>
+          <a:p>
+            <a:pPr marL="571500" indent="-571500" algn="l">
+              <a:lnSpc>
+                <a:spcPct val="200000"/>
+              </a:lnSpc>
+              <a:buFont typeface="Arial" panose="020B0604020202020204" pitchFamily="34" charset="0"/>
+              <a:buChar char="•"/>
+            </a:pPr>
+            <a:r>
+              <a:rPr lang="pt-PT" altLang="en-US" sz="1400">
+                <a:solidFill>
+                  <a:schemeClr val="tx1"/>
+                </a:solidFill>
+                <a:uFillTx/>
+                <a:latin typeface="DejaVu Math TeX Gyre" panose="02000503000000000000" charset="0"/>
+                <a:ea typeface="Arial" panose="020B0604020202020204"/>
+                <a:cs typeface="DejaVu Math TeX Gyre" panose="02000503000000000000" charset="0"/>
+                <a:sym typeface="Arial" panose="020B0604020202020204"/>
+              </a:rPr>
+              <a:t>GRIEWANGK</a:t>
+            </a:r>
+            <a:endParaRPr lang="pt-PT" altLang="en-US" sz="1400">
+              <a:solidFill>
+                <a:schemeClr val="tx1"/>
+              </a:solidFill>
+              <a:uFillTx/>
+              <a:latin typeface="DejaVu Math TeX Gyre" panose="02000503000000000000" charset="0"/>
+              <a:ea typeface="Arial" panose="020B0604020202020204"/>
+              <a:cs typeface="DejaVu Math TeX Gyre" panose="02000503000000000000" charset="0"/>
+              <a:sym typeface="Arial" panose="020B0604020202020204"/>
+            </a:endParaRPr>
+          </a:p>
+          <a:p>
+            <a:pPr marL="1028700" lvl="1" indent="-571500" algn="l">
+              <a:lnSpc>
+                <a:spcPct val="200000"/>
+              </a:lnSpc>
+              <a:buFont typeface="Arial" panose="020B0604020202020204" pitchFamily="34" charset="0"/>
+              <a:buChar char="•"/>
+            </a:pPr>
+            <a:r>
+              <a:rPr lang="pt-PT" altLang="en-US" sz="1400">
+                <a:uFillTx/>
+                <a:latin typeface="DejaVu Math TeX Gyre" panose="02000503000000000000" charset="0"/>
+                <a:ea typeface="Arial" panose="020B0604020202020204"/>
+                <a:cs typeface="DejaVu Math TeX Gyre" panose="02000503000000000000" charset="0"/>
+                <a:sym typeface="Arial" panose="020B0604020202020204"/>
+              </a:rPr>
+              <a:t>GEO = 1,25 | GEOvar = 2,75</a:t>
+            </a:r>
+            <a:r>
+              <a:rPr lang="pt-PT" altLang="en-US" sz="1400">
+                <a:solidFill>
+                  <a:schemeClr val="tx1"/>
+                </a:solidFill>
+                <a:uFillTx/>
+                <a:latin typeface="DejaVu Math TeX Gyre" panose="02000503000000000000" charset="0"/>
+                <a:ea typeface="Arial" panose="020B0604020202020204"/>
+                <a:cs typeface="DejaVu Math TeX Gyre" panose="02000503000000000000" charset="0"/>
+                <a:sym typeface="Arial" panose="020B0604020202020204"/>
+              </a:rPr>
+              <a:t> </a:t>
+            </a:r>
+            <a:endParaRPr lang="pt-PT" altLang="en-US" sz="1400">
+              <a:solidFill>
+                <a:schemeClr val="tx1"/>
+              </a:solidFill>
+              <a:uFillTx/>
+              <a:latin typeface="DejaVu Math TeX Gyre" panose="02000503000000000000" charset="0"/>
+              <a:ea typeface="Arial" panose="020B0604020202020204"/>
+              <a:cs typeface="DejaVu Math TeX Gyre" panose="02000503000000000000" charset="0"/>
+              <a:sym typeface="Arial" panose="020B0604020202020204"/>
+            </a:endParaRPr>
+          </a:p>
+          <a:p>
+            <a:pPr marL="571500" indent="-571500" algn="l">
+              <a:lnSpc>
+                <a:spcPct val="200000"/>
+              </a:lnSpc>
+              <a:buFont typeface="Arial" panose="020B0604020202020204" pitchFamily="34" charset="0"/>
+              <a:buChar char="•"/>
+            </a:pPr>
+            <a:r>
+              <a:rPr lang="pt-PT" altLang="en-US" sz="1400">
+                <a:solidFill>
+                  <a:schemeClr val="tx1"/>
+                </a:solidFill>
+                <a:uFillTx/>
+                <a:latin typeface="DejaVu Math TeX Gyre" panose="02000503000000000000" charset="0"/>
+                <a:ea typeface="Arial" panose="020B0604020202020204"/>
+                <a:cs typeface="DejaVu Math TeX Gyre" panose="02000503000000000000" charset="0"/>
+                <a:sym typeface="Arial" panose="020B0604020202020204"/>
+              </a:rPr>
+              <a:t>RASTRINGIN</a:t>
+            </a:r>
+            <a:endParaRPr lang="pt-PT" altLang="en-US" sz="1400">
+              <a:solidFill>
+                <a:schemeClr val="tx1"/>
+              </a:solidFill>
+              <a:uFillTx/>
+              <a:latin typeface="DejaVu Math TeX Gyre" panose="02000503000000000000" charset="0"/>
+              <a:ea typeface="Arial" panose="020B0604020202020204"/>
+              <a:cs typeface="DejaVu Math TeX Gyre" panose="02000503000000000000" charset="0"/>
+              <a:sym typeface="Arial" panose="020B0604020202020204"/>
+            </a:endParaRPr>
+          </a:p>
+          <a:p>
+            <a:pPr marL="1028700" lvl="1" indent="-571500" algn="l">
+              <a:lnSpc>
+                <a:spcPct val="200000"/>
+              </a:lnSpc>
+              <a:buFont typeface="Arial" panose="020B0604020202020204" pitchFamily="34" charset="0"/>
+              <a:buChar char="•"/>
+            </a:pPr>
+            <a:r>
+              <a:rPr lang="pt-PT" altLang="en-US" sz="1400">
+                <a:uFillTx/>
+                <a:latin typeface="DejaVu Math TeX Gyre" panose="02000503000000000000" charset="0"/>
+                <a:ea typeface="Arial" panose="020B0604020202020204"/>
+                <a:cs typeface="DejaVu Math TeX Gyre" panose="02000503000000000000" charset="0"/>
+                <a:sym typeface="Arial" panose="020B0604020202020204"/>
+              </a:rPr>
+              <a:t>GEO = 1,00 | GEOvar = 1,75</a:t>
+            </a:r>
+            <a:endParaRPr lang="pt-PT" altLang="en-US" sz="1400">
+              <a:solidFill>
+                <a:schemeClr val="tx1"/>
+              </a:solidFill>
+              <a:uFillTx/>
+              <a:latin typeface="DejaVu Math TeX Gyre" panose="02000503000000000000" charset="0"/>
+              <a:ea typeface="Arial" panose="020B0604020202020204"/>
+              <a:cs typeface="DejaVu Math TeX Gyre" panose="02000503000000000000" charset="0"/>
+              <a:sym typeface="Arial" panose="020B0604020202020204"/>
+            </a:endParaRPr>
+          </a:p>
+          <a:p>
+            <a:pPr marL="571500" indent="-571500" algn="l">
+              <a:lnSpc>
+                <a:spcPct val="200000"/>
+              </a:lnSpc>
+              <a:buFont typeface="Arial" panose="020B0604020202020204" pitchFamily="34" charset="0"/>
+              <a:buChar char="•"/>
+            </a:pPr>
+            <a:r>
+              <a:rPr lang="pt-PT" altLang="en-US" sz="1400">
+                <a:solidFill>
+                  <a:schemeClr val="tx1"/>
+                </a:solidFill>
+                <a:uFillTx/>
+                <a:latin typeface="DejaVu Math TeX Gyre" panose="02000503000000000000" charset="0"/>
+                <a:ea typeface="Arial" panose="020B0604020202020204"/>
+                <a:cs typeface="DejaVu Math TeX Gyre" panose="02000503000000000000" charset="0"/>
+                <a:sym typeface="Arial" panose="020B0604020202020204"/>
+              </a:rPr>
+              <a:t>ROSENBROCK</a:t>
+            </a:r>
+            <a:endParaRPr lang="pt-PT" altLang="en-US" sz="1400">
+              <a:solidFill>
+                <a:schemeClr val="tx1"/>
+              </a:solidFill>
+              <a:uFillTx/>
+              <a:latin typeface="DejaVu Math TeX Gyre" panose="02000503000000000000" charset="0"/>
+              <a:ea typeface="Arial" panose="020B0604020202020204"/>
+              <a:cs typeface="DejaVu Math TeX Gyre" panose="02000503000000000000" charset="0"/>
+              <a:sym typeface="Arial" panose="020B0604020202020204"/>
+            </a:endParaRPr>
+          </a:p>
+          <a:p>
+            <a:pPr marL="1028700" lvl="1" indent="-571500" algn="l">
+              <a:lnSpc>
+                <a:spcPct val="200000"/>
+              </a:lnSpc>
+              <a:buFont typeface="Arial" panose="020B0604020202020204" pitchFamily="34" charset="0"/>
+              <a:buChar char="•"/>
+            </a:pPr>
+            <a:r>
+              <a:rPr lang="pt-PT" altLang="en-US" sz="1400">
+                <a:uFillTx/>
+                <a:latin typeface="DejaVu Math TeX Gyre" panose="02000503000000000000" charset="0"/>
+                <a:ea typeface="Arial" panose="020B0604020202020204"/>
+                <a:cs typeface="DejaVu Math TeX Gyre" panose="02000503000000000000" charset="0"/>
+                <a:sym typeface="Arial" panose="020B0604020202020204"/>
+              </a:rPr>
+              <a:t>GEO = 1,25 | GEOvar = 1,50</a:t>
+            </a:r>
+            <a:endParaRPr lang="pt-PT" altLang="en-US" sz="1400">
+              <a:solidFill>
+                <a:schemeClr val="tx1"/>
+              </a:solidFill>
+              <a:uFillTx/>
+              <a:latin typeface="DejaVu Math TeX Gyre" panose="02000503000000000000" charset="0"/>
+              <a:ea typeface="Arial" panose="020B0604020202020204"/>
+              <a:cs typeface="DejaVu Math TeX Gyre" panose="02000503000000000000" charset="0"/>
+              <a:sym typeface="Arial" panose="020B0604020202020204"/>
+            </a:endParaRPr>
+          </a:p>
+          <a:p>
+            <a:pPr marL="571500" indent="-571500" algn="l">
+              <a:lnSpc>
+                <a:spcPct val="200000"/>
+              </a:lnSpc>
+              <a:buFont typeface="Arial" panose="020B0604020202020204" pitchFamily="34" charset="0"/>
+              <a:buChar char="•"/>
+            </a:pPr>
+            <a:r>
+              <a:rPr lang="pt-PT" altLang="en-US" sz="1400">
+                <a:solidFill>
+                  <a:schemeClr val="tx1"/>
+                </a:solidFill>
+                <a:uFillTx/>
+                <a:latin typeface="DejaVu Math TeX Gyre" panose="02000503000000000000" charset="0"/>
+                <a:ea typeface="Arial" panose="020B0604020202020204"/>
+                <a:cs typeface="DejaVu Math TeX Gyre" panose="02000503000000000000" charset="0"/>
+                <a:sym typeface="Arial" panose="020B0604020202020204"/>
+              </a:rPr>
+              <a:t>SCHWEFEL</a:t>
+            </a:r>
+            <a:endParaRPr lang="pt-PT" altLang="en-US" sz="1400">
+              <a:solidFill>
+                <a:schemeClr val="tx1"/>
+              </a:solidFill>
+              <a:uFillTx/>
+              <a:latin typeface="DejaVu Math TeX Gyre" panose="02000503000000000000" charset="0"/>
+              <a:ea typeface="Arial" panose="020B0604020202020204"/>
+              <a:cs typeface="DejaVu Math TeX Gyre" panose="02000503000000000000" charset="0"/>
+              <a:sym typeface="Arial" panose="020B0604020202020204"/>
+            </a:endParaRPr>
+          </a:p>
+          <a:p>
+            <a:pPr marL="1028700" lvl="1" indent="-571500" algn="l">
+              <a:lnSpc>
+                <a:spcPct val="200000"/>
+              </a:lnSpc>
+              <a:buFont typeface="Arial" panose="020B0604020202020204" pitchFamily="34" charset="0"/>
+              <a:buChar char="•"/>
+            </a:pPr>
+            <a:r>
+              <a:rPr lang="pt-PT" altLang="en-US" sz="1400">
+                <a:uFillTx/>
+                <a:latin typeface="DejaVu Math TeX Gyre" panose="02000503000000000000" charset="0"/>
+                <a:ea typeface="Arial" panose="020B0604020202020204"/>
+                <a:cs typeface="DejaVu Math TeX Gyre" panose="02000503000000000000" charset="0"/>
+                <a:sym typeface="Arial" panose="020B0604020202020204"/>
+              </a:rPr>
+              <a:t>GEO = 0,75  | GEOvar = 1,50</a:t>
+            </a:r>
+            <a:endParaRPr lang="pt-PT" altLang="en-US" sz="1400">
+              <a:solidFill>
+                <a:schemeClr val="tx1"/>
+              </a:solidFill>
+              <a:uFillTx/>
+              <a:latin typeface="DejaVu Math TeX Gyre" panose="02000503000000000000" charset="0"/>
+              <a:ea typeface="Arial" panose="020B0604020202020204"/>
+              <a:cs typeface="DejaVu Math TeX Gyre" panose="02000503000000000000" charset="0"/>
+              <a:sym typeface="Arial" panose="020B0604020202020204"/>
+            </a:endParaRPr>
+          </a:p>
+          <a:p>
+            <a:pPr marL="571500" indent="-571500" algn="l">
+              <a:lnSpc>
+                <a:spcPct val="200000"/>
+              </a:lnSpc>
+              <a:buFont typeface="Arial" panose="020B0604020202020204" pitchFamily="34" charset="0"/>
+              <a:buChar char="•"/>
+            </a:pPr>
+            <a:r>
+              <a:rPr lang="pt-PT" altLang="en-US" sz="1400">
+                <a:solidFill>
+                  <a:schemeClr val="tx1"/>
+                </a:solidFill>
+                <a:uFillTx/>
+                <a:latin typeface="DejaVu Math TeX Gyre" panose="02000503000000000000" charset="0"/>
+                <a:ea typeface="Arial" panose="020B0604020202020204"/>
+                <a:cs typeface="DejaVu Math TeX Gyre" panose="02000503000000000000" charset="0"/>
+                <a:sym typeface="Arial" panose="020B0604020202020204"/>
+              </a:rPr>
+              <a:t>ACKLEY</a:t>
+            </a:r>
+            <a:endParaRPr lang="pt-PT" altLang="en-US" sz="1400">
+              <a:solidFill>
+                <a:schemeClr val="tx1"/>
+              </a:solidFill>
+              <a:uFillTx/>
+              <a:latin typeface="DejaVu Math TeX Gyre" panose="02000503000000000000" charset="0"/>
+              <a:ea typeface="Arial" panose="020B0604020202020204"/>
+              <a:cs typeface="DejaVu Math TeX Gyre" panose="02000503000000000000" charset="0"/>
+              <a:sym typeface="Arial" panose="020B0604020202020204"/>
+            </a:endParaRPr>
+          </a:p>
+          <a:p>
+            <a:pPr marL="1028700" lvl="1" indent="-571500" algn="l">
+              <a:lnSpc>
+                <a:spcPct val="200000"/>
+              </a:lnSpc>
+              <a:buFont typeface="Arial" panose="020B0604020202020204" pitchFamily="34" charset="0"/>
+              <a:buChar char="•"/>
+            </a:pPr>
+            <a:r>
+              <a:rPr lang="pt-PT" altLang="en-US" sz="1400">
+                <a:uFillTx/>
+                <a:latin typeface="DejaVu Math TeX Gyre" panose="02000503000000000000" charset="0"/>
+                <a:ea typeface="Arial" panose="020B0604020202020204"/>
+                <a:cs typeface="DejaVu Math TeX Gyre" panose="02000503000000000000" charset="0"/>
+                <a:sym typeface="Arial" panose="020B0604020202020204"/>
+              </a:rPr>
+              <a:t>GEO = 3,25 | GEOvar = 2,25</a:t>
+            </a:r>
+            <a:endParaRPr lang="pt-PT" altLang="en-US" sz="1400">
+              <a:solidFill>
+                <a:schemeClr val="tx1"/>
+              </a:solidFill>
+              <a:uFillTx/>
+              <a:latin typeface="DejaVu Math TeX Gyre" panose="02000503000000000000" charset="0"/>
+              <a:ea typeface="Arial" panose="020B0604020202020204"/>
+              <a:cs typeface="DejaVu Math TeX Gyre" panose="02000503000000000000" charset="0"/>
+              <a:sym typeface="Arial" panose="020B0604020202020204"/>
+            </a:endParaRPr>
+          </a:p>
+          <a:p>
+            <a:pPr indent="0" algn="l">
+              <a:lnSpc>
+                <a:spcPct val="200000"/>
+              </a:lnSpc>
+              <a:buFont typeface="Arial" panose="020B0604020202020204" pitchFamily="34" charset="0"/>
+            </a:pPr>
+            <a:endParaRPr lang="pt-PT" altLang="en-US" sz="1400">
+              <a:solidFill>
+                <a:schemeClr val="tx1"/>
+              </a:solidFill>
+              <a:uFillTx/>
+              <a:latin typeface="DejaVu Math TeX Gyre" panose="02000503000000000000" charset="0"/>
+              <a:ea typeface="Arial" panose="020B0604020202020204"/>
+              <a:cs typeface="DejaVu Math TeX Gyre" panose="02000503000000000000" charset="0"/>
+              <a:sym typeface="Arial" panose="020B0604020202020204"/>
+            </a:endParaRPr>
+          </a:p>
+        </p:txBody>
+      </p:sp>
+      <p:sp>
+        <p:nvSpPr>
+          <p:cNvPr id="4" name="Google Shape;84;p2"/>
+          <p:cNvSpPr txBox="true">
+            <a:spLocks noGrp="true"/>
+          </p:cNvSpPr>
+          <p:nvPr/>
+        </p:nvSpPr>
+        <p:spPr>
+          <a:xfrm>
+            <a:off x="1934845" y="1031875"/>
+            <a:ext cx="8015605" cy="786130"/>
+          </a:xfrm>
+          <a:prstGeom prst="rect">
+            <a:avLst/>
+          </a:prstGeom>
+          <a:noFill/>
+          <a:ln>
+            <a:noFill/>
+          </a:ln>
+        </p:spPr>
+        <p:txBody>
+          <a:bodyPr vert="horz" wrap="square" lIns="103150" tIns="51575" rIns="103150" bIns="51575" rtlCol="0" anchor="ctr" anchorCtr="false">
+            <a:noAutofit/>
+          </a:bodyPr>
+          <a:lstStyle>
+            <a:lvl1pPr algn="ctr" defTabSz="914400" rtl="0" eaLnBrk="1" latinLnBrk="0" hangingPunct="1">
+              <a:lnSpc>
+                <a:spcPct val="130000"/>
+              </a:lnSpc>
+              <a:spcBef>
+                <a:spcPct val="0"/>
+              </a:spcBef>
+              <a:buNone/>
+              <a:defRPr sz="6000" kern="1200">
+                <a:solidFill>
+                  <a:schemeClr val="tx1"/>
+                </a:solidFill>
+                <a:effectLst>
+                  <a:outerShdw blurRad="38100" dist="38100" dir="2700000" algn="tl">
+                    <a:srgbClr val="000000">
+                      <a:alpha val="43137"/>
+                    </a:srgbClr>
+                  </a:outerShdw>
+                </a:effectLst>
+                <a:latin typeface="+mj-lt"/>
+                <a:ea typeface="+mj-ea"/>
+                <a:cs typeface="+mj-cs"/>
+              </a:defRPr>
+            </a:lvl1pPr>
+          </a:lstStyle>
+          <a:p>
+            <a:pPr indent="0" algn="l">
+              <a:lnSpc>
+                <a:spcPct val="200000"/>
+              </a:lnSpc>
+              <a:buFont typeface="Arial" panose="020B0604020202020204" pitchFamily="34" charset="0"/>
+            </a:pPr>
+            <a:r>
+              <a:rPr lang="pt-PT" altLang="en-US" sz="1600" b="1">
+                <a:solidFill>
+                  <a:schemeClr val="tx1"/>
+                </a:solidFill>
+                <a:uFillTx/>
+                <a:latin typeface="DejaVu Math TeX Gyre" panose="02000503000000000000" charset="0"/>
+                <a:ea typeface="Arial" panose="020B0604020202020204"/>
+                <a:cs typeface="DejaVu Math TeX Gyre" panose="02000503000000000000" charset="0"/>
+                <a:sym typeface="Arial" panose="020B0604020202020204"/>
+              </a:rPr>
+              <a:t>TUNING NOVO                                                        TUNING TESE (tau)</a:t>
+            </a:r>
+            <a:endParaRPr lang="pt-PT" altLang="en-US" sz="1600" b="1">
+              <a:solidFill>
+                <a:schemeClr val="tx1"/>
+              </a:solidFill>
+              <a:uFillTx/>
+              <a:latin typeface="DejaVu Math TeX Gyre" panose="02000503000000000000" charset="0"/>
+              <a:ea typeface="Arial" panose="020B0604020202020204"/>
+              <a:cs typeface="DejaVu Math TeX Gyre" panose="02000503000000000000" charset="0"/>
+              <a:sym typeface="Arial" panose="020B0604020202020204"/>
+            </a:endParaRPr>
+          </a:p>
+        </p:txBody>
+      </p:sp>
+      <p:sp>
+        <p:nvSpPr>
+          <p:cNvPr id="5" name="Google Shape;84;p2"/>
+          <p:cNvSpPr txBox="true">
+            <a:spLocks noGrp="true"/>
+          </p:cNvSpPr>
+          <p:nvPr/>
+        </p:nvSpPr>
+        <p:spPr>
+          <a:xfrm>
+            <a:off x="6756400" y="1687830"/>
+            <a:ext cx="4505960" cy="4789805"/>
+          </a:xfrm>
+          <a:prstGeom prst="rect">
+            <a:avLst/>
+          </a:prstGeom>
+          <a:noFill/>
+          <a:ln>
+            <a:noFill/>
+          </a:ln>
+        </p:spPr>
+        <p:txBody>
+          <a:bodyPr vert="horz" wrap="square" lIns="103150" tIns="51575" rIns="103150" bIns="51575" rtlCol="0" anchor="ctr" anchorCtr="false">
+            <a:noAutofit/>
+          </a:bodyPr>
+          <a:lstStyle>
+            <a:lvl1pPr algn="ctr" defTabSz="914400" rtl="0" eaLnBrk="1" latinLnBrk="0" hangingPunct="1">
+              <a:lnSpc>
+                <a:spcPct val="130000"/>
+              </a:lnSpc>
+              <a:spcBef>
+                <a:spcPct val="0"/>
+              </a:spcBef>
+              <a:buNone/>
+              <a:defRPr sz="6000" kern="1200">
+                <a:solidFill>
+                  <a:schemeClr val="tx1"/>
+                </a:solidFill>
+                <a:effectLst>
+                  <a:outerShdw blurRad="38100" dist="38100" dir="2700000" algn="tl">
+                    <a:srgbClr val="000000">
+                      <a:alpha val="43137"/>
+                    </a:srgbClr>
+                  </a:outerShdw>
+                </a:effectLst>
+                <a:latin typeface="+mj-lt"/>
+                <a:ea typeface="+mj-ea"/>
+                <a:cs typeface="+mj-cs"/>
+              </a:defRPr>
+            </a:lvl1pPr>
+          </a:lstStyle>
+          <a:p>
+            <a:pPr marL="571500" indent="-571500" algn="l">
+              <a:lnSpc>
+                <a:spcPct val="200000"/>
+              </a:lnSpc>
+              <a:buFont typeface="Arial" panose="020B0604020202020204" pitchFamily="34" charset="0"/>
+              <a:buChar char="•"/>
+            </a:pPr>
+            <a:endParaRPr lang="pt-PT" altLang="en-US" sz="1400">
+              <a:solidFill>
+                <a:schemeClr val="tx1"/>
+              </a:solidFill>
+              <a:uFillTx/>
+              <a:latin typeface="DejaVu Math TeX Gyre" panose="02000503000000000000" charset="0"/>
+              <a:ea typeface="Arial" panose="020B0604020202020204"/>
+              <a:cs typeface="DejaVu Math TeX Gyre" panose="02000503000000000000" charset="0"/>
+              <a:sym typeface="Arial" panose="020B0604020202020204"/>
+            </a:endParaRPr>
+          </a:p>
+          <a:p>
+            <a:pPr marL="571500" indent="-571500" algn="l">
+              <a:lnSpc>
+                <a:spcPct val="200000"/>
+              </a:lnSpc>
+              <a:buFont typeface="Arial" panose="020B0604020202020204" pitchFamily="34" charset="0"/>
+              <a:buChar char="•"/>
+            </a:pPr>
+            <a:r>
+              <a:rPr lang="pt-PT" altLang="en-US" sz="1400">
+                <a:solidFill>
+                  <a:schemeClr val="tx1"/>
+                </a:solidFill>
+                <a:uFillTx/>
+                <a:latin typeface="DejaVu Math TeX Gyre" panose="02000503000000000000" charset="0"/>
+                <a:ea typeface="Arial" panose="020B0604020202020204"/>
+                <a:cs typeface="DejaVu Math TeX Gyre" panose="02000503000000000000" charset="0"/>
+                <a:sym typeface="Arial" panose="020B0604020202020204"/>
+              </a:rPr>
+              <a:t>GRIEWANGK</a:t>
+            </a:r>
+            <a:endParaRPr lang="pt-PT" altLang="en-US" sz="1400">
+              <a:solidFill>
+                <a:schemeClr val="tx1"/>
+              </a:solidFill>
+              <a:uFillTx/>
+              <a:latin typeface="DejaVu Math TeX Gyre" panose="02000503000000000000" charset="0"/>
+              <a:ea typeface="Arial" panose="020B0604020202020204"/>
+              <a:cs typeface="DejaVu Math TeX Gyre" panose="02000503000000000000" charset="0"/>
+              <a:sym typeface="Arial" panose="020B0604020202020204"/>
+            </a:endParaRPr>
+          </a:p>
+          <a:p>
+            <a:pPr marL="1028700" lvl="1" indent="-571500" algn="l">
+              <a:lnSpc>
+                <a:spcPct val="200000"/>
+              </a:lnSpc>
+              <a:buFont typeface="Arial" panose="020B0604020202020204" pitchFamily="34" charset="0"/>
+              <a:buChar char="•"/>
+            </a:pPr>
+            <a:r>
+              <a:rPr lang="pt-PT" altLang="en-US" sz="1400">
+                <a:solidFill>
+                  <a:schemeClr val="tx1"/>
+                </a:solidFill>
+                <a:uFillTx/>
+                <a:latin typeface="DejaVu Math TeX Gyre" panose="02000503000000000000" charset="0"/>
+                <a:ea typeface="Arial" panose="020B0604020202020204"/>
+                <a:cs typeface="DejaVu Math TeX Gyre" panose="02000503000000000000" charset="0"/>
+                <a:sym typeface="Arial" panose="020B0604020202020204"/>
+              </a:rPr>
+              <a:t>GEO = 1,25 | GEOvar = 3,00</a:t>
+            </a:r>
+            <a:endParaRPr lang="pt-PT" altLang="en-US" sz="1400">
+              <a:solidFill>
+                <a:schemeClr val="tx1"/>
+              </a:solidFill>
+              <a:uFillTx/>
+              <a:latin typeface="DejaVu Math TeX Gyre" panose="02000503000000000000" charset="0"/>
+              <a:ea typeface="Arial" panose="020B0604020202020204"/>
+              <a:cs typeface="DejaVu Math TeX Gyre" panose="02000503000000000000" charset="0"/>
+              <a:sym typeface="Arial" panose="020B0604020202020204"/>
+            </a:endParaRPr>
+          </a:p>
+          <a:p>
+            <a:pPr marL="571500" indent="-571500" algn="l">
+              <a:lnSpc>
+                <a:spcPct val="200000"/>
+              </a:lnSpc>
+              <a:buFont typeface="Arial" panose="020B0604020202020204" pitchFamily="34" charset="0"/>
+              <a:buChar char="•"/>
+            </a:pPr>
+            <a:r>
+              <a:rPr lang="pt-PT" altLang="en-US" sz="1400">
+                <a:solidFill>
+                  <a:schemeClr val="tx1"/>
+                </a:solidFill>
+                <a:uFillTx/>
+                <a:latin typeface="DejaVu Math TeX Gyre" panose="02000503000000000000" charset="0"/>
+                <a:ea typeface="Arial" panose="020B0604020202020204"/>
+                <a:cs typeface="DejaVu Math TeX Gyre" panose="02000503000000000000" charset="0"/>
+                <a:sym typeface="Arial" panose="020B0604020202020204"/>
+              </a:rPr>
+              <a:t>RASTRINGIN</a:t>
+            </a:r>
+            <a:endParaRPr lang="pt-PT" altLang="en-US" sz="1400">
+              <a:solidFill>
+                <a:schemeClr val="tx1"/>
+              </a:solidFill>
+              <a:uFillTx/>
+              <a:latin typeface="DejaVu Math TeX Gyre" panose="02000503000000000000" charset="0"/>
+              <a:ea typeface="Arial" panose="020B0604020202020204"/>
+              <a:cs typeface="DejaVu Math TeX Gyre" panose="02000503000000000000" charset="0"/>
+              <a:sym typeface="Arial" panose="020B0604020202020204"/>
+            </a:endParaRPr>
+          </a:p>
+          <a:p>
+            <a:pPr marL="1028700" lvl="1" indent="-571500" algn="l">
+              <a:lnSpc>
+                <a:spcPct val="200000"/>
+              </a:lnSpc>
+              <a:buFont typeface="Arial" panose="020B0604020202020204" pitchFamily="34" charset="0"/>
+              <a:buChar char="•"/>
+            </a:pPr>
+            <a:r>
+              <a:rPr lang="pt-PT" altLang="en-US" sz="1400">
+                <a:uFillTx/>
+                <a:latin typeface="DejaVu Math TeX Gyre" panose="02000503000000000000" charset="0"/>
+                <a:ea typeface="Arial" panose="020B0604020202020204"/>
+                <a:cs typeface="DejaVu Math TeX Gyre" panose="02000503000000000000" charset="0"/>
+                <a:sym typeface="Arial" panose="020B0604020202020204"/>
+              </a:rPr>
+              <a:t>GEO = 1,00 | GEOvar = 1,75</a:t>
+            </a:r>
+            <a:endParaRPr lang="pt-PT" altLang="en-US" sz="1400">
+              <a:solidFill>
+                <a:schemeClr val="tx1"/>
+              </a:solidFill>
+              <a:uFillTx/>
+              <a:latin typeface="DejaVu Math TeX Gyre" panose="02000503000000000000" charset="0"/>
+              <a:ea typeface="Arial" panose="020B0604020202020204"/>
+              <a:cs typeface="DejaVu Math TeX Gyre" panose="02000503000000000000" charset="0"/>
+              <a:sym typeface="Arial" panose="020B0604020202020204"/>
+            </a:endParaRPr>
+          </a:p>
+          <a:p>
+            <a:pPr marL="571500" indent="-571500" algn="l">
+              <a:lnSpc>
+                <a:spcPct val="200000"/>
+              </a:lnSpc>
+              <a:buFont typeface="Arial" panose="020B0604020202020204" pitchFamily="34" charset="0"/>
+              <a:buChar char="•"/>
+            </a:pPr>
+            <a:r>
+              <a:rPr lang="pt-PT" altLang="en-US" sz="1400">
+                <a:solidFill>
+                  <a:schemeClr val="tx1"/>
+                </a:solidFill>
+                <a:uFillTx/>
+                <a:latin typeface="DejaVu Math TeX Gyre" panose="02000503000000000000" charset="0"/>
+                <a:ea typeface="Arial" panose="020B0604020202020204"/>
+                <a:cs typeface="DejaVu Math TeX Gyre" panose="02000503000000000000" charset="0"/>
+                <a:sym typeface="Arial" panose="020B0604020202020204"/>
+              </a:rPr>
+              <a:t>ROSENBROCK</a:t>
+            </a:r>
+            <a:endParaRPr lang="pt-PT" altLang="en-US" sz="1400">
+              <a:solidFill>
+                <a:schemeClr val="tx1"/>
+              </a:solidFill>
+              <a:uFillTx/>
+              <a:latin typeface="DejaVu Math TeX Gyre" panose="02000503000000000000" charset="0"/>
+              <a:ea typeface="Arial" panose="020B0604020202020204"/>
+              <a:cs typeface="DejaVu Math TeX Gyre" panose="02000503000000000000" charset="0"/>
+              <a:sym typeface="Arial" panose="020B0604020202020204"/>
+            </a:endParaRPr>
+          </a:p>
+          <a:p>
+            <a:pPr marL="1028700" lvl="1" indent="-571500" algn="l">
+              <a:lnSpc>
+                <a:spcPct val="200000"/>
+              </a:lnSpc>
+              <a:buFont typeface="Arial" panose="020B0604020202020204" pitchFamily="34" charset="0"/>
+              <a:buChar char="•"/>
+            </a:pPr>
+            <a:r>
+              <a:rPr lang="pt-PT" altLang="en-US" sz="1400">
+                <a:uFillTx/>
+                <a:latin typeface="DejaVu Math TeX Gyre" panose="02000503000000000000" charset="0"/>
+                <a:ea typeface="Arial" panose="020B0604020202020204"/>
+                <a:cs typeface="DejaVu Math TeX Gyre" panose="02000503000000000000" charset="0"/>
+                <a:sym typeface="Arial" panose="020B0604020202020204"/>
+              </a:rPr>
+              <a:t>GEO = 1,00 | GEOvar = 1,25</a:t>
+            </a:r>
+            <a:endParaRPr lang="pt-PT" altLang="en-US" sz="1400">
+              <a:solidFill>
+                <a:schemeClr val="tx1"/>
+              </a:solidFill>
+              <a:uFillTx/>
+              <a:latin typeface="DejaVu Math TeX Gyre" panose="02000503000000000000" charset="0"/>
+              <a:ea typeface="Arial" panose="020B0604020202020204"/>
+              <a:cs typeface="DejaVu Math TeX Gyre" panose="02000503000000000000" charset="0"/>
+              <a:sym typeface="Arial" panose="020B0604020202020204"/>
+            </a:endParaRPr>
+          </a:p>
+          <a:p>
+            <a:pPr marL="571500" indent="-571500" algn="l">
+              <a:lnSpc>
+                <a:spcPct val="200000"/>
+              </a:lnSpc>
+              <a:buFont typeface="Arial" panose="020B0604020202020204" pitchFamily="34" charset="0"/>
+              <a:buChar char="•"/>
+            </a:pPr>
+            <a:r>
+              <a:rPr lang="pt-PT" altLang="en-US" sz="1400">
+                <a:solidFill>
+                  <a:schemeClr val="tx1"/>
+                </a:solidFill>
+                <a:uFillTx/>
+                <a:latin typeface="DejaVu Math TeX Gyre" panose="02000503000000000000" charset="0"/>
+                <a:ea typeface="Arial" panose="020B0604020202020204"/>
+                <a:cs typeface="DejaVu Math TeX Gyre" panose="02000503000000000000" charset="0"/>
+                <a:sym typeface="Arial" panose="020B0604020202020204"/>
+              </a:rPr>
+              <a:t>SCHWEFEL</a:t>
+            </a:r>
+            <a:endParaRPr lang="pt-PT" altLang="en-US" sz="1400">
+              <a:solidFill>
+                <a:schemeClr val="tx1"/>
+              </a:solidFill>
+              <a:uFillTx/>
+              <a:latin typeface="DejaVu Math TeX Gyre" panose="02000503000000000000" charset="0"/>
+              <a:ea typeface="Arial" panose="020B0604020202020204"/>
+              <a:cs typeface="DejaVu Math TeX Gyre" panose="02000503000000000000" charset="0"/>
+              <a:sym typeface="Arial" panose="020B0604020202020204"/>
+            </a:endParaRPr>
+          </a:p>
+          <a:p>
+            <a:pPr marL="1028700" lvl="1" indent="-571500" algn="l">
+              <a:lnSpc>
+                <a:spcPct val="200000"/>
+              </a:lnSpc>
+              <a:buFont typeface="Arial" panose="020B0604020202020204" pitchFamily="34" charset="0"/>
+              <a:buChar char="•"/>
+            </a:pPr>
+            <a:r>
+              <a:rPr lang="pt-PT" altLang="en-US" sz="1400">
+                <a:uFillTx/>
+                <a:latin typeface="DejaVu Math TeX Gyre" panose="02000503000000000000" charset="0"/>
+                <a:ea typeface="Arial" panose="020B0604020202020204"/>
+                <a:cs typeface="DejaVu Math TeX Gyre" panose="02000503000000000000" charset="0"/>
+                <a:sym typeface="Arial" panose="020B0604020202020204"/>
+              </a:rPr>
+              <a:t>GEO = - | GEOvar = 1,75</a:t>
+            </a:r>
+            <a:endParaRPr lang="pt-PT" altLang="en-US" sz="1400">
+              <a:solidFill>
+                <a:schemeClr val="tx1"/>
+              </a:solidFill>
+              <a:uFillTx/>
+              <a:latin typeface="DejaVu Math TeX Gyre" panose="02000503000000000000" charset="0"/>
+              <a:ea typeface="Arial" panose="020B0604020202020204"/>
+              <a:cs typeface="DejaVu Math TeX Gyre" panose="02000503000000000000" charset="0"/>
+              <a:sym typeface="Arial" panose="020B0604020202020204"/>
+            </a:endParaRPr>
+          </a:p>
+          <a:p>
+            <a:pPr marL="571500" indent="-571500" algn="l">
+              <a:lnSpc>
+                <a:spcPct val="200000"/>
+              </a:lnSpc>
+              <a:buFont typeface="Arial" panose="020B0604020202020204" pitchFamily="34" charset="0"/>
+              <a:buChar char="•"/>
+            </a:pPr>
+            <a:r>
+              <a:rPr lang="pt-PT" altLang="en-US" sz="1400">
+                <a:solidFill>
+                  <a:schemeClr val="tx1"/>
+                </a:solidFill>
+                <a:uFillTx/>
+                <a:latin typeface="DejaVu Math TeX Gyre" panose="02000503000000000000" charset="0"/>
+                <a:ea typeface="Arial" panose="020B0604020202020204"/>
+                <a:cs typeface="DejaVu Math TeX Gyre" panose="02000503000000000000" charset="0"/>
+                <a:sym typeface="Arial" panose="020B0604020202020204"/>
+              </a:rPr>
+              <a:t>ACKLEY</a:t>
+            </a:r>
+            <a:endParaRPr lang="pt-PT" altLang="en-US" sz="1400">
+              <a:solidFill>
+                <a:schemeClr val="tx1"/>
+              </a:solidFill>
+              <a:uFillTx/>
+              <a:latin typeface="DejaVu Math TeX Gyre" panose="02000503000000000000" charset="0"/>
+              <a:ea typeface="Arial" panose="020B0604020202020204"/>
+              <a:cs typeface="DejaVu Math TeX Gyre" panose="02000503000000000000" charset="0"/>
+              <a:sym typeface="Arial" panose="020B0604020202020204"/>
+            </a:endParaRPr>
+          </a:p>
+          <a:p>
+            <a:pPr marL="1028700" lvl="1" indent="-571500" algn="l">
+              <a:lnSpc>
+                <a:spcPct val="200000"/>
+              </a:lnSpc>
+              <a:buFont typeface="Arial" panose="020B0604020202020204" pitchFamily="34" charset="0"/>
+              <a:buChar char="•"/>
+            </a:pPr>
+            <a:r>
+              <a:rPr lang="pt-PT" altLang="en-US" sz="1400">
+                <a:uFillTx/>
+                <a:latin typeface="DejaVu Math TeX Gyre" panose="02000503000000000000" charset="0"/>
+                <a:ea typeface="Arial" panose="020B0604020202020204"/>
+                <a:cs typeface="DejaVu Math TeX Gyre" panose="02000503000000000000" charset="0"/>
+                <a:sym typeface="Arial" panose="020B0604020202020204"/>
+              </a:rPr>
+              <a:t>GEO = 2,25 | GEOvar = 2,50</a:t>
+            </a:r>
+            <a:endParaRPr lang="pt-PT" altLang="en-US" sz="1400">
+              <a:solidFill>
+                <a:schemeClr val="tx1"/>
+              </a:solidFill>
+              <a:uFillTx/>
+              <a:latin typeface="DejaVu Math TeX Gyre" panose="02000503000000000000" charset="0"/>
+              <a:ea typeface="Arial" panose="020B0604020202020204"/>
+              <a:cs typeface="DejaVu Math TeX Gyre" panose="02000503000000000000" charset="0"/>
+              <a:sym typeface="Arial" panose="020B0604020202020204"/>
+            </a:endParaRPr>
+          </a:p>
+          <a:p>
+            <a:pPr indent="0" algn="l">
+              <a:lnSpc>
+                <a:spcPct val="200000"/>
+              </a:lnSpc>
+              <a:buFont typeface="Arial" panose="020B0604020202020204" pitchFamily="34" charset="0"/>
+            </a:pPr>
+            <a:endParaRPr lang="pt-PT" altLang="en-US" sz="1400">
+              <a:solidFill>
+                <a:schemeClr val="tx1"/>
+              </a:solidFill>
+              <a:uFillTx/>
+              <a:latin typeface="DejaVu Math TeX Gyre" panose="02000503000000000000" charset="0"/>
+              <a:ea typeface="Arial" panose="020B0604020202020204"/>
+              <a:cs typeface="DejaVu Math TeX Gyre" panose="02000503000000000000" charset="0"/>
+              <a:sym typeface="Arial" panose="020B0604020202020204"/>
+            </a:endParaRPr>
+          </a:p>
+        </p:txBody>
+      </p:sp>
+    </p:spTree>
+  </p:cSld>
+  <p:clrMapOvr>
+    <a:masterClrMapping/>
+  </p:clrMapOvr>
+</p:sld>
+</file>
+
+<file path=ppt/slides/slide6.xml><?xml version="1.0" encoding="utf-8"?>
 <p:sld xmlns:a="http://schemas.openxmlformats.org/drawingml/2006/main" xmlns:r="http://schemas.openxmlformats.org/officeDocument/2006/relationships" xmlns:p="http://schemas.openxmlformats.org/presentationml/2006/main">
   <p:cSld>
     <p:spTree>
@@ -4098,11 +7115,11 @@
           <a:p>
             <a:pPr algn="ctr"/>
             <a:r>
-              <a:rPr lang="pt-PT" altLang="pt-BR" sz="3600"/>
+              <a:rPr lang="pt-PT" altLang="pt-BR" sz="2800"/>
               <a:t>GEO</a:t>
             </a:r>
             <a:r>
-              <a:rPr lang="pt-PT" altLang="pt-BR" sz="3600" baseline="-25000">
+              <a:rPr lang="pt-PT" altLang="pt-BR" sz="2800" baseline="-25000">
                 <a:solidFill>
                   <a:schemeClr val="tx1"/>
                 </a:solidFill>
@@ -4111,25 +7128,25 @@
               <a:t>real1</a:t>
             </a:r>
             <a:r>
-              <a:rPr lang="pt-PT" altLang="pt-BR" sz="3600"/>
+              <a:rPr lang="pt-PT" altLang="pt-BR" sz="2800"/>
               <a:t> </a:t>
             </a:r>
             <a:br>
-              <a:rPr lang="pt-PT" altLang="pt-BR" sz="3600"/>
+              <a:rPr lang="pt-PT" altLang="pt-BR" sz="2800"/>
             </a:br>
             <a:r>
-              <a:rPr lang="pt-PT" altLang="pt-BR" sz="3600"/>
+              <a:rPr lang="pt-PT" altLang="pt-BR" sz="2800"/>
               <a:t>e </a:t>
             </a:r>
             <a:br>
-              <a:rPr lang="pt-PT" altLang="pt-BR" sz="3600"/>
+              <a:rPr lang="pt-PT" altLang="pt-BR" sz="2800"/>
             </a:br>
             <a:r>
-              <a:rPr lang="pt-PT" altLang="pt-BR" sz="3600"/>
+              <a:rPr lang="pt-PT" altLang="pt-BR" sz="2800"/>
               <a:t>GEO</a:t>
             </a:r>
             <a:r>
-              <a:rPr lang="pt-PT" altLang="pt-BR" sz="3600" baseline="-25000">
+              <a:rPr lang="pt-PT" altLang="pt-BR" sz="2800" baseline="-25000">
                 <a:solidFill>
                   <a:schemeClr val="tx1"/>
                 </a:solidFill>
@@ -4137,7 +7154,7 @@
               </a:rPr>
               <a:t>real2</a:t>
             </a:r>
-            <a:endParaRPr lang="pt-PT" altLang="pt-BR" sz="3600" baseline="-25000">
+            <a:endParaRPr lang="pt-PT" altLang="pt-BR" sz="2800" baseline="-25000">
               <a:solidFill>
                 <a:schemeClr val="tx1"/>
               </a:solidFill>
@@ -4159,9 +7176,9 @@
         <p:grpSpPr>
           <a:xfrm>
             <a:off x="1022350" y="4164330"/>
-            <a:ext cx="3646315" cy="1781211"/>
+            <a:ext cx="3646315" cy="1719592"/>
             <a:chOff x="1438" y="7490"/>
-            <a:chExt cx="4675" cy="2168"/>
+            <a:chExt cx="4675" cy="2093"/>
           </a:xfrm>
         </p:grpSpPr>
         <p:grpSp>
@@ -4187,7 +7204,7 @@
             <p:spPr>
               <a:xfrm>
                 <a:off x="1438" y="8239"/>
-                <a:ext cx="659" cy="560"/>
+                <a:ext cx="659" cy="485"/>
               </a:xfrm>
               <a:prstGeom prst="rect">
                 <a:avLst/>
@@ -4201,11 +7218,11 @@
               <a:p>
                 <a:pPr fontAlgn="auto"/>
                 <a:r>
-                  <a:rPr lang="pt-PT" altLang="en-US" sz="2400"/>
+                  <a:rPr lang="pt-PT" altLang="en-US" sz="2000"/>
                   <a:t>X</a:t>
                 </a:r>
                 <a:r>
-                  <a:rPr lang="pt-PT" altLang="en-US" sz="2400" baseline="-25000">
+                  <a:rPr lang="pt-PT" altLang="en-US" sz="2000" baseline="-25000">
                     <a:solidFill>
                       <a:schemeClr val="tx1"/>
                     </a:solidFill>
@@ -4213,7 +7230,7 @@
                   </a:rPr>
                   <a:t>1</a:t>
                 </a:r>
-                <a:endParaRPr lang="pt-PT" altLang="en-US" sz="2400" baseline="-25000">
+                <a:endParaRPr lang="pt-PT" altLang="en-US" sz="2000" baseline="-25000">
                   <a:solidFill>
                     <a:schemeClr val="tx1"/>
                   </a:solidFill>
@@ -4272,7 +7289,7 @@
               <a:bodyPr rtlCol="0" anchor="ctr"/>
               <a:p>
                 <a:pPr algn="ctr"/>
-                <a:endParaRPr lang="en-US" sz="2400"/>
+                <a:endParaRPr lang="en-US" sz="2000"/>
               </a:p>
             </p:txBody>
           </p:sp>
@@ -4327,7 +7344,7 @@
             <a:bodyPr rtlCol="0" anchor="ctr"/>
             <a:p>
               <a:pPr algn="ctr"/>
-              <a:endParaRPr lang="en-US" sz="2400"/>
+              <a:endParaRPr lang="en-US" sz="2000"/>
             </a:p>
           </p:txBody>
         </p:sp>
@@ -4381,7 +7398,7 @@
             <a:bodyPr rtlCol="0" anchor="ctr"/>
             <a:p>
               <a:pPr algn="ctr"/>
-              <a:endParaRPr lang="en-US" sz="2400"/>
+              <a:endParaRPr lang="en-US" sz="2000"/>
             </a:p>
           </p:txBody>
         </p:sp>
@@ -4408,7 +7425,7 @@
             <p:spPr>
               <a:xfrm>
                 <a:off x="3330" y="4997"/>
-                <a:ext cx="461" cy="560"/>
+                <a:ext cx="461" cy="485"/>
               </a:xfrm>
               <a:prstGeom prst="rect">
                 <a:avLst/>
@@ -4422,10 +7439,10 @@
               <a:p>
                 <a:pPr fontAlgn="auto"/>
                 <a:r>
-                  <a:rPr lang="pt-PT" altLang="en-US" sz="2400"/>
+                  <a:rPr lang="pt-PT" altLang="en-US" sz="2000"/>
                   <a:t>1</a:t>
                 </a:r>
-                <a:endParaRPr lang="pt-PT" altLang="en-US" sz="2400"/>
+                <a:endParaRPr lang="pt-PT" altLang="en-US" sz="2000"/>
               </a:p>
             </p:txBody>
           </p:sp>
@@ -4479,7 +7496,7 @@
               <a:bodyPr rtlCol="0" anchor="ctr"/>
               <a:p>
                 <a:pPr algn="ctr"/>
-                <a:endParaRPr lang="en-US" sz="2400"/>
+                <a:endParaRPr lang="en-US" sz="2000"/>
               </a:p>
             </p:txBody>
           </p:sp>
@@ -4527,7 +7544,7 @@
             <a:bodyPr rtlCol="0" anchor="ctr"/>
             <a:p>
               <a:pPr algn="ctr"/>
-              <a:endParaRPr lang="en-US" sz="2400"/>
+              <a:endParaRPr lang="en-US" sz="2000"/>
             </a:p>
           </p:txBody>
         </p:sp>
@@ -4540,7 +7557,7 @@
           <p:spPr>
             <a:xfrm>
               <a:off x="4570" y="7997"/>
-              <a:ext cx="756" cy="785"/>
+              <a:ext cx="756" cy="710"/>
             </a:xfrm>
             <a:prstGeom prst="rect">
               <a:avLst/>
@@ -4553,10 +7570,10 @@
             </a:bodyPr>
             <a:p>
               <a:r>
-                <a:rPr lang="pt-PT" altLang="en-US" sz="3600"/>
+                <a:rPr lang="pt-PT" altLang="en-US" sz="3200"/>
                 <a:t>...</a:t>
               </a:r>
-              <a:endParaRPr lang="pt-PT" altLang="en-US" sz="3600"/>
+              <a:endParaRPr lang="pt-PT" altLang="en-US" sz="3200"/>
             </a:p>
           </p:txBody>
         </p:sp>
@@ -4569,7 +7586,7 @@
           <p:spPr>
             <a:xfrm>
               <a:off x="2007" y="7490"/>
-              <a:ext cx="3576" cy="373"/>
+              <a:ext cx="3576" cy="335"/>
             </a:xfrm>
             <a:prstGeom prst="rect">
               <a:avLst/>
@@ -4583,10 +7600,10 @@
             <a:p>
               <a:pPr algn="ctr"/>
               <a:r>
-                <a:rPr lang="pt-PT" altLang="en-US" sz="1400" b="1"/>
+                <a:rPr lang="pt-PT" altLang="en-US" sz="1200" b="1"/>
                 <a:t>Variáveis de projeto</a:t>
               </a:r>
-              <a:endParaRPr lang="pt-PT" altLang="en-US" sz="1400" b="1"/>
+              <a:endParaRPr lang="pt-PT" altLang="en-US" sz="1200" b="1"/>
             </a:p>
           </p:txBody>
         </p:sp>
@@ -4599,7 +7616,7 @@
           <p:spPr>
             <a:xfrm>
               <a:off x="2007" y="9023"/>
-              <a:ext cx="3935" cy="635"/>
+              <a:ext cx="3935" cy="560"/>
             </a:xfrm>
             <a:prstGeom prst="rect">
               <a:avLst/>
@@ -4613,10 +7630,10 @@
             <a:p>
               <a:pPr algn="ctr"/>
               <a:r>
-                <a:rPr lang="pt-PT" altLang="en-US" sz="1400" b="1"/>
+                <a:rPr lang="pt-PT" altLang="en-US" sz="1200" b="1"/>
                 <a:t>Cada variável possui codificação real e representa uma espécie</a:t>
               </a:r>
-              <a:endParaRPr lang="pt-PT" altLang="en-US" sz="1400" b="1"/>
+              <a:endParaRPr lang="pt-PT" altLang="en-US" sz="1200" b="1"/>
             </a:p>
           </p:txBody>
         </p:sp>
@@ -4696,7 +7713,7 @@
             <a:bodyPr rtlCol="0" anchor="ctr"/>
             <a:p>
               <a:pPr algn="ctr"/>
-              <a:endParaRPr lang="en-US" sz="2400"/>
+              <a:endParaRPr lang="en-US" sz="2000"/>
             </a:p>
           </p:txBody>
         </p:sp>
@@ -4723,7 +7740,7 @@
             <p:spPr>
               <a:xfrm>
                 <a:off x="1438" y="8239"/>
-                <a:ext cx="659" cy="560"/>
+                <a:ext cx="659" cy="485"/>
               </a:xfrm>
               <a:prstGeom prst="rect">
                 <a:avLst/>
@@ -4737,11 +7754,11 @@
               <a:p>
                 <a:pPr fontAlgn="auto"/>
                 <a:r>
-                  <a:rPr lang="pt-PT" altLang="en-US" sz="2400"/>
+                  <a:rPr lang="pt-PT" altLang="en-US" sz="2000"/>
                   <a:t>X</a:t>
                 </a:r>
                 <a:r>
-                  <a:rPr lang="pt-PT" altLang="en-US" sz="2400" baseline="-25000">
+                  <a:rPr lang="pt-PT" altLang="en-US" sz="2000" baseline="-25000">
                     <a:solidFill>
                       <a:schemeClr val="tx1"/>
                     </a:solidFill>
@@ -4749,7 +7766,7 @@
                   </a:rPr>
                   <a:t>2</a:t>
                 </a:r>
-                <a:endParaRPr lang="pt-PT" altLang="en-US" sz="2400" baseline="-25000">
+                <a:endParaRPr lang="pt-PT" altLang="en-US" sz="2000" baseline="-25000">
                   <a:solidFill>
                     <a:schemeClr val="tx1"/>
                   </a:solidFill>
@@ -4808,7 +7825,7 @@
               <a:bodyPr rtlCol="0" anchor="ctr"/>
               <a:p>
                 <a:pPr algn="ctr"/>
-                <a:endParaRPr lang="en-US" sz="2400"/>
+                <a:endParaRPr lang="en-US" sz="2000"/>
               </a:p>
             </p:txBody>
           </p:sp>
@@ -4836,7 +7853,7 @@
             <p:spPr>
               <a:xfrm>
                 <a:off x="1438" y="8239"/>
-                <a:ext cx="659" cy="560"/>
+                <a:ext cx="659" cy="485"/>
               </a:xfrm>
               <a:prstGeom prst="rect">
                 <a:avLst/>
@@ -4850,11 +7867,11 @@
               <a:p>
                 <a:pPr fontAlgn="auto"/>
                 <a:r>
-                  <a:rPr lang="pt-PT" altLang="en-US" sz="2400"/>
+                  <a:rPr lang="pt-PT" altLang="en-US" sz="2000"/>
                   <a:t>X</a:t>
                 </a:r>
                 <a:r>
-                  <a:rPr lang="pt-PT" altLang="en-US" sz="2400" baseline="-25000">
+                  <a:rPr lang="pt-PT" altLang="en-US" sz="2000" baseline="-25000">
                     <a:solidFill>
                       <a:schemeClr val="tx1"/>
                     </a:solidFill>
@@ -4862,7 +7879,7 @@
                   </a:rPr>
                   <a:t>3</a:t>
                 </a:r>
-                <a:endParaRPr lang="pt-PT" altLang="en-US" sz="2400" baseline="-25000">
+                <a:endParaRPr lang="pt-PT" altLang="en-US" sz="2000" baseline="-25000">
                   <a:solidFill>
                     <a:schemeClr val="tx1"/>
                   </a:solidFill>
@@ -4921,7 +7938,7 @@
               <a:bodyPr rtlCol="0" anchor="ctr"/>
               <a:p>
                 <a:pPr algn="ctr"/>
-                <a:endParaRPr lang="en-US" sz="2400"/>
+                <a:endParaRPr lang="en-US" sz="2000"/>
               </a:p>
             </p:txBody>
           </p:sp>
@@ -4949,7 +7966,7 @@
             <p:spPr>
               <a:xfrm>
                 <a:off x="1438" y="8239"/>
-                <a:ext cx="659" cy="560"/>
+                <a:ext cx="659" cy="485"/>
               </a:xfrm>
               <a:prstGeom prst="rect">
                 <a:avLst/>
@@ -4963,11 +7980,11 @@
               <a:p>
                 <a:pPr fontAlgn="auto"/>
                 <a:r>
-                  <a:rPr lang="pt-PT" altLang="en-US" sz="2400"/>
+                  <a:rPr lang="pt-PT" altLang="en-US" sz="2000"/>
                   <a:t>X</a:t>
                 </a:r>
                 <a:r>
-                  <a:rPr lang="pt-PT" altLang="en-US" sz="2400" baseline="-25000">
+                  <a:rPr lang="pt-PT" altLang="en-US" sz="2000" baseline="-25000">
                     <a:solidFill>
                       <a:schemeClr val="tx1"/>
                     </a:solidFill>
@@ -4975,7 +7992,7 @@
                   </a:rPr>
                   <a:t>4</a:t>
                 </a:r>
-                <a:endParaRPr lang="pt-PT" altLang="en-US" sz="2400" baseline="-25000">
+                <a:endParaRPr lang="pt-PT" altLang="en-US" sz="2000" baseline="-25000">
                   <a:solidFill>
                     <a:schemeClr val="tx1"/>
                   </a:solidFill>
@@ -5034,7 +8051,7 @@
               <a:bodyPr rtlCol="0" anchor="ctr"/>
               <a:p>
                 <a:pPr algn="ctr"/>
-                <a:endParaRPr lang="en-US" sz="2400"/>
+                <a:endParaRPr lang="en-US" sz="2000"/>
               </a:p>
             </p:txBody>
           </p:sp>
@@ -5062,7 +8079,7 @@
             <p:spPr>
               <a:xfrm>
                 <a:off x="1438" y="8239"/>
-                <a:ext cx="659" cy="560"/>
+                <a:ext cx="659" cy="485"/>
               </a:xfrm>
               <a:prstGeom prst="rect">
                 <a:avLst/>
@@ -5076,11 +8093,11 @@
               <a:p>
                 <a:pPr fontAlgn="auto"/>
                 <a:r>
-                  <a:rPr lang="pt-PT" altLang="en-US" sz="2400"/>
+                  <a:rPr lang="pt-PT" altLang="en-US" sz="2000"/>
                   <a:t>X</a:t>
                 </a:r>
                 <a:r>
-                  <a:rPr lang="pt-PT" altLang="en-US" sz="2400" baseline="-25000">
+                  <a:rPr lang="pt-PT" altLang="en-US" sz="2000" baseline="-25000">
                     <a:solidFill>
                       <a:schemeClr val="tx1"/>
                     </a:solidFill>
@@ -5088,7 +8105,7 @@
                   </a:rPr>
                   <a:t>n</a:t>
                 </a:r>
-                <a:endParaRPr lang="pt-PT" altLang="en-US" sz="2400" baseline="-25000">
+                <a:endParaRPr lang="pt-PT" altLang="en-US" sz="2000" baseline="-25000">
                   <a:solidFill>
                     <a:schemeClr val="tx1"/>
                   </a:solidFill>
@@ -5147,7 +8164,7 @@
               <a:bodyPr rtlCol="0" anchor="ctr"/>
               <a:p>
                 <a:pPr algn="ctr"/>
-                <a:endParaRPr lang="en-US" sz="2400"/>
+                <a:endParaRPr lang="en-US" sz="2000"/>
               </a:p>
             </p:txBody>
           </p:sp>
@@ -5185,7 +8202,7 @@
 </p:sld>
 </file>
 
-<file path=ppt/slides/slide3.xml><?xml version="1.0" encoding="utf-8"?>
+<file path=ppt/slides/slide7.xml><?xml version="1.0" encoding="utf-8"?>
 <p:sld xmlns:a="http://schemas.openxmlformats.org/drawingml/2006/main" xmlns:r="http://schemas.openxmlformats.org/officeDocument/2006/relationships" xmlns:p="http://schemas.openxmlformats.org/presentationml/2006/main">
   <p:cSld>
     <p:spTree>
@@ -5302,8 +8319,8 @@
             </p:nvSpPr>
             <p:spPr>
               <a:xfrm>
-                <a:off x="1965960" y="1727200"/>
-                <a:ext cx="1648460" cy="3403600"/>
+                <a:off x="1898015" y="2723515"/>
+                <a:ext cx="1648460" cy="2912745"/>
               </a:xfrm>
               <a:prstGeom prst="rect">
                 <a:avLst/>
@@ -5455,8 +8472,8 @@
             </p:nvSpPr>
             <p:spPr>
               <a:xfrm>
-                <a:off x="1965960" y="1727200"/>
-                <a:ext cx="1648460" cy="3403600"/>
+                <a:off x="1898015" y="2723515"/>
+                <a:ext cx="1648460" cy="2912745"/>
               </a:xfrm>
               <a:prstGeom prst="rect">
                 <a:avLst/>
@@ -5498,7 +8515,7 @@
             </p:nvSpPr>
             <p:spPr>
               <a:xfrm>
-                <a:off x="9095105" y="1727200"/>
+                <a:off x="9065895" y="2621915"/>
                 <a:ext cx="2252980" cy="3403600"/>
               </a:xfrm>
               <a:prstGeom prst="rect">
@@ -5695,7 +8712,7 @@
                     <a:cs typeface="DejaVu Math TeX Gyre" panose="02000503000000000000" charset="0"/>
                     <a:sym typeface="Arial" panose="020B0604020202020204"/>
                   </a:rPr>
-                  <a:t>s=2</a:t>
+                  <a:t>s = 2</a:t>
                 </a:r>
                 <a:endParaRPr lang="pt-PT" altLang="en-US" sz="2400" i="1">
                   <a:solidFill>
@@ -5722,7 +8739,7 @@
             </p:nvSpPr>
             <p:spPr>
               <a:xfrm>
-                <a:off x="9095105" y="1727200"/>
+                <a:off x="9065895" y="2621915"/>
                 <a:ext cx="2252980" cy="3403600"/>
               </a:xfrm>
               <a:prstGeom prst="rect">
@@ -5753,6 +8770,200 @@
           </p:sp>
         </mc:Fallback>
       </mc:AlternateContent>
+      <p:sp>
+        <p:nvSpPr>
+          <p:cNvPr id="4" name="Google Shape;84;p2"/>
+          <p:cNvSpPr txBox="true">
+            <a:spLocks noGrp="true"/>
+          </p:cNvSpPr>
+          <p:nvPr/>
+        </p:nvSpPr>
+        <p:spPr>
+          <a:xfrm>
+            <a:off x="1031875" y="1828165"/>
+            <a:ext cx="2514600" cy="793750"/>
+          </a:xfrm>
+          <a:prstGeom prst="rect">
+            <a:avLst/>
+          </a:prstGeom>
+          <a:noFill/>
+          <a:ln>
+            <a:noFill/>
+          </a:ln>
+        </p:spPr>
+        <p:txBody>
+          <a:bodyPr vert="horz" wrap="square" lIns="103150" tIns="51575" rIns="103150" bIns="51575" rtlCol="0" anchor="ctr" anchorCtr="false">
+            <a:noAutofit/>
+          </a:bodyPr>
+          <a:lstStyle>
+            <a:lvl1pPr algn="ctr" defTabSz="914400" rtl="0" eaLnBrk="1" latinLnBrk="0" hangingPunct="1">
+              <a:lnSpc>
+                <a:spcPct val="130000"/>
+              </a:lnSpc>
+              <a:spcBef>
+                <a:spcPct val="0"/>
+              </a:spcBef>
+              <a:buNone/>
+              <a:defRPr sz="6000" kern="1200">
+                <a:solidFill>
+                  <a:schemeClr val="tx1"/>
+                </a:solidFill>
+                <a:effectLst>
+                  <a:outerShdw blurRad="38100" dist="38100" dir="2700000" algn="tl">
+                    <a:srgbClr val="000000">
+                      <a:alpha val="43137"/>
+                    </a:srgbClr>
+                  </a:outerShdw>
+                </a:effectLst>
+                <a:latin typeface="+mj-lt"/>
+                <a:ea typeface="+mj-ea"/>
+                <a:cs typeface="+mj-cs"/>
+              </a:defRPr>
+            </a:lvl1pPr>
+          </a:lstStyle>
+          <a:p>
+            <a:pPr indent="0" algn="ctr">
+              <a:lnSpc>
+                <a:spcPct val="200000"/>
+              </a:lnSpc>
+              <a:buFont typeface="Arial" panose="020B0604020202020204" pitchFamily="34" charset="0"/>
+            </a:pPr>
+            <a:r>
+              <a:rPr lang="pt-PT" altLang="en-US" sz="2400">
+                <a:solidFill>
+                  <a:schemeClr val="tx1"/>
+                </a:solidFill>
+                <a:uFillTx/>
+                <a:latin typeface="DejaVu Math TeX Gyre" panose="02000503000000000000" charset="0"/>
+                <a:ea typeface="MS Mincho" charset="0"/>
+                <a:cs typeface="DejaVu Math TeX Gyre" panose="02000503000000000000" charset="0"/>
+                <a:sym typeface="Arial" panose="020B0604020202020204"/>
+              </a:rPr>
+              <a:t>GEO</a:t>
+            </a:r>
+            <a:r>
+              <a:rPr lang="pt-PT" altLang="en-US" sz="2400" baseline="-25000">
+                <a:solidFill>
+                  <a:schemeClr val="tx1"/>
+                </a:solidFill>
+                <a:uFillTx/>
+                <a:latin typeface="DejaVu Math TeX Gyre" panose="02000503000000000000" charset="0"/>
+                <a:ea typeface="MS Mincho" charset="0"/>
+                <a:cs typeface="DejaVu Math TeX Gyre" panose="02000503000000000000" charset="0"/>
+                <a:sym typeface="Arial" panose="020B0604020202020204"/>
+              </a:rPr>
+              <a:t>real1</a:t>
+            </a:r>
+            <a:endParaRPr lang="pt-PT" altLang="en-US" sz="2400" baseline="-25000">
+              <a:solidFill>
+                <a:schemeClr val="tx1"/>
+              </a:solidFill>
+              <a:uFillTx/>
+              <a:latin typeface="DejaVu Math TeX Gyre" panose="02000503000000000000" charset="0"/>
+              <a:ea typeface="MS Mincho" charset="0"/>
+              <a:cs typeface="DejaVu Math TeX Gyre" panose="02000503000000000000" charset="0"/>
+              <a:sym typeface="Arial" panose="020B0604020202020204"/>
+            </a:endParaRPr>
+          </a:p>
+        </p:txBody>
+      </p:sp>
+      <p:sp>
+        <p:nvSpPr>
+          <p:cNvPr id="5" name="Google Shape;84;p2"/>
+          <p:cNvSpPr txBox="true">
+            <a:spLocks noGrp="true"/>
+          </p:cNvSpPr>
+          <p:nvPr/>
+        </p:nvSpPr>
+        <p:spPr>
+          <a:xfrm>
+            <a:off x="8646795" y="1828165"/>
+            <a:ext cx="2514600" cy="793750"/>
+          </a:xfrm>
+          <a:prstGeom prst="rect">
+            <a:avLst/>
+          </a:prstGeom>
+          <a:noFill/>
+          <a:ln>
+            <a:noFill/>
+          </a:ln>
+        </p:spPr>
+        <p:txBody>
+          <a:bodyPr vert="horz" wrap="square" lIns="103150" tIns="51575" rIns="103150" bIns="51575" rtlCol="0" anchor="ctr" anchorCtr="false">
+            <a:noAutofit/>
+          </a:bodyPr>
+          <a:lstStyle>
+            <a:lvl1pPr algn="ctr" defTabSz="914400" rtl="0" eaLnBrk="1" latinLnBrk="0" hangingPunct="1">
+              <a:lnSpc>
+                <a:spcPct val="130000"/>
+              </a:lnSpc>
+              <a:spcBef>
+                <a:spcPct val="0"/>
+              </a:spcBef>
+              <a:buNone/>
+              <a:defRPr sz="6000" kern="1200">
+                <a:solidFill>
+                  <a:schemeClr val="tx1"/>
+                </a:solidFill>
+                <a:effectLst>
+                  <a:outerShdw blurRad="38100" dist="38100" dir="2700000" algn="tl">
+                    <a:srgbClr val="000000">
+                      <a:alpha val="43137"/>
+                    </a:srgbClr>
+                  </a:outerShdw>
+                </a:effectLst>
+                <a:latin typeface="+mj-lt"/>
+                <a:ea typeface="+mj-ea"/>
+                <a:cs typeface="+mj-cs"/>
+              </a:defRPr>
+            </a:lvl1pPr>
+          </a:lstStyle>
+          <a:p>
+            <a:pPr indent="0" algn="ctr">
+              <a:lnSpc>
+                <a:spcPct val="200000"/>
+              </a:lnSpc>
+              <a:buFont typeface="Arial" panose="020B0604020202020204" pitchFamily="34" charset="0"/>
+            </a:pPr>
+            <a:r>
+              <a:rPr lang="pt-PT" altLang="en-US" sz="2400">
+                <a:solidFill>
+                  <a:schemeClr val="tx1"/>
+                </a:solidFill>
+                <a:uFillTx/>
+                <a:latin typeface="DejaVu Math TeX Gyre" panose="02000503000000000000" charset="0"/>
+                <a:ea typeface="MS Mincho" charset="0"/>
+                <a:cs typeface="DejaVu Math TeX Gyre" panose="02000503000000000000" charset="0"/>
+                <a:sym typeface="Arial" panose="020B0604020202020204"/>
+              </a:rPr>
+              <a:t>GEO</a:t>
+            </a:r>
+            <a:r>
+              <a:rPr lang="pt-PT" altLang="en-US" sz="2400" baseline="-25000">
+                <a:solidFill>
+                  <a:schemeClr val="tx1"/>
+                </a:solidFill>
+                <a:uFillTx/>
+                <a:latin typeface="DejaVu Math TeX Gyre" panose="02000503000000000000" charset="0"/>
+                <a:ea typeface="MS Mincho" charset="0"/>
+                <a:cs typeface="DejaVu Math TeX Gyre" panose="02000503000000000000" charset="0"/>
+                <a:sym typeface="Arial" panose="020B0604020202020204"/>
+              </a:rPr>
+              <a:t>real2</a:t>
+            </a:r>
+            <a:endParaRPr lang="pt-PT" altLang="en-US" sz="2400" baseline="-25000">
+              <a:solidFill>
+                <a:schemeClr val="tx1"/>
+              </a:solidFill>
+              <a:uFillTx/>
+              <a:latin typeface="DejaVu Math TeX Gyre" panose="02000503000000000000" charset="0"/>
+              <a:ea typeface="MS Mincho" charset="0"/>
+              <a:cs typeface="DejaVu Math TeX Gyre" panose="02000503000000000000" charset="0"/>
+              <a:sym typeface="Arial" panose="020B0604020202020204"/>
+            </a:endParaRPr>
+          </a:p>
+        </p:txBody>
+      </p:sp>
     </p:spTree>
   </p:cSld>
   <p:clrMapOvr>
@@ -5761,7 +8972,677 @@
 </p:sld>
 </file>
 
-<file path=ppt/slides/slide4.xml><?xml version="1.0" encoding="utf-8"?>
+<file path=ppt/slides/slide8.xml><?xml version="1.0" encoding="utf-8"?>
+<p:sld xmlns:a="http://schemas.openxmlformats.org/drawingml/2006/main" xmlns:r="http://schemas.openxmlformats.org/officeDocument/2006/relationships" xmlns:p="http://schemas.openxmlformats.org/presentationml/2006/main">
+  <p:cSld>
+    <p:spTree>
+      <p:nvGrpSpPr>
+        <p:cNvPr id="1" name=""/>
+        <p:cNvGrpSpPr/>
+        <p:nvPr/>
+      </p:nvGrpSpPr>
+      <p:grpSpPr/>
+      <p:pic>
+        <p:nvPicPr>
+          <p:cNvPr id="10" name="Picture 9"/>
+          <p:cNvPicPr>
+            <a:picLocks noChangeAspect="true"/>
+          </p:cNvPicPr>
+          <p:nvPr/>
+        </p:nvPicPr>
+        <p:blipFill>
+          <a:blip r:embed="rId1"/>
+          <a:srcRect b="5928"/>
+          <a:stretch>
+            <a:fillRect/>
+          </a:stretch>
+        </p:blipFill>
+        <p:spPr>
+          <a:xfrm>
+            <a:off x="635" y="-19685"/>
+            <a:ext cx="723900" cy="6872605"/>
+          </a:xfrm>
+          <a:prstGeom prst="rect">
+            <a:avLst/>
+          </a:prstGeom>
+        </p:spPr>
+      </p:pic>
+      <p:sp>
+        <p:nvSpPr>
+          <p:cNvPr id="84" name="Google Shape;84;p2"/>
+          <p:cNvSpPr txBox="true">
+            <a:spLocks noGrp="true"/>
+          </p:cNvSpPr>
+          <p:nvPr>
+            <p:ph type="title"/>
+          </p:nvPr>
+        </p:nvSpPr>
+        <p:spPr>
+          <a:xfrm>
+            <a:off x="3546475" y="-19685"/>
+            <a:ext cx="6141085" cy="1051560"/>
+          </a:xfrm>
+          <a:prstGeom prst="rect">
+            <a:avLst/>
+          </a:prstGeom>
+          <a:noFill/>
+          <a:ln>
+            <a:noFill/>
+          </a:ln>
+        </p:spPr>
+        <p:txBody>
+          <a:bodyPr spcFirstLastPara="1" wrap="square" lIns="103150" tIns="51575" rIns="103150" bIns="51575" anchor="ctr" anchorCtr="false">
+            <a:noAutofit/>
+          </a:bodyPr>
+          <a:p>
+            <a:pPr algn="ctr"/>
+            <a:r>
+              <a:rPr lang="pt-PT" altLang="pt-BR" sz="2800">
+                <a:sym typeface="+mn-ea"/>
+              </a:rPr>
+              <a:t>Tuning dos Parâmetros Livres</a:t>
+            </a:r>
+            <a:endParaRPr lang="pt-PT" altLang="pt-BR" sz="2800" baseline="-25000">
+              <a:solidFill>
+                <a:schemeClr val="tx1"/>
+              </a:solidFill>
+              <a:uFillTx/>
+              <a:latin typeface="Arial" panose="020B0604020202020204"/>
+              <a:ea typeface="Arial" panose="020B0604020202020204"/>
+              <a:cs typeface="Arial" panose="020B0604020202020204"/>
+              <a:sym typeface="Arial" panose="020B0604020202020204"/>
+            </a:endParaRPr>
+          </a:p>
+        </p:txBody>
+      </p:sp>
+      <mc:AlternateContent xmlns:mc="http://schemas.openxmlformats.org/markup-compatibility/2006">
+        <mc:Choice xmlns:a14="http://schemas.microsoft.com/office/drawing/2010/main" Requires="a14">
+          <p:sp>
+            <p:nvSpPr>
+              <p:cNvPr id="3" name="Google Shape;84;p2"/>
+              <p:cNvSpPr txBox="true">
+                <a:spLocks noGrp="true"/>
+              </p:cNvSpPr>
+              <p:nvPr/>
+            </p:nvSpPr>
+            <p:spPr>
+              <a:xfrm>
+                <a:off x="981710" y="1021715"/>
+                <a:ext cx="8706485" cy="4789805"/>
+              </a:xfrm>
+              <a:prstGeom prst="rect">
+                <a:avLst/>
+              </a:prstGeom>
+              <a:noFill/>
+              <a:ln>
+                <a:noFill/>
+              </a:ln>
+            </p:spPr>
+            <p:txBody>
+              <a:bodyPr vert="horz" wrap="square" lIns="103150" tIns="51575" rIns="103150" bIns="51575" rtlCol="0" anchor="ctr" anchorCtr="false">
+                <a:noAutofit/>
+              </a:bodyPr>
+              <a:lstStyle>
+                <a:lvl1pPr algn="ctr" defTabSz="914400" rtl="0" eaLnBrk="1" latinLnBrk="0" hangingPunct="1">
+                  <a:lnSpc>
+                    <a:spcPct val="130000"/>
+                  </a:lnSpc>
+                  <a:spcBef>
+                    <a:spcPct val="0"/>
+                  </a:spcBef>
+                  <a:buNone/>
+                  <a:defRPr sz="6000" kern="1200">
+                    <a:solidFill>
+                      <a:schemeClr val="tx1"/>
+                    </a:solidFill>
+                    <a:effectLst>
+                      <a:outerShdw blurRad="38100" dist="38100" dir="2700000" algn="tl">
+                        <a:srgbClr val="000000">
+                          <a:alpha val="43137"/>
+                        </a:srgbClr>
+                      </a:outerShdw>
+                    </a:effectLst>
+                    <a:latin typeface="+mj-lt"/>
+                    <a:ea typeface="+mj-ea"/>
+                    <a:cs typeface="+mj-cs"/>
+                  </a:defRPr>
+                </a:lvl1pPr>
+              </a:lstStyle>
+              <a:p>
+                <a:pPr marL="571500" indent="-571500" algn="l">
+                  <a:lnSpc>
+                    <a:spcPct val="150000"/>
+                  </a:lnSpc>
+                  <a:buFont typeface="Arial" panose="020B0604020202020204" pitchFamily="34" charset="0"/>
+                  <a:buChar char="•"/>
+                </a:pPr>
+                <a:r>
+                  <a:rPr lang="pt-PT" altLang="en-US" sz="2000" b="1">
+                    <a:solidFill>
+                      <a:schemeClr val="tx1"/>
+                    </a:solidFill>
+                    <a:uFillTx/>
+                    <a:latin typeface="DejaVu Math TeX Gyre" panose="02000503000000000000" charset="0"/>
+                    <a:ea typeface="Arial" panose="020B0604020202020204"/>
+                    <a:cs typeface="DejaVu Math TeX Gyre" panose="02000503000000000000" charset="0"/>
+                    <a:sym typeface="Arial" panose="020B0604020202020204"/>
+                  </a:rPr>
+                  <a:t>GEOreal1:</a:t>
+                </a:r>
+                <a:endParaRPr lang="en-US" altLang="pt-PT" sz="2000" b="1" i="1">
+                  <a:solidFill>
+                    <a:schemeClr val="tx1"/>
+                  </a:solidFill>
+                  <a:uFillTx/>
+                  <a:latin typeface="DejaVu Math TeX Gyre" panose="02000503000000000000" charset="0"/>
+                  <a:ea typeface="Arial" panose="020B0604020202020204"/>
+                  <a:cs typeface="DejaVu Math TeX Gyre" panose="02000503000000000000" charset="0"/>
+                  <a:sym typeface="Arial" panose="020B0604020202020204"/>
+                </a:endParaRPr>
+              </a:p>
+              <a:p>
+                <a:pPr marL="1028700" lvl="1" indent="-571500" algn="l">
+                  <a:lnSpc>
+                    <a:spcPct val="150000"/>
+                  </a:lnSpc>
+                  <a:buFont typeface="Arial" panose="020B0604020202020204" pitchFamily="34" charset="0"/>
+                  <a:buChar char="•"/>
+                </a:pPr>
+                <a14:m>
+                  <m:oMath xmlns:m="http://schemas.openxmlformats.org/officeDocument/2006/math">
+                    <m:r>
+                      <a:rPr lang="en-US" altLang="pt-PT" sz="2000" b="1" i="1">
+                        <a:solidFill>
+                          <a:schemeClr val="tx1"/>
+                        </a:solidFill>
+                        <a:uFillTx/>
+                        <a:latin typeface="DejaVu Math TeX Gyre" panose="02000503000000000000" charset="0"/>
+                        <a:ea typeface="Arial" panose="020B0604020202020204"/>
+                        <a:cs typeface="DejaVu Math TeX Gyre" panose="02000503000000000000" charset="0"/>
+                        <a:sym typeface="Arial" panose="020B0604020202020204"/>
+                      </a:rPr>
+                      <m:t>𝝉</m:t>
+                    </m:r>
+                  </m:oMath>
+                </a14:m>
+                <a:r>
+                  <a:rPr lang="pt-PT" altLang="en-US" sz="2000" b="1">
+                    <a:solidFill>
+                      <a:schemeClr val="tx1"/>
+                    </a:solidFill>
+                    <a:uFillTx/>
+                    <a:latin typeface="DejaVu Math TeX Gyre" panose="02000503000000000000" charset="0"/>
+                    <a:ea typeface="Arial" panose="020B0604020202020204"/>
+                    <a:cs typeface="DejaVu Math TeX Gyre" panose="02000503000000000000" charset="0"/>
+                    <a:sym typeface="Arial" panose="020B0604020202020204"/>
+                  </a:rPr>
+                  <a:t>:</a:t>
+                </a:r>
+                <a:r>
+                  <a:rPr lang="pt-PT" altLang="en-US" sz="2000">
+                    <a:solidFill>
+                      <a:schemeClr val="tx1"/>
+                    </a:solidFill>
+                    <a:uFillTx/>
+                    <a:latin typeface="DejaVu Math TeX Gyre" panose="02000503000000000000" charset="0"/>
+                    <a:ea typeface="Arial" panose="020B0604020202020204"/>
+                    <a:cs typeface="DejaVu Math TeX Gyre" panose="02000503000000000000" charset="0"/>
+                    <a:sym typeface="Arial" panose="020B0604020202020204"/>
+                  </a:rPr>
+                  <a:t> {0.5, 1.0, 1.5, 2.0, 2.5, 3.0, 3.5, 4.0, 4.5, 5.0, 5.5, 6.0, 6.5, 7.0, 7.5, 8.0}</a:t>
+                </a:r>
+                <a:endParaRPr lang="pt-PT" altLang="en-US" sz="2000" i="1">
+                  <a:solidFill>
+                    <a:schemeClr val="tx1"/>
+                  </a:solidFill>
+                  <a:uFillTx/>
+                  <a:latin typeface="DejaVu Math TeX Gyre" panose="02000503000000000000" charset="0"/>
+                  <a:ea typeface="Arial" panose="020B0604020202020204"/>
+                  <a:cs typeface="DejaVu Math TeX Gyre" panose="02000503000000000000" charset="0"/>
+                  <a:sym typeface="Arial" panose="020B0604020202020204"/>
+                </a:endParaRPr>
+              </a:p>
+              <a:p>
+                <a:pPr marL="1028700" lvl="1" indent="-571500" algn="l">
+                  <a:lnSpc>
+                    <a:spcPct val="150000"/>
+                  </a:lnSpc>
+                  <a:buFont typeface="Arial" panose="020B0604020202020204" pitchFamily="34" charset="0"/>
+                  <a:buChar char="•"/>
+                </a:pPr>
+                <a14:m>
+                  <m:oMath xmlns:m="http://schemas.openxmlformats.org/officeDocument/2006/math">
+                    <m:r>
+                      <a:rPr lang="en-US" altLang="pt-PT" sz="2000" b="1" i="1">
+                        <a:solidFill>
+                          <a:schemeClr val="tx1"/>
+                        </a:solidFill>
+                        <a:uFillTx/>
+                        <a:latin typeface="DejaVu Math TeX Gyre" panose="02000503000000000000" charset="0"/>
+                        <a:ea typeface="MS Mincho" charset="0"/>
+                        <a:cs typeface="DejaVu Math TeX Gyre" panose="02000503000000000000" charset="0"/>
+                        <a:sym typeface="Arial" panose="020B0604020202020204"/>
+                      </a:rPr>
+                      <m:t>𝝈</m:t>
+                    </m:r>
+                  </m:oMath>
+                </a14:m>
+                <a:r>
+                  <a:rPr lang="pt-PT" altLang="en-US" sz="2000" b="1">
+                    <a:solidFill>
+                      <a:schemeClr val="tx1"/>
+                    </a:solidFill>
+                    <a:uFillTx/>
+                    <a:latin typeface="DejaVu Math TeX Gyre" panose="02000503000000000000" charset="0"/>
+                    <a:ea typeface="MS Mincho" charset="0"/>
+                    <a:cs typeface="DejaVu Math TeX Gyre" panose="02000503000000000000" charset="0"/>
+                    <a:sym typeface="Arial" panose="020B0604020202020204"/>
+                  </a:rPr>
+                  <a:t>:</a:t>
+                </a:r>
+                <a:r>
+                  <a:rPr lang="pt-PT" altLang="en-US" sz="2000">
+                    <a:solidFill>
+                      <a:schemeClr val="tx1"/>
+                    </a:solidFill>
+                    <a:uFillTx/>
+                    <a:latin typeface="DejaVu Math TeX Gyre" panose="02000503000000000000" charset="0"/>
+                    <a:ea typeface="MS Mincho" charset="0"/>
+                    <a:cs typeface="DejaVu Math TeX Gyre" panose="02000503000000000000" charset="0"/>
+                    <a:sym typeface="Arial" panose="020B0604020202020204"/>
+                  </a:rPr>
+                  <a:t> {0.2, 0.4, 0.6, 0.8, 1.0, 1.2, 1.4, 1.6, 1.8, 2.0} </a:t>
+                </a:r>
+                <a:endParaRPr lang="pt-PT" altLang="en-US" sz="2000">
+                  <a:solidFill>
+                    <a:schemeClr val="tx1"/>
+                  </a:solidFill>
+                  <a:uFillTx/>
+                  <a:latin typeface="DejaVu Math TeX Gyre" panose="02000503000000000000" charset="0"/>
+                  <a:ea typeface="MS Mincho" charset="0"/>
+                  <a:cs typeface="DejaVu Math TeX Gyre" panose="02000503000000000000" charset="0"/>
+                  <a:sym typeface="Arial" panose="020B0604020202020204"/>
+                </a:endParaRPr>
+              </a:p>
+              <a:p>
+                <a:pPr marL="1028700" lvl="1" indent="-571500" algn="l">
+                  <a:lnSpc>
+                    <a:spcPct val="150000"/>
+                  </a:lnSpc>
+                  <a:buFont typeface="Arial" panose="020B0604020202020204" pitchFamily="34" charset="0"/>
+                  <a:buChar char="•"/>
+                </a:pPr>
+                <a:endParaRPr lang="pt-PT" altLang="en-US" sz="2000">
+                  <a:solidFill>
+                    <a:schemeClr val="tx1"/>
+                  </a:solidFill>
+                  <a:uFillTx/>
+                  <a:latin typeface="DejaVu Math TeX Gyre" panose="02000503000000000000" charset="0"/>
+                  <a:ea typeface="MS Mincho" charset="0"/>
+                  <a:cs typeface="DejaVu Math TeX Gyre" panose="02000503000000000000" charset="0"/>
+                  <a:sym typeface="Arial" panose="020B0604020202020204"/>
+                </a:endParaRPr>
+              </a:p>
+              <a:p>
+                <a:pPr marL="571500" indent="-571500" algn="l">
+                  <a:lnSpc>
+                    <a:spcPct val="150000"/>
+                  </a:lnSpc>
+                  <a:buFont typeface="Arial" panose="020B0604020202020204" pitchFamily="34" charset="0"/>
+                  <a:buChar char="•"/>
+                </a:pPr>
+                <a:r>
+                  <a:rPr lang="pt-PT" altLang="en-US" sz="2000" b="1">
+                    <a:uFillTx/>
+                    <a:latin typeface="DejaVu Math TeX Gyre" panose="02000503000000000000" charset="0"/>
+                    <a:ea typeface="Arial" panose="020B0604020202020204"/>
+                    <a:cs typeface="DejaVu Math TeX Gyre" panose="02000503000000000000" charset="0"/>
+                    <a:sym typeface="Arial" panose="020B0604020202020204"/>
+                  </a:rPr>
+                  <a:t>GEOreal2:</a:t>
+                </a:r>
+                <a:endParaRPr lang="en-US" altLang="pt-PT" sz="2000" i="1">
+                  <a:solidFill>
+                    <a:schemeClr val="tx1"/>
+                  </a:solidFill>
+                  <a:uFillTx/>
+                  <a:latin typeface="DejaVu Math TeX Gyre" panose="02000503000000000000" charset="0"/>
+                  <a:ea typeface="Arial" panose="020B0604020202020204"/>
+                  <a:cs typeface="DejaVu Math TeX Gyre" panose="02000503000000000000" charset="0"/>
+                  <a:sym typeface="Arial" panose="020B0604020202020204"/>
+                </a:endParaRPr>
+              </a:p>
+              <a:p>
+                <a:pPr marL="1028700" lvl="1" indent="-571500" algn="l">
+                  <a:lnSpc>
+                    <a:spcPct val="150000"/>
+                  </a:lnSpc>
+                  <a:buFont typeface="Arial" panose="020B0604020202020204" pitchFamily="34" charset="0"/>
+                  <a:buChar char="•"/>
+                </a:pPr>
+                <a14:m>
+                  <m:oMath xmlns:m="http://schemas.openxmlformats.org/officeDocument/2006/math">
+                    <m:r>
+                      <a:rPr lang="en-US" altLang="pt-PT" sz="2000" b="1" i="1">
+                        <a:solidFill>
+                          <a:schemeClr val="tx1"/>
+                        </a:solidFill>
+                        <a:uFillTx/>
+                        <a:latin typeface="DejaVu Math TeX Gyre" panose="02000503000000000000" charset="0"/>
+                        <a:ea typeface="Arial" panose="020B0604020202020204"/>
+                        <a:cs typeface="DejaVu Math TeX Gyre" panose="02000503000000000000" charset="0"/>
+                        <a:sym typeface="Arial" panose="020B0604020202020204"/>
+                      </a:rPr>
+                      <m:t>𝝉</m:t>
+                    </m:r>
+                  </m:oMath>
+                </a14:m>
+                <a:r>
+                  <a:rPr lang="pt-PT" altLang="en-US" sz="2000" b="1">
+                    <a:uFillTx/>
+                    <a:latin typeface="DejaVu Math TeX Gyre" panose="02000503000000000000" charset="0"/>
+                    <a:ea typeface="Arial" panose="020B0604020202020204"/>
+                    <a:cs typeface="DejaVu Math TeX Gyre" panose="02000503000000000000" charset="0"/>
+                    <a:sym typeface="Arial" panose="020B0604020202020204"/>
+                  </a:rPr>
+                  <a:t>:</a:t>
+                </a:r>
+                <a:r>
+                  <a:rPr lang="pt-PT" altLang="en-US" sz="2000">
+                    <a:uFillTx/>
+                    <a:latin typeface="DejaVu Math TeX Gyre" panose="02000503000000000000" charset="0"/>
+                    <a:ea typeface="Arial" panose="020B0604020202020204"/>
+                    <a:cs typeface="DejaVu Math TeX Gyre" panose="02000503000000000000" charset="0"/>
+                    <a:sym typeface="Arial" panose="020B0604020202020204"/>
+                  </a:rPr>
+                  <a:t> {0.5, 1.0, 1.5, 2.0, 2.5, 3.0, 3.5, 4.0, 4.5, 5.0, 5.5, 6.0, 6.5, 7.0}</a:t>
+                </a:r>
+                <a:endParaRPr lang="en-US" altLang="pt-PT" sz="2000" i="1">
+                  <a:solidFill>
+                    <a:schemeClr val="tx1"/>
+                  </a:solidFill>
+                  <a:uFillTx/>
+                  <a:latin typeface="DejaVu Math TeX Gyre" panose="02000503000000000000" charset="0"/>
+                  <a:ea typeface="Arial" panose="020B0604020202020204"/>
+                  <a:cs typeface="DejaVu Math TeX Gyre" panose="02000503000000000000" charset="0"/>
+                  <a:sym typeface="Arial" panose="020B0604020202020204"/>
+                </a:endParaRPr>
+              </a:p>
+              <a:p>
+                <a:pPr marL="1028700" lvl="1" indent="-571500" algn="l">
+                  <a:lnSpc>
+                    <a:spcPct val="150000"/>
+                  </a:lnSpc>
+                  <a:buFont typeface="Arial" panose="020B0604020202020204" pitchFamily="34" charset="0"/>
+                  <a:buChar char="•"/>
+                </a:pPr>
+                <a14:m>
+                  <m:oMath xmlns:m="http://schemas.openxmlformats.org/officeDocument/2006/math">
+                    <m:sSub>
+                      <m:sSubPr>
+                        <m:ctrlPr>
+                          <a:rPr lang="en-US" altLang="pt-PT" sz="2000" b="1" i="1">
+                            <a:solidFill>
+                              <a:schemeClr val="tx1"/>
+                            </a:solidFill>
+                            <a:uFillTx/>
+                            <a:latin typeface="DejaVu Math TeX Gyre" panose="02000503000000000000" charset="0"/>
+                            <a:ea typeface="MS Mincho" charset="0"/>
+                            <a:cs typeface="DejaVu Math TeX Gyre" panose="02000503000000000000" charset="0"/>
+                            <a:sym typeface="Arial" panose="020B0604020202020204"/>
+                          </a:rPr>
+                        </m:ctrlPr>
+                      </m:sSubPr>
+                      <m:e>
+                        <m:r>
+                          <a:rPr lang="en-US" altLang="pt-PT" sz="2000" b="1" i="1">
+                            <a:solidFill>
+                              <a:schemeClr val="tx1"/>
+                            </a:solidFill>
+                            <a:uFillTx/>
+                            <a:latin typeface="DejaVu Math TeX Gyre" panose="02000503000000000000" charset="0"/>
+                            <a:ea typeface="MS Mincho" charset="0"/>
+                            <a:cs typeface="DejaVu Math TeX Gyre" panose="02000503000000000000" charset="0"/>
+                            <a:sym typeface="Arial" panose="020B0604020202020204"/>
+                          </a:rPr>
+                          <m:t>𝝈</m:t>
+                        </m:r>
+                      </m:e>
+                      <m:sub>
+                        <m:r>
+                          <a:rPr lang="en-US" altLang="pt-PT" sz="2000" b="1" i="1">
+                            <a:solidFill>
+                              <a:schemeClr val="tx1"/>
+                            </a:solidFill>
+                            <a:uFillTx/>
+                            <a:latin typeface="DejaVu Math TeX Gyre" panose="02000503000000000000" charset="0"/>
+                            <a:ea typeface="MS Mincho" charset="0"/>
+                            <a:cs typeface="DejaVu Math TeX Gyre" panose="02000503000000000000" charset="0"/>
+                            <a:sym typeface="Arial" panose="020B0604020202020204"/>
+                          </a:rPr>
+                          <m:t>𝟏</m:t>
+                        </m:r>
+                      </m:sub>
+                    </m:sSub>
+                  </m:oMath>
+                </a14:m>
+                <a:r>
+                  <a:rPr lang="pt-PT" altLang="en-US" sz="2000" b="1">
+                    <a:uFillTx/>
+                    <a:latin typeface="DejaVu Math TeX Gyre" panose="02000503000000000000" charset="0"/>
+                    <a:ea typeface="MS Mincho" charset="0"/>
+                    <a:cs typeface="DejaVu Math TeX Gyre" panose="02000503000000000000" charset="0"/>
+                    <a:sym typeface="Arial" panose="020B0604020202020204"/>
+                  </a:rPr>
+                  <a:t>:</a:t>
+                </a:r>
+                <a:r>
+                  <a:rPr lang="pt-PT" altLang="en-US" sz="2000">
+                    <a:uFillTx/>
+                    <a:latin typeface="DejaVu Math TeX Gyre" panose="02000503000000000000" charset="0"/>
+                    <a:ea typeface="MS Mincho" charset="0"/>
+                    <a:cs typeface="DejaVu Math TeX Gyre" panose="02000503000000000000" charset="0"/>
+                    <a:sym typeface="Arial" panose="020B0604020202020204"/>
+                  </a:rPr>
+                  <a:t> {1, 2, 4, 8}</a:t>
+                </a:r>
+                <a:endParaRPr lang="en-US" altLang="pt-PT" sz="2000" i="1">
+                  <a:solidFill>
+                    <a:schemeClr val="tx1"/>
+                  </a:solidFill>
+                  <a:uFillTx/>
+                  <a:latin typeface="DejaVu Math TeX Gyre" panose="02000503000000000000" charset="0"/>
+                  <a:ea typeface="MS Mincho" charset="0"/>
+                  <a:cs typeface="DejaVu Math TeX Gyre" panose="02000503000000000000" charset="0"/>
+                  <a:sym typeface="Arial" panose="020B0604020202020204"/>
+                </a:endParaRPr>
+              </a:p>
+              <a:p>
+                <a:pPr marL="1028700" lvl="1" indent="-571500" algn="l">
+                  <a:lnSpc>
+                    <a:spcPct val="150000"/>
+                  </a:lnSpc>
+                  <a:buFont typeface="Arial" panose="020B0604020202020204" pitchFamily="34" charset="0"/>
+                  <a:buChar char="•"/>
+                </a:pPr>
+                <a:r>
+                  <a:rPr lang="pt-PT" altLang="en-US" sz="2000" b="1" i="1">
+                    <a:uFillTx/>
+                    <a:latin typeface="DejaVu Math TeX Gyre" panose="02000503000000000000" charset="0"/>
+                    <a:ea typeface="MS Mincho" charset="0"/>
+                    <a:cs typeface="DejaVu Math TeX Gyre" panose="02000503000000000000" charset="0"/>
+                    <a:sym typeface="Arial" panose="020B0604020202020204"/>
+                  </a:rPr>
+                  <a:t>P </a:t>
+                </a:r>
+                <a:r>
+                  <a:rPr lang="pt-PT" altLang="en-US" sz="2000" b="1">
+                    <a:uFillTx/>
+                    <a:latin typeface="DejaVu Math TeX Gyre" panose="02000503000000000000" charset="0"/>
+                    <a:ea typeface="MS Mincho" charset="0"/>
+                    <a:cs typeface="DejaVu Math TeX Gyre" panose="02000503000000000000" charset="0"/>
+                    <a:sym typeface="Arial" panose="020B0604020202020204"/>
+                  </a:rPr>
+                  <a:t>: </a:t>
+                </a:r>
+                <a:r>
+                  <a:rPr lang="pt-PT" altLang="en-US" sz="2000">
+                    <a:uFillTx/>
+                    <a:latin typeface="DejaVu Math TeX Gyre" panose="02000503000000000000" charset="0"/>
+                    <a:ea typeface="MS Mincho" charset="0"/>
+                    <a:cs typeface="DejaVu Math TeX Gyre" panose="02000503000000000000" charset="0"/>
+                    <a:sym typeface="Arial" panose="020B0604020202020204"/>
+                  </a:rPr>
+                  <a:t>{8, 16}</a:t>
+                </a:r>
+                <a:endParaRPr lang="pt-PT" altLang="en-US" sz="2000">
+                  <a:uFillTx/>
+                  <a:latin typeface="DejaVu Math TeX Gyre" panose="02000503000000000000" charset="0"/>
+                  <a:ea typeface="MS Mincho" charset="0"/>
+                  <a:cs typeface="DejaVu Math TeX Gyre" panose="02000503000000000000" charset="0"/>
+                  <a:sym typeface="Arial" panose="020B0604020202020204"/>
+                </a:endParaRPr>
+              </a:p>
+              <a:p>
+                <a:pPr marL="1028700" lvl="1" indent="-571500" algn="l">
+                  <a:lnSpc>
+                    <a:spcPct val="150000"/>
+                  </a:lnSpc>
+                  <a:buFont typeface="Arial" panose="020B0604020202020204" pitchFamily="34" charset="0"/>
+                  <a:buChar char="•"/>
+                </a:pPr>
+                <a:r>
+                  <a:rPr lang="pt-PT" altLang="en-US" sz="2000" b="1" i="1">
+                    <a:uFillTx/>
+                    <a:latin typeface="DejaVu Math TeX Gyre" panose="02000503000000000000" charset="0"/>
+                    <a:ea typeface="MS Mincho" charset="0"/>
+                    <a:cs typeface="DejaVu Math TeX Gyre" panose="02000503000000000000" charset="0"/>
+                    <a:sym typeface="Arial" panose="020B0604020202020204"/>
+                  </a:rPr>
+                  <a:t>s:</a:t>
+                </a:r>
+                <a:r>
+                  <a:rPr lang="pt-PT" altLang="en-US" sz="2000" i="1">
+                    <a:uFillTx/>
+                    <a:latin typeface="DejaVu Math TeX Gyre" panose="02000503000000000000" charset="0"/>
+                    <a:ea typeface="MS Mincho" charset="0"/>
+                    <a:cs typeface="DejaVu Math TeX Gyre" panose="02000503000000000000" charset="0"/>
+                    <a:sym typeface="Arial" panose="020B0604020202020204"/>
+                  </a:rPr>
+                  <a:t> </a:t>
+                </a:r>
+                <a:r>
+                  <a:rPr lang="pt-PT" altLang="en-US" sz="2000">
+                    <a:uFillTx/>
+                    <a:latin typeface="DejaVu Math TeX Gyre" panose="02000503000000000000" charset="0"/>
+                    <a:ea typeface="MS Mincho" charset="0"/>
+                    <a:cs typeface="DejaVu Math TeX Gyre" panose="02000503000000000000" charset="0"/>
+                    <a:sym typeface="Arial" panose="020B0604020202020204"/>
+                  </a:rPr>
+                  <a:t>{1, 2} </a:t>
+                </a:r>
+                <a14:m>
+                  <m:oMath xmlns:m="http://schemas.openxmlformats.org/officeDocument/2006/math">
+                    <m:r>
+                      <a:rPr lang="en-US" altLang="pt-PT" sz="2000" i="1">
+                        <a:solidFill>
+                          <a:schemeClr val="tx1"/>
+                        </a:solidFill>
+                        <a:uFillTx/>
+                        <a:latin typeface="DejaVu Math TeX Gyre" panose="02000503000000000000" charset="0"/>
+                        <a:ea typeface="MS Mincho" charset="0"/>
+                        <a:cs typeface="DejaVu Math TeX Gyre" panose="02000503000000000000" charset="0"/>
+                        <a:sym typeface="Arial" panose="020B0604020202020204"/>
+                      </a:rPr>
+                      <m:t>→</m:t>
+                    </m:r>
+                  </m:oMath>
+                </a14:m>
+                <a:r>
+                  <a:rPr lang="pt-PT" altLang="en-US" sz="2000" i="1">
+                    <a:uFillTx/>
+                    <a:latin typeface="DejaVu Math TeX Gyre" panose="02000503000000000000" charset="0"/>
+                    <a:ea typeface="MS Mincho" charset="0"/>
+                    <a:cs typeface="DejaVu Math TeX Gyre" panose="02000503000000000000" charset="0"/>
+                    <a:sym typeface="Arial" panose="020B0604020202020204"/>
+                  </a:rPr>
+                  <a:t> </a:t>
+                </a:r>
+                <a:r>
+                  <a:rPr lang="pt-PT" altLang="en-US" sz="2000">
+                    <a:uFillTx/>
+                    <a:latin typeface="DejaVu Math TeX Gyre" panose="02000503000000000000" charset="0"/>
+                    <a:ea typeface="MS Mincho" charset="0"/>
+                    <a:cs typeface="DejaVu Math TeX Gyre" panose="02000503000000000000" charset="0"/>
+                    <a:sym typeface="Arial" panose="020B0604020202020204"/>
+                  </a:rPr>
+                  <a:t>GEOreal2 possui s=2</a:t>
+                </a:r>
+                <a:endParaRPr lang="pt-PT" altLang="en-US" sz="2000">
+                  <a:solidFill>
+                    <a:schemeClr val="tx1"/>
+                  </a:solidFill>
+                  <a:uFillTx/>
+                  <a:latin typeface="DejaVu Math TeX Gyre" panose="02000503000000000000" charset="0"/>
+                  <a:ea typeface="MS Mincho" charset="0"/>
+                  <a:cs typeface="DejaVu Math TeX Gyre" panose="02000503000000000000" charset="0"/>
+                  <a:sym typeface="Arial" panose="020B0604020202020204"/>
+                </a:endParaRPr>
+              </a:p>
+            </p:txBody>
+          </p:sp>
+        </mc:Choice>
+        <mc:Fallback>
+          <p:sp>
+            <p:nvSpPr>
+              <p:cNvPr id="3" name="Google Shape;84;p2"/>
+              <p:cNvSpPr txBox="true">
+                <a:spLocks noRot="true" noChangeAspect="true" noMove="true" noResize="true" noEditPoints="true" noAdjustHandles="true" noChangeArrowheads="true" noChangeShapeType="true" noTextEdit="true"/>
+              </p:cNvSpPr>
+              <p:nvPr/>
+            </p:nvSpPr>
+            <p:spPr>
+              <a:xfrm>
+                <a:off x="981710" y="1021715"/>
+                <a:ext cx="8706485" cy="4789805"/>
+              </a:xfrm>
+              <a:prstGeom prst="rect">
+                <a:avLst/>
+              </a:prstGeom>
+              <a:blipFill rotWithShape="true">
+                <a:blip r:embed="rId2"/>
+                <a:stretch>
+                  <a:fillRect t="-2492" b="-2506"/>
+                </a:stretch>
+              </a:blipFill>
+              <a:ln>
+                <a:noFill/>
+              </a:ln>
+            </p:spPr>
+            <p:txBody>
+              <a:bodyPr/>
+              <a:lstStyle/>
+              <a:p>
+                <a:r>
+                  <a:rPr lang="en-US" altLang="en-US">
+                    <a:noFill/>
+                  </a:rPr>
+                  <a:t> </a:t>
+                </a:r>
+              </a:p>
+            </p:txBody>
+          </p:sp>
+        </mc:Fallback>
+      </mc:AlternateContent>
+    </p:spTree>
+  </p:cSld>
+  <p:clrMapOvr>
+    <a:masterClrMapping/>
+  </p:clrMapOvr>
+</p:sld>
+</file>
+
+<file path=ppt/slides/slide9.xml><?xml version="1.0" encoding="utf-8"?>
 <p:sld xmlns:a="http://schemas.openxmlformats.org/drawingml/2006/main" xmlns:r="http://schemas.openxmlformats.org/officeDocument/2006/relationships" xmlns:p="http://schemas.openxmlformats.org/presentationml/2006/main">
   <p:cSld>
     <p:spTree>
@@ -5842,323 +9723,6 @@
           </a:p>
         </p:txBody>
       </p:sp>
-      <mc:AlternateContent xmlns:mc="http://schemas.openxmlformats.org/markup-compatibility/2006">
-        <mc:Choice xmlns:a14="http://schemas.microsoft.com/office/drawing/2010/main" Requires="a14">
-          <p:sp>
-            <p:nvSpPr>
-              <p:cNvPr id="3" name="Google Shape;84;p2"/>
-              <p:cNvSpPr txBox="true">
-                <a:spLocks noGrp="true"/>
-              </p:cNvSpPr>
-              <p:nvPr/>
-            </p:nvSpPr>
-            <p:spPr>
-              <a:xfrm>
-                <a:off x="981710" y="1021715"/>
-                <a:ext cx="8706485" cy="4789805"/>
-              </a:xfrm>
-              <a:prstGeom prst="rect">
-                <a:avLst/>
-              </a:prstGeom>
-              <a:noFill/>
-              <a:ln>
-                <a:noFill/>
-              </a:ln>
-            </p:spPr>
-            <p:txBody>
-              <a:bodyPr vert="horz" wrap="square" lIns="103150" tIns="51575" rIns="103150" bIns="51575" rtlCol="0" anchor="ctr" anchorCtr="false">
-                <a:noAutofit/>
-              </a:bodyPr>
-              <a:lstStyle>
-                <a:lvl1pPr algn="ctr" defTabSz="914400" rtl="0" eaLnBrk="1" latinLnBrk="0" hangingPunct="1">
-                  <a:lnSpc>
-                    <a:spcPct val="130000"/>
-                  </a:lnSpc>
-                  <a:spcBef>
-                    <a:spcPct val="0"/>
-                  </a:spcBef>
-                  <a:buNone/>
-                  <a:defRPr sz="6000" kern="1200">
-                    <a:solidFill>
-                      <a:schemeClr val="tx1"/>
-                    </a:solidFill>
-                    <a:effectLst>
-                      <a:outerShdw blurRad="38100" dist="38100" dir="2700000" algn="tl">
-                        <a:srgbClr val="000000">
-                          <a:alpha val="43137"/>
-                        </a:srgbClr>
-                      </a:outerShdw>
-                    </a:effectLst>
-                    <a:latin typeface="+mj-lt"/>
-                    <a:ea typeface="+mj-ea"/>
-                    <a:cs typeface="+mj-cs"/>
-                  </a:defRPr>
-                </a:lvl1pPr>
-              </a:lstStyle>
-              <a:p>
-                <a:pPr marL="571500" indent="-571500" algn="l">
-                  <a:lnSpc>
-                    <a:spcPct val="200000"/>
-                  </a:lnSpc>
-                  <a:buFont typeface="Arial" panose="020B0604020202020204" pitchFamily="34" charset="0"/>
-                  <a:buChar char="•"/>
-                </a:pPr>
-                <a:r>
-                  <a:rPr lang="pt-PT" altLang="en-US" sz="2400">
-                    <a:solidFill>
-                      <a:schemeClr val="tx1"/>
-                    </a:solidFill>
-                    <a:uFillTx/>
-                    <a:latin typeface="DejaVu Math TeX Gyre" panose="02000503000000000000" charset="0"/>
-                    <a:ea typeface="Arial" panose="020B0604020202020204"/>
-                    <a:cs typeface="DejaVu Math TeX Gyre" panose="02000503000000000000" charset="0"/>
-                    <a:sym typeface="Arial" panose="020B0604020202020204"/>
-                  </a:rPr>
-                  <a:t>Tuning:</a:t>
-                </a:r>
-                <a:endParaRPr lang="en-US" altLang="pt-PT" sz="2400" i="1">
-                  <a:solidFill>
-                    <a:schemeClr val="tx1"/>
-                  </a:solidFill>
-                  <a:uFillTx/>
-                  <a:latin typeface="DejaVu Math TeX Gyre" panose="02000503000000000000" charset="0"/>
-                  <a:ea typeface="Arial" panose="020B0604020202020204"/>
-                  <a:cs typeface="DejaVu Math TeX Gyre" panose="02000503000000000000" charset="0"/>
-                  <a:sym typeface="Arial" panose="020B0604020202020204"/>
-                </a:endParaRPr>
-              </a:p>
-              <a:p>
-                <a:pPr marL="1028700" lvl="1" indent="-571500" algn="l">
-                  <a:lnSpc>
-                    <a:spcPct val="200000"/>
-                  </a:lnSpc>
-                  <a:buFont typeface="Arial" panose="020B0604020202020204" pitchFamily="34" charset="0"/>
-                  <a:buChar char="•"/>
-                </a:pPr>
-                <a14:m>
-                  <m:oMath xmlns:m="http://schemas.openxmlformats.org/officeDocument/2006/math">
-                    <m:r>
-                      <a:rPr lang="en-US" altLang="pt-PT" sz="2000" i="1">
-                        <a:solidFill>
-                          <a:schemeClr val="tx1"/>
-                        </a:solidFill>
-                        <a:uFillTx/>
-                        <a:latin typeface="DejaVu Math TeX Gyre" panose="02000503000000000000" charset="0"/>
-                        <a:ea typeface="Arial" panose="020B0604020202020204"/>
-                        <a:cs typeface="DejaVu Math TeX Gyre" panose="02000503000000000000" charset="0"/>
-                        <a:sym typeface="Arial" panose="020B0604020202020204"/>
-                      </a:rPr>
-                      <m:t>𝜏</m:t>
-                    </m:r>
-                  </m:oMath>
-                </a14:m>
-                <a:r>
-                  <a:rPr lang="pt-PT" altLang="en-US" sz="2000">
-                    <a:solidFill>
-                      <a:schemeClr val="tx1"/>
-                    </a:solidFill>
-                    <a:uFillTx/>
-                    <a:latin typeface="DejaVu Math TeX Gyre" panose="02000503000000000000" charset="0"/>
-                    <a:ea typeface="Arial" panose="020B0604020202020204"/>
-                    <a:cs typeface="DejaVu Math TeX Gyre" panose="02000503000000000000" charset="0"/>
-                    <a:sym typeface="Arial" panose="020B0604020202020204"/>
-                  </a:rPr>
-                  <a:t>: {0.25, 0.5, 0.75, 1.0, 1.25, 1.5, 1.75, 2.0, 2.25, 2.5, 2.75, 3.0, 3.25, 3.5, 3.75, 4.0, 4.25, 4.5, 4.75, 5.0, 5.25, 5.5, 5.75, 6.0, 6.25, 6.5, 6.75, 7.0, 7.25, 7.5, 7.75, 8}</a:t>
-                </a:r>
-                <a:endParaRPr lang="en-US" altLang="pt-PT" sz="2000" i="1">
-                  <a:solidFill>
-                    <a:schemeClr val="tx1"/>
-                  </a:solidFill>
-                  <a:uFillTx/>
-                  <a:latin typeface="DejaVu Math TeX Gyre" panose="02000503000000000000" charset="0"/>
-                  <a:ea typeface="Arial" panose="020B0604020202020204"/>
-                  <a:cs typeface="DejaVu Math TeX Gyre" panose="02000503000000000000" charset="0"/>
-                  <a:sym typeface="Arial" panose="020B0604020202020204"/>
-                </a:endParaRPr>
-              </a:p>
-              <a:p>
-                <a:pPr marL="1028700" lvl="1" indent="-571500" algn="l">
-                  <a:lnSpc>
-                    <a:spcPct val="200000"/>
-                  </a:lnSpc>
-                  <a:buFont typeface="Arial" panose="020B0604020202020204" pitchFamily="34" charset="0"/>
-                  <a:buChar char="•"/>
-                </a:pPr>
-                <a14:m>
-                  <m:oMath xmlns:m="http://schemas.openxmlformats.org/officeDocument/2006/math">
-                    <m:r>
-                      <a:rPr lang="en-US" altLang="pt-PT" sz="2000" i="1">
-                        <a:solidFill>
-                          <a:schemeClr val="tx1"/>
-                        </a:solidFill>
-                        <a:uFillTx/>
-                        <a:latin typeface="DejaVu Math TeX Gyre" panose="02000503000000000000" charset="0"/>
-                        <a:ea typeface="MS Mincho" charset="0"/>
-                        <a:cs typeface="DejaVu Math TeX Gyre" panose="02000503000000000000" charset="0"/>
-                        <a:sym typeface="Arial" panose="020B0604020202020204"/>
-                      </a:rPr>
-                      <m:t>𝜎</m:t>
-                    </m:r>
-                  </m:oMath>
-                </a14:m>
-                <a:r>
-                  <a:rPr lang="pt-PT" altLang="en-US" sz="2000">
-                    <a:solidFill>
-                      <a:schemeClr val="tx1"/>
-                    </a:solidFill>
-                    <a:uFillTx/>
-                    <a:latin typeface="DejaVu Math TeX Gyre" panose="02000503000000000000" charset="0"/>
-                    <a:ea typeface="MS Mincho" charset="0"/>
-                    <a:cs typeface="DejaVu Math TeX Gyre" panose="02000503000000000000" charset="0"/>
-                    <a:sym typeface="Arial" panose="020B0604020202020204"/>
-                  </a:rPr>
-                  <a:t>: 1</a:t>
-                </a:r>
-                <a:endParaRPr lang="pt-PT" altLang="en-US" sz="2000">
-                  <a:solidFill>
-                    <a:schemeClr val="tx1"/>
-                  </a:solidFill>
-                  <a:uFillTx/>
-                  <a:latin typeface="DejaVu Math TeX Gyre" panose="02000503000000000000" charset="0"/>
-                  <a:ea typeface="MS Mincho" charset="0"/>
-                  <a:cs typeface="DejaVu Math TeX Gyre" panose="02000503000000000000" charset="0"/>
-                  <a:sym typeface="Arial" panose="020B0604020202020204"/>
-                </a:endParaRPr>
-              </a:p>
-            </p:txBody>
-          </p:sp>
-        </mc:Choice>
-        <mc:Fallback>
-          <p:sp>
-            <p:nvSpPr>
-              <p:cNvPr id="3" name="Google Shape;84;p2"/>
-              <p:cNvSpPr txBox="true">
-                <a:spLocks noRot="true" noChangeAspect="true" noMove="true" noResize="true" noEditPoints="true" noAdjustHandles="true" noChangeArrowheads="true" noChangeShapeType="true" noTextEdit="true"/>
-              </p:cNvSpPr>
-              <p:nvPr/>
-            </p:nvSpPr>
-            <p:spPr>
-              <a:xfrm>
-                <a:off x="981710" y="1021715"/>
-                <a:ext cx="8706485" cy="4789805"/>
-              </a:xfrm>
-              <a:prstGeom prst="rect">
-                <a:avLst/>
-              </a:prstGeom>
-              <a:blipFill rotWithShape="true">
-                <a:blip r:embed="rId2"/>
-                <a:stretch>
-                  <a:fillRect/>
-                </a:stretch>
-              </a:blipFill>
-              <a:ln>
-                <a:noFill/>
-              </a:ln>
-            </p:spPr>
-            <p:txBody>
-              <a:bodyPr/>
-              <a:lstStyle/>
-              <a:p>
-                <a:r>
-                  <a:rPr lang="en-US" altLang="en-US">
-                    <a:noFill/>
-                  </a:rPr>
-                  <a:t> </a:t>
-                </a:r>
-              </a:p>
-            </p:txBody>
-          </p:sp>
-        </mc:Fallback>
-      </mc:AlternateContent>
-    </p:spTree>
-  </p:cSld>
-  <p:clrMapOvr>
-    <a:masterClrMapping/>
-  </p:clrMapOvr>
-</p:sld>
-</file>
-
-<file path=ppt/slides/slide5.xml><?xml version="1.0" encoding="utf-8"?>
-<p:sld xmlns:a="http://schemas.openxmlformats.org/drawingml/2006/main" xmlns:r="http://schemas.openxmlformats.org/officeDocument/2006/relationships" xmlns:p="http://schemas.openxmlformats.org/presentationml/2006/main">
-  <p:cSld>
-    <p:spTree>
-      <p:nvGrpSpPr>
-        <p:cNvPr id="1" name=""/>
-        <p:cNvGrpSpPr/>
-        <p:nvPr/>
-      </p:nvGrpSpPr>
-      <p:grpSpPr/>
-      <p:pic>
-        <p:nvPicPr>
-          <p:cNvPr id="10" name="Picture 9"/>
-          <p:cNvPicPr>
-            <a:picLocks noChangeAspect="true"/>
-          </p:cNvPicPr>
-          <p:nvPr/>
-        </p:nvPicPr>
-        <p:blipFill>
-          <a:blip r:embed="rId1"/>
-          <a:srcRect b="5928"/>
-          <a:stretch>
-            <a:fillRect/>
-          </a:stretch>
-        </p:blipFill>
-        <p:spPr>
-          <a:xfrm>
-            <a:off x="635" y="-19685"/>
-            <a:ext cx="723900" cy="6872605"/>
-          </a:xfrm>
-          <a:prstGeom prst="rect">
-            <a:avLst/>
-          </a:prstGeom>
-        </p:spPr>
-      </p:pic>
-      <p:sp>
-        <p:nvSpPr>
-          <p:cNvPr id="84" name="Google Shape;84;p2"/>
-          <p:cNvSpPr txBox="true">
-            <a:spLocks noGrp="true"/>
-          </p:cNvSpPr>
-          <p:nvPr>
-            <p:ph type="title"/>
-          </p:nvPr>
-        </p:nvSpPr>
-        <p:spPr>
-          <a:xfrm>
-            <a:off x="3546475" y="-19685"/>
-            <a:ext cx="5100320" cy="1051560"/>
-          </a:xfrm>
-          <a:prstGeom prst="rect">
-            <a:avLst/>
-          </a:prstGeom>
-          <a:noFill/>
-          <a:ln>
-            <a:noFill/>
-          </a:ln>
-        </p:spPr>
-        <p:txBody>
-          <a:bodyPr spcFirstLastPara="1" wrap="square" lIns="103150" tIns="51575" rIns="103150" bIns="51575" anchor="ctr" anchorCtr="false">
-            <a:noAutofit/>
-          </a:bodyPr>
-          <a:p>
-            <a:pPr algn="ctr"/>
-            <a:r>
-              <a:rPr lang="pt-PT" altLang="pt-BR" sz="2800"/>
-              <a:t>GEOreal1</a:t>
-            </a:r>
-            <a:endParaRPr lang="pt-PT" altLang="pt-BR" sz="2800" baseline="-25000">
-              <a:solidFill>
-                <a:schemeClr val="tx1"/>
-              </a:solidFill>
-              <a:uFillTx/>
-              <a:latin typeface="Arial" panose="020B0604020202020204"/>
-              <a:ea typeface="Arial" panose="020B0604020202020204"/>
-              <a:cs typeface="Arial" panose="020B0604020202020204"/>
-              <a:sym typeface="Arial" panose="020B0604020202020204"/>
-            </a:endParaRPr>
-          </a:p>
-        </p:txBody>
-      </p:sp>
       <p:sp>
         <p:nvSpPr>
           <p:cNvPr id="3" name="Google Shape;84;p2"/>
@@ -6280,7 +9844,7 @@
                 <a:cs typeface="DejaVu Math TeX Gyre" panose="02000503000000000000" charset="0"/>
                 <a:sym typeface="Arial" panose="020B0604020202020204"/>
               </a:rPr>
-              <a:t>std = 1,5</a:t>
+              <a:t>std = 1,2  |  tau = 1,5 </a:t>
             </a:r>
             <a:endParaRPr lang="pt-PT" altLang="en-US" sz="1400">
               <a:solidFill>
@@ -6335,16 +9899,13 @@
             </a:pPr>
             <a:r>
               <a:rPr lang="pt-PT" altLang="en-US" sz="1400">
-                <a:solidFill>
-                  <a:schemeClr val="tx1"/>
-                </a:solidFill>
                 <a:uFillTx/>
                 <a:latin typeface="DejaVu Math TeX Gyre" panose="02000503000000000000" charset="0"/>
                 <a:ea typeface="Arial" panose="020B0604020202020204"/>
                 <a:cs typeface="DejaVu Math TeX Gyre" panose="02000503000000000000" charset="0"/>
                 <a:sym typeface="Arial" panose="020B0604020202020204"/>
               </a:rPr>
-              <a:t>std = 1,5</a:t>
+              <a:t>std = 0,8  |  tau = 1,5</a:t>
             </a:r>
             <a:endParaRPr lang="pt-PT" altLang="en-US" sz="1400">
               <a:solidFill>
@@ -6408,7 +9969,7 @@
                 <a:cs typeface="DejaVu Math TeX Gyre" panose="02000503000000000000" charset="0"/>
                 <a:sym typeface="Arial" panose="020B0604020202020204"/>
               </a:rPr>
-              <a:t>std = 6,25</a:t>
+              <a:t>std = 2,4  |  tau = 5,5</a:t>
             </a:r>
             <a:endParaRPr lang="pt-PT" altLang="en-US" sz="1400">
               <a:solidFill>
@@ -6472,7 +10033,7 @@
                 <a:cs typeface="DejaVu Math TeX Gyre" panose="02000503000000000000" charset="0"/>
                 <a:sym typeface="Arial" panose="020B0604020202020204"/>
               </a:rPr>
-              <a:t>std = 5,25</a:t>
+              <a:t>std = 1,8  |  tau = 8,0</a:t>
             </a:r>
             <a:endParaRPr lang="pt-PT" altLang="en-US" sz="1400">
               <a:solidFill>
@@ -6536,7 +10097,7 @@
                 <a:cs typeface="DejaVu Math TeX Gyre" panose="02000503000000000000" charset="0"/>
                 <a:sym typeface="Arial" panose="020B0604020202020204"/>
               </a:rPr>
-              <a:t>std = 0,75 </a:t>
+              <a:t>std = 0,8  |  tau = 1,0</a:t>
             </a:r>
             <a:endParaRPr lang="pt-PT" altLang="en-US" sz="1400">
               <a:solidFill>
@@ -6638,7 +10199,7 @@
                 <a:cs typeface="DejaVu Math TeX Gyre" panose="02000503000000000000" charset="0"/>
                 <a:sym typeface="Arial" panose="020B0604020202020204"/>
               </a:rPr>
-              <a:t>TUNING NOVO                                                              TUNING IGOR</a:t>
+              <a:t>TUNING NOVO                                                        TUNING IGOR (std = 1)</a:t>
             </a:r>
             <a:endParaRPr lang="pt-PT" altLang="en-US" sz="1600" b="1">
               <a:solidFill>
@@ -6774,7 +10335,7 @@
                 <a:cs typeface="DejaVu Math TeX Gyre" panose="02000503000000000000" charset="0"/>
                 <a:sym typeface="Arial" panose="020B0604020202020204"/>
               </a:rPr>
-              <a:t>std1 = 1,25</a:t>
+              <a:t>tau = 1,25</a:t>
             </a:r>
             <a:endParaRPr lang="pt-PT" altLang="en-US" sz="1400">
               <a:solidFill>
@@ -6838,7 +10399,7 @@
                 <a:cs typeface="DejaVu Math TeX Gyre" panose="02000503000000000000" charset="0"/>
                 <a:sym typeface="Arial" panose="020B0604020202020204"/>
               </a:rPr>
-              <a:t>std = 1,75</a:t>
+              <a:t>tau = 1,75</a:t>
             </a:r>
             <a:endParaRPr lang="pt-PT" altLang="en-US" sz="1400">
               <a:solidFill>
@@ -6902,7 +10463,7 @@
                 <a:cs typeface="DejaVu Math TeX Gyre" panose="02000503000000000000" charset="0"/>
                 <a:sym typeface="Arial" panose="020B0604020202020204"/>
               </a:rPr>
-              <a:t>std = </a:t>
+              <a:t>-</a:t>
             </a:r>
             <a:endParaRPr lang="pt-PT" altLang="en-US" sz="1400">
               <a:solidFill>
@@ -6966,7 +10527,7 @@
                 <a:cs typeface="DejaVu Math TeX Gyre" panose="02000503000000000000" charset="0"/>
                 <a:sym typeface="Arial" panose="020B0604020202020204"/>
               </a:rPr>
-              <a:t>std = 6,25</a:t>
+              <a:t>tau = 6,25</a:t>
             </a:r>
             <a:endParaRPr lang="pt-PT" altLang="en-US" sz="1400">
               <a:solidFill>
@@ -7030,7 +10591,7 @@
                 <a:cs typeface="DejaVu Math TeX Gyre" panose="02000503000000000000" charset="0"/>
                 <a:sym typeface="Arial" panose="020B0604020202020204"/>
               </a:rPr>
-              <a:t>std = </a:t>
+              <a:t>-</a:t>
             </a:r>
             <a:endParaRPr lang="pt-PT" altLang="en-US" sz="1400">
               <a:solidFill>
@@ -7051,1482 +10612,6 @@
               <a:buFont typeface="Arial" panose="020B0604020202020204" pitchFamily="34" charset="0"/>
             </a:pPr>
             <a:endParaRPr lang="pt-PT" altLang="en-US" sz="1400">
-              <a:solidFill>
-                <a:schemeClr val="tx1"/>
-              </a:solidFill>
-              <a:uFillTx/>
-              <a:latin typeface="DejaVu Math TeX Gyre" panose="02000503000000000000" charset="0"/>
-              <a:ea typeface="Arial" panose="020B0604020202020204"/>
-              <a:cs typeface="DejaVu Math TeX Gyre" panose="02000503000000000000" charset="0"/>
-              <a:sym typeface="Arial" panose="020B0604020202020204"/>
-            </a:endParaRPr>
-          </a:p>
-        </p:txBody>
-      </p:sp>
-    </p:spTree>
-  </p:cSld>
-  <p:clrMapOvr>
-    <a:masterClrMapping/>
-  </p:clrMapOvr>
-</p:sld>
-</file>
-
-<file path=ppt/slides/slide6.xml><?xml version="1.0" encoding="utf-8"?>
-<p:sld xmlns:a="http://schemas.openxmlformats.org/drawingml/2006/main" xmlns:r="http://schemas.openxmlformats.org/officeDocument/2006/relationships" xmlns:p="http://schemas.openxmlformats.org/presentationml/2006/main">
-  <p:cSld>
-    <p:spTree>
-      <p:nvGrpSpPr>
-        <p:cNvPr id="1" name=""/>
-        <p:cNvGrpSpPr/>
-        <p:nvPr/>
-      </p:nvGrpSpPr>
-      <p:grpSpPr/>
-      <p:pic>
-        <p:nvPicPr>
-          <p:cNvPr id="10" name="Picture 9"/>
-          <p:cNvPicPr>
-            <a:picLocks noChangeAspect="true"/>
-          </p:cNvPicPr>
-          <p:nvPr/>
-        </p:nvPicPr>
-        <p:blipFill>
-          <a:blip r:embed="rId1"/>
-          <a:srcRect b="5928"/>
-          <a:stretch>
-            <a:fillRect/>
-          </a:stretch>
-        </p:blipFill>
-        <p:spPr>
-          <a:xfrm>
-            <a:off x="635" y="-19685"/>
-            <a:ext cx="723900" cy="6872605"/>
-          </a:xfrm>
-          <a:prstGeom prst="rect">
-            <a:avLst/>
-          </a:prstGeom>
-        </p:spPr>
-      </p:pic>
-      <p:sp>
-        <p:nvSpPr>
-          <p:cNvPr id="84" name="Google Shape;84;p2"/>
-          <p:cNvSpPr txBox="true">
-            <a:spLocks noGrp="true"/>
-          </p:cNvSpPr>
-          <p:nvPr>
-            <p:ph type="title"/>
-          </p:nvPr>
-        </p:nvSpPr>
-        <p:spPr>
-          <a:xfrm>
-            <a:off x="3546475" y="-19685"/>
-            <a:ext cx="5100320" cy="1051560"/>
-          </a:xfrm>
-          <a:prstGeom prst="rect">
-            <a:avLst/>
-          </a:prstGeom>
-          <a:noFill/>
-          <a:ln>
-            <a:noFill/>
-          </a:ln>
-        </p:spPr>
-        <p:txBody>
-          <a:bodyPr spcFirstLastPara="1" wrap="square" lIns="103150" tIns="51575" rIns="103150" bIns="51575" anchor="ctr" anchorCtr="false">
-            <a:noAutofit/>
-          </a:bodyPr>
-          <a:p>
-            <a:pPr algn="ctr"/>
-            <a:r>
-              <a:rPr lang="pt-PT" altLang="pt-BR" sz="2800"/>
-              <a:t>GEOreal2</a:t>
-            </a:r>
-            <a:endParaRPr lang="pt-PT" altLang="pt-BR" sz="2800" baseline="-25000">
-              <a:solidFill>
-                <a:schemeClr val="tx1"/>
-              </a:solidFill>
-              <a:uFillTx/>
-              <a:latin typeface="Arial" panose="020B0604020202020204"/>
-              <a:ea typeface="Arial" panose="020B0604020202020204"/>
-              <a:cs typeface="Arial" panose="020B0604020202020204"/>
-              <a:sym typeface="Arial" panose="020B0604020202020204"/>
-            </a:endParaRPr>
-          </a:p>
-        </p:txBody>
-      </p:sp>
-      <mc:AlternateContent xmlns:mc="http://schemas.openxmlformats.org/markup-compatibility/2006">
-        <mc:Choice xmlns:a14="http://schemas.microsoft.com/office/drawing/2010/main" Requires="a14">
-          <p:sp>
-            <p:nvSpPr>
-              <p:cNvPr id="3" name="Google Shape;84;p2"/>
-              <p:cNvSpPr txBox="true">
-                <a:spLocks noGrp="true"/>
-              </p:cNvSpPr>
-              <p:nvPr/>
-            </p:nvSpPr>
-            <p:spPr>
-              <a:xfrm>
-                <a:off x="981710" y="1021715"/>
-                <a:ext cx="8706485" cy="4789805"/>
-              </a:xfrm>
-              <a:prstGeom prst="rect">
-                <a:avLst/>
-              </a:prstGeom>
-              <a:noFill/>
-              <a:ln>
-                <a:noFill/>
-              </a:ln>
-            </p:spPr>
-            <p:txBody>
-              <a:bodyPr vert="horz" wrap="square" lIns="103150" tIns="51575" rIns="103150" bIns="51575" rtlCol="0" anchor="ctr" anchorCtr="false">
-                <a:noAutofit/>
-              </a:bodyPr>
-              <a:lstStyle>
-                <a:lvl1pPr algn="ctr" defTabSz="914400" rtl="0" eaLnBrk="1" latinLnBrk="0" hangingPunct="1">
-                  <a:lnSpc>
-                    <a:spcPct val="130000"/>
-                  </a:lnSpc>
-                  <a:spcBef>
-                    <a:spcPct val="0"/>
-                  </a:spcBef>
-                  <a:buNone/>
-                  <a:defRPr sz="6000" kern="1200">
-                    <a:solidFill>
-                      <a:schemeClr val="tx1"/>
-                    </a:solidFill>
-                    <a:effectLst>
-                      <a:outerShdw blurRad="38100" dist="38100" dir="2700000" algn="tl">
-                        <a:srgbClr val="000000">
-                          <a:alpha val="43137"/>
-                        </a:srgbClr>
-                      </a:outerShdw>
-                    </a:effectLst>
-                    <a:latin typeface="+mj-lt"/>
-                    <a:ea typeface="+mj-ea"/>
-                    <a:cs typeface="+mj-cs"/>
-                  </a:defRPr>
-                </a:lvl1pPr>
-              </a:lstStyle>
-              <a:p>
-                <a:pPr marL="571500" indent="-571500" algn="l">
-                  <a:lnSpc>
-                    <a:spcPct val="200000"/>
-                  </a:lnSpc>
-                  <a:buFont typeface="Arial" panose="020B0604020202020204" pitchFamily="34" charset="0"/>
-                  <a:buChar char="•"/>
-                </a:pPr>
-                <a:r>
-                  <a:rPr lang="pt-PT" altLang="en-US" sz="2400">
-                    <a:solidFill>
-                      <a:schemeClr val="tx1"/>
-                    </a:solidFill>
-                    <a:uFillTx/>
-                    <a:latin typeface="DejaVu Math TeX Gyre" panose="02000503000000000000" charset="0"/>
-                    <a:ea typeface="Arial" panose="020B0604020202020204"/>
-                    <a:cs typeface="DejaVu Math TeX Gyre" panose="02000503000000000000" charset="0"/>
-                    <a:sym typeface="Arial" panose="020B0604020202020204"/>
-                  </a:rPr>
-                  <a:t>Tuning:</a:t>
-                </a:r>
-                <a:endParaRPr lang="en-US" altLang="pt-PT" sz="2400" i="1">
-                  <a:solidFill>
-                    <a:schemeClr val="tx1"/>
-                  </a:solidFill>
-                  <a:uFillTx/>
-                  <a:latin typeface="DejaVu Math TeX Gyre" panose="02000503000000000000" charset="0"/>
-                  <a:ea typeface="Arial" panose="020B0604020202020204"/>
-                  <a:cs typeface="DejaVu Math TeX Gyre" panose="02000503000000000000" charset="0"/>
-                  <a:sym typeface="Arial" panose="020B0604020202020204"/>
-                </a:endParaRPr>
-              </a:p>
-              <a:p>
-                <a:pPr marL="1028700" lvl="1" indent="-571500" algn="l">
-                  <a:lnSpc>
-                    <a:spcPct val="200000"/>
-                  </a:lnSpc>
-                  <a:buFont typeface="Arial" panose="020B0604020202020204" pitchFamily="34" charset="0"/>
-                  <a:buChar char="•"/>
-                </a:pPr>
-                <a14:m>
-                  <m:oMath xmlns:m="http://schemas.openxmlformats.org/officeDocument/2006/math">
-                    <m:r>
-                      <a:rPr lang="en-US" altLang="pt-PT" sz="2000" i="1">
-                        <a:solidFill>
-                          <a:schemeClr val="tx1"/>
-                        </a:solidFill>
-                        <a:uFillTx/>
-                        <a:latin typeface="DejaVu Math TeX Gyre" panose="02000503000000000000" charset="0"/>
-                        <a:ea typeface="Arial" panose="020B0604020202020204"/>
-                        <a:cs typeface="DejaVu Math TeX Gyre" panose="02000503000000000000" charset="0"/>
-                        <a:sym typeface="Arial" panose="020B0604020202020204"/>
-                      </a:rPr>
-                      <m:t>𝜏</m:t>
-                    </m:r>
-                  </m:oMath>
-                </a14:m>
-                <a:r>
-                  <a:rPr lang="pt-PT" altLang="en-US" sz="2000">
-                    <a:solidFill>
-                      <a:schemeClr val="tx1"/>
-                    </a:solidFill>
-                    <a:uFillTx/>
-                    <a:latin typeface="DejaVu Math TeX Gyre" panose="02000503000000000000" charset="0"/>
-                    <a:ea typeface="Arial" panose="020B0604020202020204"/>
-                    <a:cs typeface="DejaVu Math TeX Gyre" panose="02000503000000000000" charset="0"/>
-                    <a:sym typeface="Arial" panose="020B0604020202020204"/>
-                  </a:rPr>
-                  <a:t>: {1.0, 1.5, 2.0, 2.5, 3.0, 3.5, 4.0, 4.5, 5.0, 5.5, 6.0}</a:t>
-                </a:r>
-                <a:endParaRPr lang="en-US" altLang="pt-PT" sz="2000" i="1">
-                  <a:solidFill>
-                    <a:schemeClr val="tx1"/>
-                  </a:solidFill>
-                  <a:uFillTx/>
-                  <a:latin typeface="DejaVu Math TeX Gyre" panose="02000503000000000000" charset="0"/>
-                  <a:ea typeface="Arial" panose="020B0604020202020204"/>
-                  <a:cs typeface="DejaVu Math TeX Gyre" panose="02000503000000000000" charset="0"/>
-                  <a:sym typeface="Arial" panose="020B0604020202020204"/>
-                </a:endParaRPr>
-              </a:p>
-              <a:p>
-                <a:pPr marL="1028700" lvl="1" indent="-571500" algn="l">
-                  <a:lnSpc>
-                    <a:spcPct val="200000"/>
-                  </a:lnSpc>
-                  <a:buFont typeface="Arial" panose="020B0604020202020204" pitchFamily="34" charset="0"/>
-                  <a:buChar char="•"/>
-                </a:pPr>
-                <a14:m>
-                  <m:oMath xmlns:m="http://schemas.openxmlformats.org/officeDocument/2006/math">
-                    <m:sSub>
-                      <m:sSubPr>
-                        <m:ctrlPr>
-                          <a:rPr lang="en-US" altLang="pt-PT" sz="2000" i="1">
-                            <a:solidFill>
-                              <a:schemeClr val="tx1"/>
-                            </a:solidFill>
-                            <a:uFillTx/>
-                            <a:latin typeface="DejaVu Math TeX Gyre" panose="02000503000000000000" charset="0"/>
-                            <a:ea typeface="MS Mincho" charset="0"/>
-                            <a:cs typeface="DejaVu Math TeX Gyre" panose="02000503000000000000" charset="0"/>
-                            <a:sym typeface="Arial" panose="020B0604020202020204"/>
-                          </a:rPr>
-                        </m:ctrlPr>
-                      </m:sSubPr>
-                      <m:e>
-                        <m:r>
-                          <a:rPr lang="en-US" altLang="pt-PT" sz="2000" i="1">
-                            <a:solidFill>
-                              <a:schemeClr val="tx1"/>
-                            </a:solidFill>
-                            <a:uFillTx/>
-                            <a:latin typeface="DejaVu Math TeX Gyre" panose="02000503000000000000" charset="0"/>
-                            <a:ea typeface="MS Mincho" charset="0"/>
-                            <a:cs typeface="DejaVu Math TeX Gyre" panose="02000503000000000000" charset="0"/>
-                            <a:sym typeface="Arial" panose="020B0604020202020204"/>
-                          </a:rPr>
-                          <m:t>𝜎</m:t>
-                        </m:r>
-                      </m:e>
-                      <m:sub>
-                        <m:r>
-                          <a:rPr lang="en-US" altLang="pt-PT" sz="2000" i="1">
-                            <a:solidFill>
-                              <a:schemeClr val="tx1"/>
-                            </a:solidFill>
-                            <a:uFillTx/>
-                            <a:latin typeface="DejaVu Math TeX Gyre" panose="02000503000000000000" charset="0"/>
-                            <a:ea typeface="MS Mincho" charset="0"/>
-                            <a:cs typeface="DejaVu Math TeX Gyre" panose="02000503000000000000" charset="0"/>
-                            <a:sym typeface="Arial" panose="020B0604020202020204"/>
-                          </a:rPr>
-                          <m:t>1</m:t>
-                        </m:r>
-                      </m:sub>
-                    </m:sSub>
-                  </m:oMath>
-                </a14:m>
-                <a:r>
-                  <a:rPr lang="pt-PT" altLang="en-US" sz="2000">
-                    <a:solidFill>
-                      <a:schemeClr val="tx1"/>
-                    </a:solidFill>
-                    <a:uFillTx/>
-                    <a:latin typeface="DejaVu Math TeX Gyre" panose="02000503000000000000" charset="0"/>
-                    <a:ea typeface="MS Mincho" charset="0"/>
-                    <a:cs typeface="DejaVu Math TeX Gyre" panose="02000503000000000000" charset="0"/>
-                    <a:sym typeface="Arial" panose="020B0604020202020204"/>
-                  </a:rPr>
-                  <a:t>: {1, 2, 4, 8}</a:t>
-                </a:r>
-                <a:endParaRPr lang="en-US" altLang="pt-PT" sz="2000" i="1">
-                  <a:solidFill>
-                    <a:schemeClr val="tx1"/>
-                  </a:solidFill>
-                  <a:uFillTx/>
-                  <a:latin typeface="DejaVu Math TeX Gyre" panose="02000503000000000000" charset="0"/>
-                  <a:ea typeface="MS Mincho" charset="0"/>
-                  <a:cs typeface="DejaVu Math TeX Gyre" panose="02000503000000000000" charset="0"/>
-                  <a:sym typeface="Arial" panose="020B0604020202020204"/>
-                </a:endParaRPr>
-              </a:p>
-              <a:p>
-                <a:pPr marL="1028700" lvl="1" indent="-571500" algn="l">
-                  <a:lnSpc>
-                    <a:spcPct val="200000"/>
-                  </a:lnSpc>
-                  <a:buFont typeface="Arial" panose="020B0604020202020204" pitchFamily="34" charset="0"/>
-                  <a:buChar char="•"/>
-                </a:pPr>
-                <a:r>
-                  <a:rPr lang="pt-PT" altLang="en-US" sz="2000" i="1">
-                    <a:solidFill>
-                      <a:schemeClr val="tx1"/>
-                    </a:solidFill>
-                    <a:uFillTx/>
-                    <a:latin typeface="DejaVu Math TeX Gyre" panose="02000503000000000000" charset="0"/>
-                    <a:ea typeface="MS Mincho" charset="0"/>
-                    <a:cs typeface="DejaVu Math TeX Gyre" panose="02000503000000000000" charset="0"/>
-                    <a:sym typeface="Arial" panose="020B0604020202020204"/>
-                  </a:rPr>
-                  <a:t>P </a:t>
-                </a:r>
-                <a:r>
-                  <a:rPr lang="pt-PT" altLang="en-US" sz="2000">
-                    <a:solidFill>
-                      <a:schemeClr val="tx1"/>
-                    </a:solidFill>
-                    <a:uFillTx/>
-                    <a:latin typeface="DejaVu Math TeX Gyre" panose="02000503000000000000" charset="0"/>
-                    <a:ea typeface="MS Mincho" charset="0"/>
-                    <a:cs typeface="DejaVu Math TeX Gyre" panose="02000503000000000000" charset="0"/>
-                    <a:sym typeface="Arial" panose="020B0604020202020204"/>
-                  </a:rPr>
-                  <a:t>: {8, 16}</a:t>
-                </a:r>
-                <a:endParaRPr lang="pt-PT" altLang="en-US" sz="2000" i="1">
-                  <a:solidFill>
-                    <a:schemeClr val="tx1"/>
-                  </a:solidFill>
-                  <a:uFillTx/>
-                  <a:latin typeface="DejaVu Math TeX Gyre" panose="02000503000000000000" charset="0"/>
-                  <a:ea typeface="MS Mincho" charset="0"/>
-                  <a:cs typeface="DejaVu Math TeX Gyre" panose="02000503000000000000" charset="0"/>
-                  <a:sym typeface="Arial" panose="020B0604020202020204"/>
-                </a:endParaRPr>
-              </a:p>
-              <a:p>
-                <a:pPr marL="1028700" lvl="1" indent="-571500" algn="l">
-                  <a:lnSpc>
-                    <a:spcPct val="200000"/>
-                  </a:lnSpc>
-                  <a:buFont typeface="Arial" panose="020B0604020202020204" pitchFamily="34" charset="0"/>
-                  <a:buChar char="•"/>
-                </a:pPr>
-                <a:r>
-                  <a:rPr lang="pt-PT" altLang="en-US" sz="2000" i="1">
-                    <a:solidFill>
-                      <a:schemeClr val="tx1"/>
-                    </a:solidFill>
-                    <a:uFillTx/>
-                    <a:latin typeface="DejaVu Math TeX Gyre" panose="02000503000000000000" charset="0"/>
-                    <a:ea typeface="MS Mincho" charset="0"/>
-                    <a:cs typeface="DejaVu Math TeX Gyre" panose="02000503000000000000" charset="0"/>
-                    <a:sym typeface="Arial" panose="020B0604020202020204"/>
-                  </a:rPr>
-                  <a:t>s: </a:t>
-                </a:r>
-                <a:r>
-                  <a:rPr lang="pt-PT" altLang="en-US" sz="2000">
-                    <a:solidFill>
-                      <a:schemeClr val="tx1"/>
-                    </a:solidFill>
-                    <a:uFillTx/>
-                    <a:latin typeface="DejaVu Math TeX Gyre" panose="02000503000000000000" charset="0"/>
-                    <a:ea typeface="MS Mincho" charset="0"/>
-                    <a:cs typeface="DejaVu Math TeX Gyre" panose="02000503000000000000" charset="0"/>
-                    <a:sym typeface="Arial" panose="020B0604020202020204"/>
-                  </a:rPr>
-                  <a:t>{1, 2} </a:t>
-                </a:r>
-                <a14:m>
-                  <m:oMath xmlns:m="http://schemas.openxmlformats.org/officeDocument/2006/math">
-                    <m:r>
-                      <a:rPr lang="en-US" altLang="pt-PT" sz="2000" i="1">
-                        <a:solidFill>
-                          <a:schemeClr val="tx1"/>
-                        </a:solidFill>
-                        <a:uFillTx/>
-                        <a:latin typeface="DejaVu Math TeX Gyre" panose="02000503000000000000" charset="0"/>
-                        <a:ea typeface="MS Mincho" charset="0"/>
-                        <a:cs typeface="DejaVu Math TeX Gyre" panose="02000503000000000000" charset="0"/>
-                        <a:sym typeface="Arial" panose="020B0604020202020204"/>
-                      </a:rPr>
-                      <m:t>→</m:t>
-                    </m:r>
-                  </m:oMath>
-                </a14:m>
-                <a:r>
-                  <a:rPr lang="pt-PT" altLang="en-US" sz="2000" i="1">
-                    <a:solidFill>
-                      <a:schemeClr val="tx1"/>
-                    </a:solidFill>
-                    <a:uFillTx/>
-                    <a:latin typeface="DejaVu Math TeX Gyre" panose="02000503000000000000" charset="0"/>
-                    <a:ea typeface="MS Mincho" charset="0"/>
-                    <a:cs typeface="DejaVu Math TeX Gyre" panose="02000503000000000000" charset="0"/>
-                    <a:sym typeface="Arial" panose="020B0604020202020204"/>
-                  </a:rPr>
-                  <a:t> </a:t>
-                </a:r>
-                <a:r>
-                  <a:rPr lang="pt-PT" altLang="en-US" sz="2000">
-                    <a:solidFill>
-                      <a:schemeClr val="tx1"/>
-                    </a:solidFill>
-                    <a:uFillTx/>
-                    <a:latin typeface="DejaVu Math TeX Gyre" panose="02000503000000000000" charset="0"/>
-                    <a:ea typeface="MS Mincho" charset="0"/>
-                    <a:cs typeface="DejaVu Math TeX Gyre" panose="02000503000000000000" charset="0"/>
-                    <a:sym typeface="Arial" panose="020B0604020202020204"/>
-                  </a:rPr>
-                  <a:t>GEOreal2 possui s=2</a:t>
-                </a:r>
-                <a:endParaRPr lang="pt-PT" altLang="en-US" sz="2000">
-                  <a:solidFill>
-                    <a:schemeClr val="tx1"/>
-                  </a:solidFill>
-                  <a:uFillTx/>
-                  <a:latin typeface="DejaVu Math TeX Gyre" panose="02000503000000000000" charset="0"/>
-                  <a:ea typeface="MS Mincho" charset="0"/>
-                  <a:cs typeface="DejaVu Math TeX Gyre" panose="02000503000000000000" charset="0"/>
-                  <a:sym typeface="Arial" panose="020B0604020202020204"/>
-                </a:endParaRPr>
-              </a:p>
-            </p:txBody>
-          </p:sp>
-        </mc:Choice>
-        <mc:Fallback>
-          <p:sp>
-            <p:nvSpPr>
-              <p:cNvPr id="3" name="Google Shape;84;p2"/>
-              <p:cNvSpPr txBox="true">
-                <a:spLocks noRot="true" noChangeAspect="true" noMove="true" noResize="true" noEditPoints="true" noAdjustHandles="true" noChangeArrowheads="true" noChangeShapeType="true" noTextEdit="true"/>
-              </p:cNvSpPr>
-              <p:nvPr/>
-            </p:nvSpPr>
-            <p:spPr>
-              <a:xfrm>
-                <a:off x="981710" y="1021715"/>
-                <a:ext cx="8706485" cy="4789805"/>
-              </a:xfrm>
-              <a:prstGeom prst="rect">
-                <a:avLst/>
-              </a:prstGeom>
-              <a:blipFill rotWithShape="true">
-                <a:blip r:embed="rId2"/>
-                <a:stretch>
-                  <a:fillRect/>
-                </a:stretch>
-              </a:blipFill>
-              <a:ln>
-                <a:noFill/>
-              </a:ln>
-            </p:spPr>
-            <p:txBody>
-              <a:bodyPr/>
-              <a:lstStyle/>
-              <a:p>
-                <a:r>
-                  <a:rPr lang="en-US" altLang="en-US">
-                    <a:noFill/>
-                  </a:rPr>
-                  <a:t> </a:t>
-                </a:r>
-              </a:p>
-            </p:txBody>
-          </p:sp>
-        </mc:Fallback>
-      </mc:AlternateContent>
-    </p:spTree>
-  </p:cSld>
-  <p:clrMapOvr>
-    <a:masterClrMapping/>
-  </p:clrMapOvr>
-</p:sld>
-</file>
-
-<file path=ppt/slides/slide7.xml><?xml version="1.0" encoding="utf-8"?>
-<p:sld xmlns:a="http://schemas.openxmlformats.org/drawingml/2006/main" xmlns:r="http://schemas.openxmlformats.org/officeDocument/2006/relationships" xmlns:p="http://schemas.openxmlformats.org/presentationml/2006/main">
-  <p:cSld>
-    <p:spTree>
-      <p:nvGrpSpPr>
-        <p:cNvPr id="1" name=""/>
-        <p:cNvGrpSpPr/>
-        <p:nvPr/>
-      </p:nvGrpSpPr>
-      <p:grpSpPr/>
-      <p:pic>
-        <p:nvPicPr>
-          <p:cNvPr id="10" name="Picture 9"/>
-          <p:cNvPicPr>
-            <a:picLocks noChangeAspect="true"/>
-          </p:cNvPicPr>
-          <p:nvPr/>
-        </p:nvPicPr>
-        <p:blipFill>
-          <a:blip r:embed="rId1"/>
-          <a:srcRect b="5928"/>
-          <a:stretch>
-            <a:fillRect/>
-          </a:stretch>
-        </p:blipFill>
-        <p:spPr>
-          <a:xfrm>
-            <a:off x="635" y="-19685"/>
-            <a:ext cx="723900" cy="6872605"/>
-          </a:xfrm>
-          <a:prstGeom prst="rect">
-            <a:avLst/>
-          </a:prstGeom>
-        </p:spPr>
-      </p:pic>
-      <p:sp>
-        <p:nvSpPr>
-          <p:cNvPr id="84" name="Google Shape;84;p2"/>
-          <p:cNvSpPr txBox="true">
-            <a:spLocks noGrp="true"/>
-          </p:cNvSpPr>
-          <p:nvPr>
-            <p:ph type="title"/>
-          </p:nvPr>
-        </p:nvSpPr>
-        <p:spPr>
-          <a:xfrm>
-            <a:off x="3546475" y="-19685"/>
-            <a:ext cx="5100320" cy="1051560"/>
-          </a:xfrm>
-          <a:prstGeom prst="rect">
-            <a:avLst/>
-          </a:prstGeom>
-          <a:noFill/>
-          <a:ln>
-            <a:noFill/>
-          </a:ln>
-        </p:spPr>
-        <p:txBody>
-          <a:bodyPr spcFirstLastPara="1" wrap="square" lIns="103150" tIns="51575" rIns="103150" bIns="51575" anchor="ctr" anchorCtr="false">
-            <a:noAutofit/>
-          </a:bodyPr>
-          <a:p>
-            <a:pPr algn="ctr"/>
-            <a:r>
-              <a:rPr lang="pt-PT" altLang="pt-BR" sz="2800"/>
-              <a:t>GEOreal2</a:t>
-            </a:r>
-            <a:endParaRPr lang="pt-PT" altLang="pt-BR" sz="2800" baseline="-25000">
-              <a:solidFill>
-                <a:schemeClr val="tx1"/>
-              </a:solidFill>
-              <a:uFillTx/>
-              <a:latin typeface="Arial" panose="020B0604020202020204"/>
-              <a:ea typeface="Arial" panose="020B0604020202020204"/>
-              <a:cs typeface="Arial" panose="020B0604020202020204"/>
-              <a:sym typeface="Arial" panose="020B0604020202020204"/>
-            </a:endParaRPr>
-          </a:p>
-        </p:txBody>
-      </p:sp>
-      <p:sp>
-        <p:nvSpPr>
-          <p:cNvPr id="3" name="Google Shape;84;p2"/>
-          <p:cNvSpPr txBox="true">
-            <a:spLocks noGrp="true"/>
-          </p:cNvSpPr>
-          <p:nvPr/>
-        </p:nvSpPr>
-        <p:spPr>
-          <a:xfrm>
-            <a:off x="1024890" y="1687830"/>
-            <a:ext cx="4505960" cy="4789805"/>
-          </a:xfrm>
-          <a:prstGeom prst="rect">
-            <a:avLst/>
-          </a:prstGeom>
-          <a:noFill/>
-          <a:ln>
-            <a:noFill/>
-          </a:ln>
-        </p:spPr>
-        <p:txBody>
-          <a:bodyPr vert="horz" wrap="square" lIns="103150" tIns="51575" rIns="103150" bIns="51575" rtlCol="0" anchor="ctr" anchorCtr="false">
-            <a:noAutofit/>
-          </a:bodyPr>
-          <a:lstStyle>
-            <a:lvl1pPr algn="ctr" defTabSz="914400" rtl="0" eaLnBrk="1" latinLnBrk="0" hangingPunct="1">
-              <a:lnSpc>
-                <a:spcPct val="130000"/>
-              </a:lnSpc>
-              <a:spcBef>
-                <a:spcPct val="0"/>
-              </a:spcBef>
-              <a:buNone/>
-              <a:defRPr sz="6000" kern="1200">
-                <a:solidFill>
-                  <a:schemeClr val="tx1"/>
-                </a:solidFill>
-                <a:effectLst>
-                  <a:outerShdw blurRad="38100" dist="38100" dir="2700000" algn="tl">
-                    <a:srgbClr val="000000">
-                      <a:alpha val="43137"/>
-                    </a:srgbClr>
-                  </a:outerShdw>
-                </a:effectLst>
-                <a:latin typeface="+mj-lt"/>
-                <a:ea typeface="+mj-ea"/>
-                <a:cs typeface="+mj-cs"/>
-              </a:defRPr>
-            </a:lvl1pPr>
-          </a:lstStyle>
-          <a:p>
-            <a:pPr marL="571500" indent="-571500" algn="l">
-              <a:lnSpc>
-                <a:spcPct val="200000"/>
-              </a:lnSpc>
-              <a:buFont typeface="Arial" panose="020B0604020202020204" pitchFamily="34" charset="0"/>
-              <a:buChar char="•"/>
-            </a:pPr>
-            <a:endParaRPr lang="pt-PT" altLang="en-US" sz="1400">
-              <a:solidFill>
-                <a:schemeClr val="tx1"/>
-              </a:solidFill>
-              <a:uFillTx/>
-              <a:latin typeface="DejaVu Math TeX Gyre" panose="02000503000000000000" charset="0"/>
-              <a:ea typeface="Arial" panose="020B0604020202020204"/>
-              <a:cs typeface="DejaVu Math TeX Gyre" panose="02000503000000000000" charset="0"/>
-              <a:sym typeface="Arial" panose="020B0604020202020204"/>
-            </a:endParaRPr>
-          </a:p>
-          <a:p>
-            <a:pPr marL="571500" indent="-571500" algn="l">
-              <a:lnSpc>
-                <a:spcPct val="200000"/>
-              </a:lnSpc>
-              <a:buFont typeface="Arial" panose="020B0604020202020204" pitchFamily="34" charset="0"/>
-              <a:buChar char="•"/>
-            </a:pPr>
-            <a:r>
-              <a:rPr lang="pt-PT" altLang="en-US" sz="1400">
-                <a:solidFill>
-                  <a:schemeClr val="tx1"/>
-                </a:solidFill>
-                <a:uFillTx/>
-                <a:latin typeface="DejaVu Math TeX Gyre" panose="02000503000000000000" charset="0"/>
-                <a:ea typeface="Arial" panose="020B0604020202020204"/>
-                <a:cs typeface="DejaVu Math TeX Gyre" panose="02000503000000000000" charset="0"/>
-                <a:sym typeface="Arial" panose="020B0604020202020204"/>
-              </a:rPr>
-              <a:t>GRIEWANGK</a:t>
-            </a:r>
-            <a:endParaRPr lang="pt-PT" altLang="en-US" sz="1400">
-              <a:solidFill>
-                <a:schemeClr val="tx1"/>
-              </a:solidFill>
-              <a:uFillTx/>
-              <a:latin typeface="DejaVu Math TeX Gyre" panose="02000503000000000000" charset="0"/>
-              <a:ea typeface="Arial" panose="020B0604020202020204"/>
-              <a:cs typeface="DejaVu Math TeX Gyre" panose="02000503000000000000" charset="0"/>
-              <a:sym typeface="Arial" panose="020B0604020202020204"/>
-            </a:endParaRPr>
-          </a:p>
-          <a:p>
-            <a:pPr marL="1028700" lvl="1" indent="-571500" algn="l">
-              <a:lnSpc>
-                <a:spcPct val="200000"/>
-              </a:lnSpc>
-              <a:buFont typeface="Arial" panose="020B0604020202020204" pitchFamily="34" charset="0"/>
-              <a:buChar char="•"/>
-            </a:pPr>
-            <a:r>
-              <a:rPr lang="pt-PT" altLang="en-US" sz="1400">
-                <a:solidFill>
-                  <a:schemeClr val="tx1"/>
-                </a:solidFill>
-                <a:uFillTx/>
-                <a:latin typeface="DejaVu Math TeX Gyre" panose="02000503000000000000" charset="0"/>
-                <a:ea typeface="Arial" panose="020B0604020202020204"/>
-                <a:cs typeface="DejaVu Math TeX Gyre" panose="02000503000000000000" charset="0"/>
-                <a:sym typeface="Arial" panose="020B0604020202020204"/>
-              </a:rPr>
-              <a:t>P = 8 | std1 = 2 | tau = 1.5</a:t>
-            </a:r>
-            <a:endParaRPr lang="pt-PT" altLang="en-US" sz="1400">
-              <a:solidFill>
-                <a:schemeClr val="tx1"/>
-              </a:solidFill>
-              <a:uFillTx/>
-              <a:latin typeface="DejaVu Math TeX Gyre" panose="02000503000000000000" charset="0"/>
-              <a:ea typeface="Arial" panose="020B0604020202020204"/>
-              <a:cs typeface="DejaVu Math TeX Gyre" panose="02000503000000000000" charset="0"/>
-              <a:sym typeface="Arial" panose="020B0604020202020204"/>
-            </a:endParaRPr>
-          </a:p>
-          <a:p>
-            <a:pPr marL="571500" indent="-571500" algn="l">
-              <a:lnSpc>
-                <a:spcPct val="200000"/>
-              </a:lnSpc>
-              <a:buFont typeface="Arial" panose="020B0604020202020204" pitchFamily="34" charset="0"/>
-              <a:buChar char="•"/>
-            </a:pPr>
-            <a:r>
-              <a:rPr lang="pt-PT" altLang="en-US" sz="1400">
-                <a:solidFill>
-                  <a:schemeClr val="tx1"/>
-                </a:solidFill>
-                <a:uFillTx/>
-                <a:latin typeface="DejaVu Math TeX Gyre" panose="02000503000000000000" charset="0"/>
-                <a:ea typeface="Arial" panose="020B0604020202020204"/>
-                <a:cs typeface="DejaVu Math TeX Gyre" panose="02000503000000000000" charset="0"/>
-                <a:sym typeface="Arial" panose="020B0604020202020204"/>
-              </a:rPr>
-              <a:t>RASTRINGIN</a:t>
-            </a:r>
-            <a:endParaRPr lang="pt-PT" altLang="en-US" sz="1400">
-              <a:solidFill>
-                <a:schemeClr val="tx1"/>
-              </a:solidFill>
-              <a:uFillTx/>
-              <a:latin typeface="DejaVu Math TeX Gyre" panose="02000503000000000000" charset="0"/>
-              <a:ea typeface="Arial" panose="020B0604020202020204"/>
-              <a:cs typeface="DejaVu Math TeX Gyre" panose="02000503000000000000" charset="0"/>
-              <a:sym typeface="Arial" panose="020B0604020202020204"/>
-            </a:endParaRPr>
-          </a:p>
-          <a:p>
-            <a:pPr marL="1028700" lvl="1" indent="-571500" algn="l">
-              <a:lnSpc>
-                <a:spcPct val="200000"/>
-              </a:lnSpc>
-              <a:buFont typeface="Arial" panose="020B0604020202020204" pitchFamily="34" charset="0"/>
-              <a:buChar char="•"/>
-            </a:pPr>
-            <a:r>
-              <a:rPr lang="pt-PT" altLang="en-US" sz="1400">
-                <a:solidFill>
-                  <a:schemeClr val="tx1"/>
-                </a:solidFill>
-                <a:uFillTx/>
-                <a:latin typeface="DejaVu Math TeX Gyre" panose="02000503000000000000" charset="0"/>
-                <a:ea typeface="Arial" panose="020B0604020202020204"/>
-                <a:cs typeface="DejaVu Math TeX Gyre" panose="02000503000000000000" charset="0"/>
-                <a:sym typeface="Arial" panose="020B0604020202020204"/>
-              </a:rPr>
-              <a:t>P = 8 | std1 = 2 | tau = 6</a:t>
-            </a:r>
-            <a:endParaRPr lang="pt-PT" altLang="en-US" sz="1400">
-              <a:solidFill>
-                <a:schemeClr val="tx1"/>
-              </a:solidFill>
-              <a:uFillTx/>
-              <a:latin typeface="DejaVu Math TeX Gyre" panose="02000503000000000000" charset="0"/>
-              <a:ea typeface="Arial" panose="020B0604020202020204"/>
-              <a:cs typeface="DejaVu Math TeX Gyre" panose="02000503000000000000" charset="0"/>
-              <a:sym typeface="Arial" panose="020B0604020202020204"/>
-            </a:endParaRPr>
-          </a:p>
-          <a:p>
-            <a:pPr marL="571500" indent="-571500" algn="l">
-              <a:lnSpc>
-                <a:spcPct val="200000"/>
-              </a:lnSpc>
-              <a:buFont typeface="Arial" panose="020B0604020202020204" pitchFamily="34" charset="0"/>
-              <a:buChar char="•"/>
-            </a:pPr>
-            <a:r>
-              <a:rPr lang="pt-PT" altLang="en-US" sz="1400">
-                <a:solidFill>
-                  <a:schemeClr val="tx1"/>
-                </a:solidFill>
-                <a:uFillTx/>
-                <a:latin typeface="DejaVu Math TeX Gyre" panose="02000503000000000000" charset="0"/>
-                <a:ea typeface="Arial" panose="020B0604020202020204"/>
-                <a:cs typeface="DejaVu Math TeX Gyre" panose="02000503000000000000" charset="0"/>
-                <a:sym typeface="Arial" panose="020B0604020202020204"/>
-              </a:rPr>
-              <a:t>ROSENBROCK</a:t>
-            </a:r>
-            <a:endParaRPr lang="pt-PT" altLang="en-US" sz="1400">
-              <a:solidFill>
-                <a:schemeClr val="tx1"/>
-              </a:solidFill>
-              <a:uFillTx/>
-              <a:latin typeface="DejaVu Math TeX Gyre" panose="02000503000000000000" charset="0"/>
-              <a:ea typeface="Arial" panose="020B0604020202020204"/>
-              <a:cs typeface="DejaVu Math TeX Gyre" panose="02000503000000000000" charset="0"/>
-              <a:sym typeface="Arial" panose="020B0604020202020204"/>
-            </a:endParaRPr>
-          </a:p>
-          <a:p>
-            <a:pPr marL="1028700" lvl="1" indent="-571500" algn="l">
-              <a:lnSpc>
-                <a:spcPct val="200000"/>
-              </a:lnSpc>
-              <a:buFont typeface="Arial" panose="020B0604020202020204" pitchFamily="34" charset="0"/>
-              <a:buChar char="•"/>
-            </a:pPr>
-            <a:r>
-              <a:rPr lang="pt-PT" altLang="en-US" sz="1400">
-                <a:solidFill>
-                  <a:schemeClr val="tx1"/>
-                </a:solidFill>
-                <a:uFillTx/>
-                <a:latin typeface="DejaVu Math TeX Gyre" panose="02000503000000000000" charset="0"/>
-                <a:ea typeface="Arial" panose="020B0604020202020204"/>
-                <a:cs typeface="DejaVu Math TeX Gyre" panose="02000503000000000000" charset="0"/>
-                <a:sym typeface="Arial" panose="020B0604020202020204"/>
-              </a:rPr>
-              <a:t>P = 8 | std1 = 4 | tau = 1.5</a:t>
-            </a:r>
-            <a:endParaRPr lang="pt-PT" altLang="en-US" sz="1400">
-              <a:solidFill>
-                <a:schemeClr val="tx1"/>
-              </a:solidFill>
-              <a:uFillTx/>
-              <a:latin typeface="DejaVu Math TeX Gyre" panose="02000503000000000000" charset="0"/>
-              <a:ea typeface="Arial" panose="020B0604020202020204"/>
-              <a:cs typeface="DejaVu Math TeX Gyre" panose="02000503000000000000" charset="0"/>
-              <a:sym typeface="Arial" panose="020B0604020202020204"/>
-            </a:endParaRPr>
-          </a:p>
-          <a:p>
-            <a:pPr marL="571500" indent="-571500" algn="l">
-              <a:lnSpc>
-                <a:spcPct val="200000"/>
-              </a:lnSpc>
-              <a:buFont typeface="Arial" panose="020B0604020202020204" pitchFamily="34" charset="0"/>
-              <a:buChar char="•"/>
-            </a:pPr>
-            <a:r>
-              <a:rPr lang="pt-PT" altLang="en-US" sz="1400">
-                <a:solidFill>
-                  <a:schemeClr val="tx1"/>
-                </a:solidFill>
-                <a:uFillTx/>
-                <a:latin typeface="DejaVu Math TeX Gyre" panose="02000503000000000000" charset="0"/>
-                <a:ea typeface="Arial" panose="020B0604020202020204"/>
-                <a:cs typeface="DejaVu Math TeX Gyre" panose="02000503000000000000" charset="0"/>
-                <a:sym typeface="Arial" panose="020B0604020202020204"/>
-              </a:rPr>
-              <a:t>SCHWEFEL</a:t>
-            </a:r>
-            <a:endParaRPr lang="pt-PT" altLang="en-US" sz="1400">
-              <a:solidFill>
-                <a:schemeClr val="tx1"/>
-              </a:solidFill>
-              <a:uFillTx/>
-              <a:latin typeface="DejaVu Math TeX Gyre" panose="02000503000000000000" charset="0"/>
-              <a:ea typeface="Arial" panose="020B0604020202020204"/>
-              <a:cs typeface="DejaVu Math TeX Gyre" panose="02000503000000000000" charset="0"/>
-              <a:sym typeface="Arial" panose="020B0604020202020204"/>
-            </a:endParaRPr>
-          </a:p>
-          <a:p>
-            <a:pPr marL="1028700" lvl="1" indent="-571500" algn="l">
-              <a:lnSpc>
-                <a:spcPct val="200000"/>
-              </a:lnSpc>
-              <a:buFont typeface="Arial" panose="020B0604020202020204" pitchFamily="34" charset="0"/>
-              <a:buChar char="•"/>
-            </a:pPr>
-            <a:r>
-              <a:rPr lang="pt-PT" altLang="en-US" sz="1400">
-                <a:solidFill>
-                  <a:schemeClr val="tx1"/>
-                </a:solidFill>
-                <a:uFillTx/>
-                <a:latin typeface="DejaVu Math TeX Gyre" panose="02000503000000000000" charset="0"/>
-                <a:ea typeface="Arial" panose="020B0604020202020204"/>
-                <a:cs typeface="DejaVu Math TeX Gyre" panose="02000503000000000000" charset="0"/>
-                <a:sym typeface="Arial" panose="020B0604020202020204"/>
-              </a:rPr>
-              <a:t>P = 16 | std1 = 2 | tau = 6</a:t>
-            </a:r>
-            <a:endParaRPr lang="pt-PT" altLang="en-US" sz="1400">
-              <a:solidFill>
-                <a:schemeClr val="tx1"/>
-              </a:solidFill>
-              <a:uFillTx/>
-              <a:latin typeface="DejaVu Math TeX Gyre" panose="02000503000000000000" charset="0"/>
-              <a:ea typeface="Arial" panose="020B0604020202020204"/>
-              <a:cs typeface="DejaVu Math TeX Gyre" panose="02000503000000000000" charset="0"/>
-              <a:sym typeface="Arial" panose="020B0604020202020204"/>
-            </a:endParaRPr>
-          </a:p>
-          <a:p>
-            <a:pPr marL="571500" indent="-571500" algn="l">
-              <a:lnSpc>
-                <a:spcPct val="200000"/>
-              </a:lnSpc>
-              <a:buFont typeface="Arial" panose="020B0604020202020204" pitchFamily="34" charset="0"/>
-              <a:buChar char="•"/>
-            </a:pPr>
-            <a:r>
-              <a:rPr lang="pt-PT" altLang="en-US" sz="1400">
-                <a:solidFill>
-                  <a:schemeClr val="tx1"/>
-                </a:solidFill>
-                <a:uFillTx/>
-                <a:latin typeface="DejaVu Math TeX Gyre" panose="02000503000000000000" charset="0"/>
-                <a:ea typeface="Arial" panose="020B0604020202020204"/>
-                <a:cs typeface="DejaVu Math TeX Gyre" panose="02000503000000000000" charset="0"/>
-                <a:sym typeface="Arial" panose="020B0604020202020204"/>
-              </a:rPr>
-              <a:t>ACKLEY</a:t>
-            </a:r>
-            <a:endParaRPr lang="pt-PT" altLang="en-US" sz="1400">
-              <a:solidFill>
-                <a:schemeClr val="tx1"/>
-              </a:solidFill>
-              <a:uFillTx/>
-              <a:latin typeface="DejaVu Math TeX Gyre" panose="02000503000000000000" charset="0"/>
-              <a:ea typeface="Arial" panose="020B0604020202020204"/>
-              <a:cs typeface="DejaVu Math TeX Gyre" panose="02000503000000000000" charset="0"/>
-              <a:sym typeface="Arial" panose="020B0604020202020204"/>
-            </a:endParaRPr>
-          </a:p>
-          <a:p>
-            <a:pPr marL="1028700" lvl="1" indent="-571500" algn="l">
-              <a:lnSpc>
-                <a:spcPct val="200000"/>
-              </a:lnSpc>
-              <a:buFont typeface="Arial" panose="020B0604020202020204" pitchFamily="34" charset="0"/>
-              <a:buChar char="•"/>
-            </a:pPr>
-            <a:r>
-              <a:rPr lang="pt-PT" altLang="en-US" sz="1400">
-                <a:solidFill>
-                  <a:schemeClr val="tx1"/>
-                </a:solidFill>
-                <a:uFillTx/>
-                <a:latin typeface="DejaVu Math TeX Gyre" panose="02000503000000000000" charset="0"/>
-                <a:ea typeface="Arial" panose="020B0604020202020204"/>
-                <a:cs typeface="DejaVu Math TeX Gyre" panose="02000503000000000000" charset="0"/>
-                <a:sym typeface="Arial" panose="020B0604020202020204"/>
-              </a:rPr>
-              <a:t>P = 16 | std1 = 1 | tau = 5.5</a:t>
-            </a:r>
-            <a:endParaRPr lang="pt-PT" altLang="en-US" sz="1400">
-              <a:solidFill>
-                <a:schemeClr val="tx1"/>
-              </a:solidFill>
-              <a:uFillTx/>
-              <a:latin typeface="DejaVu Math TeX Gyre" panose="02000503000000000000" charset="0"/>
-              <a:ea typeface="Arial" panose="020B0604020202020204"/>
-              <a:cs typeface="DejaVu Math TeX Gyre" panose="02000503000000000000" charset="0"/>
-              <a:sym typeface="Arial" panose="020B0604020202020204"/>
-            </a:endParaRPr>
-          </a:p>
-          <a:p>
-            <a:pPr indent="0" algn="l">
-              <a:lnSpc>
-                <a:spcPct val="200000"/>
-              </a:lnSpc>
-              <a:buFont typeface="Arial" panose="020B0604020202020204" pitchFamily="34" charset="0"/>
-            </a:pPr>
-            <a:endParaRPr lang="pt-PT" altLang="en-US" sz="1400">
-              <a:solidFill>
-                <a:schemeClr val="tx1"/>
-              </a:solidFill>
-              <a:uFillTx/>
-              <a:latin typeface="DejaVu Math TeX Gyre" panose="02000503000000000000" charset="0"/>
-              <a:ea typeface="Arial" panose="020B0604020202020204"/>
-              <a:cs typeface="DejaVu Math TeX Gyre" panose="02000503000000000000" charset="0"/>
-              <a:sym typeface="Arial" panose="020B0604020202020204"/>
-            </a:endParaRPr>
-          </a:p>
-        </p:txBody>
-      </p:sp>
-      <p:sp>
-        <p:nvSpPr>
-          <p:cNvPr id="2" name="Google Shape;84;p2"/>
-          <p:cNvSpPr txBox="true">
-            <a:spLocks noGrp="true"/>
-          </p:cNvSpPr>
-          <p:nvPr/>
-        </p:nvSpPr>
-        <p:spPr>
-          <a:xfrm>
-            <a:off x="6424295" y="1687830"/>
-            <a:ext cx="4505960" cy="4789805"/>
-          </a:xfrm>
-          <a:prstGeom prst="rect">
-            <a:avLst/>
-          </a:prstGeom>
-          <a:noFill/>
-          <a:ln>
-            <a:noFill/>
-          </a:ln>
-        </p:spPr>
-        <p:txBody>
-          <a:bodyPr vert="horz" wrap="square" lIns="103150" tIns="51575" rIns="103150" bIns="51575" rtlCol="0" anchor="ctr" anchorCtr="false">
-            <a:noAutofit/>
-          </a:bodyPr>
-          <a:lstStyle>
-            <a:lvl1pPr algn="ctr" defTabSz="914400" rtl="0" eaLnBrk="1" latinLnBrk="0" hangingPunct="1">
-              <a:lnSpc>
-                <a:spcPct val="130000"/>
-              </a:lnSpc>
-              <a:spcBef>
-                <a:spcPct val="0"/>
-              </a:spcBef>
-              <a:buNone/>
-              <a:defRPr sz="6000" kern="1200">
-                <a:solidFill>
-                  <a:schemeClr val="tx1"/>
-                </a:solidFill>
-                <a:effectLst>
-                  <a:outerShdw blurRad="38100" dist="38100" dir="2700000" algn="tl">
-                    <a:srgbClr val="000000">
-                      <a:alpha val="43137"/>
-                    </a:srgbClr>
-                  </a:outerShdw>
-                </a:effectLst>
-                <a:latin typeface="+mj-lt"/>
-                <a:ea typeface="+mj-ea"/>
-                <a:cs typeface="+mj-cs"/>
-              </a:defRPr>
-            </a:lvl1pPr>
-          </a:lstStyle>
-          <a:p>
-            <a:pPr marL="571500" indent="-571500" algn="l">
-              <a:lnSpc>
-                <a:spcPct val="200000"/>
-              </a:lnSpc>
-              <a:buFont typeface="Arial" panose="020B0604020202020204" pitchFamily="34" charset="0"/>
-              <a:buChar char="•"/>
-            </a:pPr>
-            <a:endParaRPr lang="pt-PT" altLang="en-US" sz="1400">
-              <a:solidFill>
-                <a:schemeClr val="tx1"/>
-              </a:solidFill>
-              <a:uFillTx/>
-              <a:latin typeface="DejaVu Math TeX Gyre" panose="02000503000000000000" charset="0"/>
-              <a:ea typeface="Arial" panose="020B0604020202020204"/>
-              <a:cs typeface="DejaVu Math TeX Gyre" panose="02000503000000000000" charset="0"/>
-              <a:sym typeface="Arial" panose="020B0604020202020204"/>
-            </a:endParaRPr>
-          </a:p>
-          <a:p>
-            <a:pPr marL="571500" indent="-571500" algn="l">
-              <a:lnSpc>
-                <a:spcPct val="200000"/>
-              </a:lnSpc>
-              <a:buFont typeface="Arial" panose="020B0604020202020204" pitchFamily="34" charset="0"/>
-              <a:buChar char="•"/>
-            </a:pPr>
-            <a:r>
-              <a:rPr lang="pt-PT" altLang="en-US" sz="1400">
-                <a:solidFill>
-                  <a:schemeClr val="tx1"/>
-                </a:solidFill>
-                <a:uFillTx/>
-                <a:latin typeface="DejaVu Math TeX Gyre" panose="02000503000000000000" charset="0"/>
-                <a:ea typeface="Arial" panose="020B0604020202020204"/>
-                <a:cs typeface="DejaVu Math TeX Gyre" panose="02000503000000000000" charset="0"/>
-                <a:sym typeface="Arial" panose="020B0604020202020204"/>
-              </a:rPr>
-              <a:t>GRIEWANGK</a:t>
-            </a:r>
-            <a:endParaRPr lang="pt-PT" altLang="en-US" sz="1400">
-              <a:solidFill>
-                <a:schemeClr val="tx1"/>
-              </a:solidFill>
-              <a:uFillTx/>
-              <a:latin typeface="DejaVu Math TeX Gyre" panose="02000503000000000000" charset="0"/>
-              <a:ea typeface="Arial" panose="020B0604020202020204"/>
-              <a:cs typeface="DejaVu Math TeX Gyre" panose="02000503000000000000" charset="0"/>
-              <a:sym typeface="Arial" panose="020B0604020202020204"/>
-            </a:endParaRPr>
-          </a:p>
-          <a:p>
-            <a:pPr marL="1028700" lvl="1" indent="-571500" algn="l">
-              <a:lnSpc>
-                <a:spcPct val="200000"/>
-              </a:lnSpc>
-              <a:buFont typeface="Arial" panose="020B0604020202020204" pitchFamily="34" charset="0"/>
-              <a:buChar char="•"/>
-            </a:pPr>
-            <a:r>
-              <a:rPr lang="pt-PT" altLang="en-US" sz="1400">
-                <a:solidFill>
-                  <a:schemeClr val="tx1"/>
-                </a:solidFill>
-                <a:uFillTx/>
-                <a:latin typeface="DejaVu Math TeX Gyre" panose="02000503000000000000" charset="0"/>
-                <a:ea typeface="Arial" panose="020B0604020202020204"/>
-                <a:cs typeface="DejaVu Math TeX Gyre" panose="02000503000000000000" charset="0"/>
-                <a:sym typeface="Arial" panose="020B0604020202020204"/>
-              </a:rPr>
-              <a:t>P = 16 | std1 = 8 | tau = 1.75</a:t>
-            </a:r>
-            <a:endParaRPr lang="pt-PT" altLang="en-US" sz="1400">
-              <a:solidFill>
-                <a:schemeClr val="tx1"/>
-              </a:solidFill>
-              <a:uFillTx/>
-              <a:latin typeface="DejaVu Math TeX Gyre" panose="02000503000000000000" charset="0"/>
-              <a:ea typeface="Arial" panose="020B0604020202020204"/>
-              <a:cs typeface="DejaVu Math TeX Gyre" panose="02000503000000000000" charset="0"/>
-              <a:sym typeface="Arial" panose="020B0604020202020204"/>
-            </a:endParaRPr>
-          </a:p>
-          <a:p>
-            <a:pPr marL="571500" indent="-571500" algn="l">
-              <a:lnSpc>
-                <a:spcPct val="200000"/>
-              </a:lnSpc>
-              <a:buFont typeface="Arial" panose="020B0604020202020204" pitchFamily="34" charset="0"/>
-              <a:buChar char="•"/>
-            </a:pPr>
-            <a:r>
-              <a:rPr lang="pt-PT" altLang="en-US" sz="1400">
-                <a:solidFill>
-                  <a:schemeClr val="tx1"/>
-                </a:solidFill>
-                <a:uFillTx/>
-                <a:latin typeface="DejaVu Math TeX Gyre" panose="02000503000000000000" charset="0"/>
-                <a:ea typeface="Arial" panose="020B0604020202020204"/>
-                <a:cs typeface="DejaVu Math TeX Gyre" panose="02000503000000000000" charset="0"/>
-                <a:sym typeface="Arial" panose="020B0604020202020204"/>
-              </a:rPr>
-              <a:t>RASTRINGIN</a:t>
-            </a:r>
-            <a:endParaRPr lang="pt-PT" altLang="en-US" sz="1400">
-              <a:solidFill>
-                <a:schemeClr val="tx1"/>
-              </a:solidFill>
-              <a:uFillTx/>
-              <a:latin typeface="DejaVu Math TeX Gyre" panose="02000503000000000000" charset="0"/>
-              <a:ea typeface="Arial" panose="020B0604020202020204"/>
-              <a:cs typeface="DejaVu Math TeX Gyre" panose="02000503000000000000" charset="0"/>
-              <a:sym typeface="Arial" panose="020B0604020202020204"/>
-            </a:endParaRPr>
-          </a:p>
-          <a:p>
-            <a:pPr marL="1028700" lvl="1" indent="-571500" algn="l">
-              <a:lnSpc>
-                <a:spcPct val="200000"/>
-              </a:lnSpc>
-              <a:buFont typeface="Arial" panose="020B0604020202020204" pitchFamily="34" charset="0"/>
-              <a:buChar char="•"/>
-            </a:pPr>
-            <a:r>
-              <a:rPr lang="pt-PT" altLang="en-US" sz="1400">
-                <a:solidFill>
-                  <a:schemeClr val="tx1"/>
-                </a:solidFill>
-                <a:uFillTx/>
-                <a:latin typeface="DejaVu Math TeX Gyre" panose="02000503000000000000" charset="0"/>
-                <a:ea typeface="Arial" panose="020B0604020202020204"/>
-                <a:cs typeface="DejaVu Math TeX Gyre" panose="02000503000000000000" charset="0"/>
-                <a:sym typeface="Arial" panose="020B0604020202020204"/>
-              </a:rPr>
-              <a:t>P = 8 | std1 = 8 | tau = 2.25</a:t>
-            </a:r>
-            <a:endParaRPr lang="pt-PT" altLang="en-US" sz="1400">
-              <a:solidFill>
-                <a:schemeClr val="tx1"/>
-              </a:solidFill>
-              <a:uFillTx/>
-              <a:latin typeface="DejaVu Math TeX Gyre" panose="02000503000000000000" charset="0"/>
-              <a:ea typeface="Arial" panose="020B0604020202020204"/>
-              <a:cs typeface="DejaVu Math TeX Gyre" panose="02000503000000000000" charset="0"/>
-              <a:sym typeface="Arial" panose="020B0604020202020204"/>
-            </a:endParaRPr>
-          </a:p>
-          <a:p>
-            <a:pPr marL="571500" indent="-571500" algn="l">
-              <a:lnSpc>
-                <a:spcPct val="200000"/>
-              </a:lnSpc>
-              <a:buFont typeface="Arial" panose="020B0604020202020204" pitchFamily="34" charset="0"/>
-              <a:buChar char="•"/>
-            </a:pPr>
-            <a:r>
-              <a:rPr lang="pt-PT" altLang="en-US" sz="1400">
-                <a:solidFill>
-                  <a:schemeClr val="tx1"/>
-                </a:solidFill>
-                <a:uFillTx/>
-                <a:latin typeface="DejaVu Math TeX Gyre" panose="02000503000000000000" charset="0"/>
-                <a:ea typeface="Arial" panose="020B0604020202020204"/>
-                <a:cs typeface="DejaVu Math TeX Gyre" panose="02000503000000000000" charset="0"/>
-                <a:sym typeface="Arial" panose="020B0604020202020204"/>
-              </a:rPr>
-              <a:t>ROSENBROCK</a:t>
-            </a:r>
-            <a:endParaRPr lang="pt-PT" altLang="en-US" sz="1400">
-              <a:solidFill>
-                <a:schemeClr val="tx1"/>
-              </a:solidFill>
-              <a:uFillTx/>
-              <a:latin typeface="DejaVu Math TeX Gyre" panose="02000503000000000000" charset="0"/>
-              <a:ea typeface="Arial" panose="020B0604020202020204"/>
-              <a:cs typeface="DejaVu Math TeX Gyre" panose="02000503000000000000" charset="0"/>
-              <a:sym typeface="Arial" panose="020B0604020202020204"/>
-            </a:endParaRPr>
-          </a:p>
-          <a:p>
-            <a:pPr marL="1028700" lvl="1" indent="-571500" algn="l">
-              <a:lnSpc>
-                <a:spcPct val="200000"/>
-              </a:lnSpc>
-              <a:buFont typeface="Arial" panose="020B0604020202020204" pitchFamily="34" charset="0"/>
-              <a:buChar char="•"/>
-            </a:pPr>
-            <a:r>
-              <a:rPr lang="pt-PT" altLang="en-US" sz="1400">
-                <a:solidFill>
-                  <a:schemeClr val="tx1"/>
-                </a:solidFill>
-                <a:uFillTx/>
-                <a:latin typeface="DejaVu Math TeX Gyre" panose="02000503000000000000" charset="0"/>
-                <a:ea typeface="Arial" panose="020B0604020202020204"/>
-                <a:cs typeface="DejaVu Math TeX Gyre" panose="02000503000000000000" charset="0"/>
-                <a:sym typeface="Arial" panose="020B0604020202020204"/>
-              </a:rPr>
-              <a:t>-</a:t>
-            </a:r>
-            <a:endParaRPr lang="pt-PT" altLang="en-US" sz="1400">
-              <a:solidFill>
-                <a:schemeClr val="tx1"/>
-              </a:solidFill>
-              <a:uFillTx/>
-              <a:latin typeface="DejaVu Math TeX Gyre" panose="02000503000000000000" charset="0"/>
-              <a:ea typeface="Arial" panose="020B0604020202020204"/>
-              <a:cs typeface="DejaVu Math TeX Gyre" panose="02000503000000000000" charset="0"/>
-              <a:sym typeface="Arial" panose="020B0604020202020204"/>
-            </a:endParaRPr>
-          </a:p>
-          <a:p>
-            <a:pPr marL="571500" indent="-571500" algn="l">
-              <a:lnSpc>
-                <a:spcPct val="200000"/>
-              </a:lnSpc>
-              <a:buFont typeface="Arial" panose="020B0604020202020204" pitchFamily="34" charset="0"/>
-              <a:buChar char="•"/>
-            </a:pPr>
-            <a:r>
-              <a:rPr lang="pt-PT" altLang="en-US" sz="1400">
-                <a:solidFill>
-                  <a:schemeClr val="tx1"/>
-                </a:solidFill>
-                <a:uFillTx/>
-                <a:latin typeface="DejaVu Math TeX Gyre" panose="02000503000000000000" charset="0"/>
-                <a:ea typeface="Arial" panose="020B0604020202020204"/>
-                <a:cs typeface="DejaVu Math TeX Gyre" panose="02000503000000000000" charset="0"/>
-                <a:sym typeface="Arial" panose="020B0604020202020204"/>
-              </a:rPr>
-              <a:t>SCHWEFEL</a:t>
-            </a:r>
-            <a:endParaRPr lang="pt-PT" altLang="en-US" sz="1400">
-              <a:solidFill>
-                <a:schemeClr val="tx1"/>
-              </a:solidFill>
-              <a:uFillTx/>
-              <a:latin typeface="DejaVu Math TeX Gyre" panose="02000503000000000000" charset="0"/>
-              <a:ea typeface="Arial" panose="020B0604020202020204"/>
-              <a:cs typeface="DejaVu Math TeX Gyre" panose="02000503000000000000" charset="0"/>
-              <a:sym typeface="Arial" panose="020B0604020202020204"/>
-            </a:endParaRPr>
-          </a:p>
-          <a:p>
-            <a:pPr marL="1028700" lvl="1" indent="-571500" algn="l">
-              <a:lnSpc>
-                <a:spcPct val="200000"/>
-              </a:lnSpc>
-              <a:buFont typeface="Arial" panose="020B0604020202020204" pitchFamily="34" charset="0"/>
-              <a:buChar char="•"/>
-            </a:pPr>
-            <a:r>
-              <a:rPr lang="pt-PT" altLang="en-US" sz="1400">
-                <a:solidFill>
-                  <a:schemeClr val="tx1"/>
-                </a:solidFill>
-                <a:uFillTx/>
-                <a:latin typeface="DejaVu Math TeX Gyre" panose="02000503000000000000" charset="0"/>
-                <a:ea typeface="Arial" panose="020B0604020202020204"/>
-                <a:cs typeface="DejaVu Math TeX Gyre" panose="02000503000000000000" charset="0"/>
-                <a:sym typeface="Arial" panose="020B0604020202020204"/>
-              </a:rPr>
-              <a:t>P = 16 | std1 = 8 | tau = 9</a:t>
-            </a:r>
-            <a:endParaRPr lang="pt-PT" altLang="en-US" sz="1400">
-              <a:solidFill>
-                <a:schemeClr val="tx1"/>
-              </a:solidFill>
-              <a:uFillTx/>
-              <a:latin typeface="DejaVu Math TeX Gyre" panose="02000503000000000000" charset="0"/>
-              <a:ea typeface="Arial" panose="020B0604020202020204"/>
-              <a:cs typeface="DejaVu Math TeX Gyre" panose="02000503000000000000" charset="0"/>
-              <a:sym typeface="Arial" panose="020B0604020202020204"/>
-            </a:endParaRPr>
-          </a:p>
-          <a:p>
-            <a:pPr marL="571500" indent="-571500" algn="l">
-              <a:lnSpc>
-                <a:spcPct val="200000"/>
-              </a:lnSpc>
-              <a:buFont typeface="Arial" panose="020B0604020202020204" pitchFamily="34" charset="0"/>
-              <a:buChar char="•"/>
-            </a:pPr>
-            <a:r>
-              <a:rPr lang="pt-PT" altLang="en-US" sz="1400">
-                <a:solidFill>
-                  <a:schemeClr val="tx1"/>
-                </a:solidFill>
-                <a:uFillTx/>
-                <a:latin typeface="DejaVu Math TeX Gyre" panose="02000503000000000000" charset="0"/>
-                <a:ea typeface="Arial" panose="020B0604020202020204"/>
-                <a:cs typeface="DejaVu Math TeX Gyre" panose="02000503000000000000" charset="0"/>
-                <a:sym typeface="Arial" panose="020B0604020202020204"/>
-              </a:rPr>
-              <a:t>ACKLEY</a:t>
-            </a:r>
-            <a:endParaRPr lang="pt-PT" altLang="en-US" sz="1400">
-              <a:solidFill>
-                <a:schemeClr val="tx1"/>
-              </a:solidFill>
-              <a:uFillTx/>
-              <a:latin typeface="DejaVu Math TeX Gyre" panose="02000503000000000000" charset="0"/>
-              <a:ea typeface="Arial" panose="020B0604020202020204"/>
-              <a:cs typeface="DejaVu Math TeX Gyre" panose="02000503000000000000" charset="0"/>
-              <a:sym typeface="Arial" panose="020B0604020202020204"/>
-            </a:endParaRPr>
-          </a:p>
-          <a:p>
-            <a:pPr marL="1028700" lvl="1" indent="-571500" algn="l">
-              <a:lnSpc>
-                <a:spcPct val="200000"/>
-              </a:lnSpc>
-              <a:buFont typeface="Arial" panose="020B0604020202020204" pitchFamily="34" charset="0"/>
-              <a:buChar char="•"/>
-            </a:pPr>
-            <a:r>
-              <a:rPr lang="pt-PT" altLang="en-US" sz="1400">
-                <a:solidFill>
-                  <a:schemeClr val="tx1"/>
-                </a:solidFill>
-                <a:uFillTx/>
-                <a:latin typeface="DejaVu Math TeX Gyre" panose="02000503000000000000" charset="0"/>
-                <a:ea typeface="Arial" panose="020B0604020202020204"/>
-                <a:cs typeface="DejaVu Math TeX Gyre" panose="02000503000000000000" charset="0"/>
-                <a:sym typeface="Arial" panose="020B0604020202020204"/>
-              </a:rPr>
-              <a:t>-</a:t>
-            </a:r>
-            <a:endParaRPr lang="pt-PT" altLang="en-US" sz="1400">
-              <a:solidFill>
-                <a:schemeClr val="tx1"/>
-              </a:solidFill>
-              <a:uFillTx/>
-              <a:latin typeface="DejaVu Math TeX Gyre" panose="02000503000000000000" charset="0"/>
-              <a:ea typeface="Arial" panose="020B0604020202020204"/>
-              <a:cs typeface="DejaVu Math TeX Gyre" panose="02000503000000000000" charset="0"/>
-              <a:sym typeface="Arial" panose="020B0604020202020204"/>
-            </a:endParaRPr>
-          </a:p>
-          <a:p>
-            <a:pPr indent="0" algn="l">
-              <a:lnSpc>
-                <a:spcPct val="200000"/>
-              </a:lnSpc>
-              <a:buFont typeface="Arial" panose="020B0604020202020204" pitchFamily="34" charset="0"/>
-            </a:pPr>
-            <a:endParaRPr lang="pt-PT" altLang="en-US" sz="1400">
-              <a:solidFill>
-                <a:schemeClr val="tx1"/>
-              </a:solidFill>
-              <a:uFillTx/>
-              <a:latin typeface="DejaVu Math TeX Gyre" panose="02000503000000000000" charset="0"/>
-              <a:ea typeface="Arial" panose="020B0604020202020204"/>
-              <a:cs typeface="DejaVu Math TeX Gyre" panose="02000503000000000000" charset="0"/>
-              <a:sym typeface="Arial" panose="020B0604020202020204"/>
-            </a:endParaRPr>
-          </a:p>
-        </p:txBody>
-      </p:sp>
-      <p:sp>
-        <p:nvSpPr>
-          <p:cNvPr id="4" name="Google Shape;84;p2"/>
-          <p:cNvSpPr txBox="true">
-            <a:spLocks noGrp="true"/>
-          </p:cNvSpPr>
-          <p:nvPr/>
-        </p:nvSpPr>
-        <p:spPr>
-          <a:xfrm>
-            <a:off x="1934845" y="1031875"/>
-            <a:ext cx="8015605" cy="786130"/>
-          </a:xfrm>
-          <a:prstGeom prst="rect">
-            <a:avLst/>
-          </a:prstGeom>
-          <a:noFill/>
-          <a:ln>
-            <a:noFill/>
-          </a:ln>
-        </p:spPr>
-        <p:txBody>
-          <a:bodyPr vert="horz" wrap="square" lIns="103150" tIns="51575" rIns="103150" bIns="51575" rtlCol="0" anchor="ctr" anchorCtr="false">
-            <a:noAutofit/>
-          </a:bodyPr>
-          <a:lstStyle>
-            <a:lvl1pPr algn="ctr" defTabSz="914400" rtl="0" eaLnBrk="1" latinLnBrk="0" hangingPunct="1">
-              <a:lnSpc>
-                <a:spcPct val="130000"/>
-              </a:lnSpc>
-              <a:spcBef>
-                <a:spcPct val="0"/>
-              </a:spcBef>
-              <a:buNone/>
-              <a:defRPr sz="6000" kern="1200">
-                <a:solidFill>
-                  <a:schemeClr val="tx1"/>
-                </a:solidFill>
-                <a:effectLst>
-                  <a:outerShdw blurRad="38100" dist="38100" dir="2700000" algn="tl">
-                    <a:srgbClr val="000000">
-                      <a:alpha val="43137"/>
-                    </a:srgbClr>
-                  </a:outerShdw>
-                </a:effectLst>
-                <a:latin typeface="+mj-lt"/>
-                <a:ea typeface="+mj-ea"/>
-                <a:cs typeface="+mj-cs"/>
-              </a:defRPr>
-            </a:lvl1pPr>
-          </a:lstStyle>
-          <a:p>
-            <a:pPr indent="0" algn="l">
-              <a:lnSpc>
-                <a:spcPct val="200000"/>
-              </a:lnSpc>
-              <a:buFont typeface="Arial" panose="020B0604020202020204" pitchFamily="34" charset="0"/>
-            </a:pPr>
-            <a:r>
-              <a:rPr lang="pt-PT" altLang="en-US" sz="1600" b="1">
-                <a:solidFill>
-                  <a:schemeClr val="tx1"/>
-                </a:solidFill>
-                <a:uFillTx/>
-                <a:latin typeface="DejaVu Math TeX Gyre" panose="02000503000000000000" charset="0"/>
-                <a:ea typeface="Arial" panose="020B0604020202020204"/>
-                <a:cs typeface="DejaVu Math TeX Gyre" panose="02000503000000000000" charset="0"/>
-                <a:sym typeface="Arial" panose="020B0604020202020204"/>
-              </a:rPr>
-              <a:t>TUNING NOVO                                                              TUNING IGOR</a:t>
-            </a:r>
-            <a:endParaRPr lang="pt-PT" altLang="en-US" sz="1600" b="1">
               <a:solidFill>
                 <a:schemeClr val="tx1"/>
               </a:solidFill>
